--- a/Cégünk bemutatása.pptx
+++ b/Cégünk bemutatása.pptx
@@ -12,6 +12,7 @@
     <p:sldId id="259" r:id="rId6"/>
     <p:sldId id="261" r:id="rId7"/>
     <p:sldId id="262" r:id="rId8"/>
+    <p:sldId id="263" r:id="rId9"/>
   </p:sldIdLst>
   <p:sldSz cx="12192000" cy="6858000"/>
   <p:notesSz cx="6858000" cy="9144000"/>
@@ -808,7 +809,7 @@
             <a:fld id="{D200B3F0-A9BC-48CE-8EB6-ECE965069900}" type="datetimeFigureOut">
               <a:rPr lang="en-US" dirty="0"/>
               <a:pPr/>
-              <a:t>12/8/2022</a:t>
+              <a:t>1/8/2023</a:t>
             </a:fld>
             <a:endParaRPr lang="en-US" dirty="0"/>
           </a:p>
@@ -1969,7 +1970,7 @@
           <a:p>
             <a:fld id="{3DF9FFFF-3106-4DDB-AA62-0C80862170D6}" type="datetimeFigureOut">
               <a:rPr lang="en-US" dirty="0"/>
-              <a:t>12/8/2022</a:t>
+              <a:t>1/8/2023</a:t>
             </a:fld>
             <a:endParaRPr lang="en-US" dirty="0"/>
           </a:p>
@@ -3023,7 +3024,7 @@
           <a:p>
             <a:fld id="{A3DA38B7-AE95-4DC8-9A51-7A71F545B098}" type="datetimeFigureOut">
               <a:rPr lang="en-US" dirty="0"/>
-              <a:t>12/8/2022</a:t>
+              <a:t>1/8/2023</a:t>
             </a:fld>
             <a:endParaRPr lang="en-US" dirty="0"/>
           </a:p>
@@ -4236,7 +4237,7 @@
           <a:p>
             <a:fld id="{86F1EC2B-8188-4AC2-9F0D-8D09C51D505A}" type="datetimeFigureOut">
               <a:rPr lang="en-US" dirty="0"/>
-              <a:t>12/8/2022</a:t>
+              <a:t>1/8/2023</a:t>
             </a:fld>
             <a:endParaRPr lang="en-US" dirty="0"/>
           </a:p>
@@ -5340,7 +5341,7 @@
           <a:p>
             <a:fld id="{9212B75E-944F-430B-BE5F-C69FA8823C04}" type="datetimeFigureOut">
               <a:rPr lang="en-US" dirty="0"/>
-              <a:t>12/8/2022</a:t>
+              <a:t>1/8/2023</a:t>
             </a:fld>
             <a:endParaRPr lang="en-US" dirty="0"/>
           </a:p>
@@ -5992,7 +5993,7 @@
           <a:p>
             <a:fld id="{79AE0DC7-7F53-471C-A711-B3DA6F2535F3}" type="datetimeFigureOut">
               <a:rPr lang="en-US" dirty="0"/>
-              <a:t>12/8/2022</a:t>
+              <a:t>1/8/2023</a:t>
             </a:fld>
             <a:endParaRPr lang="en-US" dirty="0"/>
           </a:p>
@@ -6839,7 +6840,7 @@
           <a:p>
             <a:fld id="{3C1F4C9D-4618-451D-80C1-6A376BB42AB4}" type="datetimeFigureOut">
               <a:rPr lang="en-US" dirty="0"/>
-              <a:t>12/8/2022</a:t>
+              <a:t>1/8/2023</a:t>
             </a:fld>
             <a:endParaRPr lang="en-US" dirty="0"/>
           </a:p>
@@ -7024,7 +7025,7 @@
           <a:p>
             <a:fld id="{F54D2318-CE40-42F6-962A-4C6D6CF697DB}" type="datetimeFigureOut">
               <a:rPr lang="en-US" dirty="0"/>
-              <a:t>12/8/2022</a:t>
+              <a:t>1/8/2023</a:t>
             </a:fld>
             <a:endParaRPr lang="en-US" dirty="0"/>
           </a:p>
@@ -8065,7 +8066,7 @@
           <a:p>
             <a:fld id="{0C476AC1-EB7F-4BEF-90D9-5764B50DAF8A}" type="datetimeFigureOut">
               <a:rPr lang="en-US" dirty="0"/>
-              <a:t>12/8/2022</a:t>
+              <a:t>1/8/2023</a:t>
             </a:fld>
             <a:endParaRPr lang="en-US" dirty="0"/>
           </a:p>
@@ -8281,7 +8282,7 @@
           <a:p>
             <a:fld id="{1B20712A-F861-4AB0-A754-4F5A2033CD4B}" type="datetimeFigureOut">
               <a:rPr lang="en-US" dirty="0"/>
-              <a:t>12/8/2022</a:t>
+              <a:t>1/8/2023</a:t>
             </a:fld>
             <a:endParaRPr lang="en-US" dirty="0"/>
           </a:p>
@@ -9386,7 +9387,7 @@
           <a:p>
             <a:fld id="{324507B7-F2DC-4B2C-B14D-58A9766807A2}" type="datetimeFigureOut">
               <a:rPr lang="en-US" dirty="0"/>
-              <a:t>12/8/2022</a:t>
+              <a:t>1/8/2023</a:t>
             </a:fld>
             <a:endParaRPr lang="en-US" dirty="0"/>
           </a:p>
@@ -9658,7 +9659,7 @@
           <a:p>
             <a:fld id="{904A483D-5CB4-4842-8F2F-05D5276ACF63}" type="datetimeFigureOut">
               <a:rPr lang="en-US" dirty="0"/>
-              <a:t>12/8/2022</a:t>
+              <a:t>1/8/2023</a:t>
             </a:fld>
             <a:endParaRPr lang="en-US" dirty="0"/>
           </a:p>
@@ -10040,7 +10041,7 @@
           <a:p>
             <a:fld id="{1D1CE32E-9DC0-47C8-A657-48F5C3E4A10B}" type="datetimeFigureOut">
               <a:rPr lang="en-US" dirty="0"/>
-              <a:t>12/8/2022</a:t>
+              <a:t>1/8/2023</a:t>
             </a:fld>
             <a:endParaRPr lang="en-US" dirty="0"/>
           </a:p>
@@ -10158,7 +10159,7 @@
           <a:p>
             <a:fld id="{2BDF5C0D-8C3A-4771-A43D-83937FC700D4}" type="datetimeFigureOut">
               <a:rPr lang="en-US" dirty="0"/>
-              <a:t>12/8/2022</a:t>
+              <a:t>1/8/2023</a:t>
             </a:fld>
             <a:endParaRPr lang="en-US" dirty="0"/>
           </a:p>
@@ -10253,7 +10254,7 @@
           <a:p>
             <a:fld id="{0203D2D6-FCC2-425A-A4A7-8058E8C01CB1}" type="datetimeFigureOut">
               <a:rPr lang="en-US" dirty="0"/>
-              <a:t>12/8/2022</a:t>
+              <a:t>1/8/2023</a:t>
             </a:fld>
             <a:endParaRPr lang="en-US" dirty="0"/>
           </a:p>
@@ -11405,7 +11406,7 @@
           <a:p>
             <a:fld id="{D8CF2683-E6E7-4CC3-9EEE-7854DD4F3545}" type="datetimeFigureOut">
               <a:rPr lang="en-US" dirty="0"/>
-              <a:t>12/8/2022</a:t>
+              <a:t>1/8/2023</a:t>
             </a:fld>
             <a:endParaRPr lang="en-US" dirty="0"/>
           </a:p>
@@ -12581,7 +12582,7 @@
           <a:p>
             <a:fld id="{7E120F81-B39D-4CBB-8BF3-5D6E395D0F72}" type="datetimeFigureOut">
               <a:rPr lang="en-US" dirty="0"/>
-              <a:t>12/8/2022</a:t>
+              <a:t>1/8/2023</a:t>
             </a:fld>
             <a:endParaRPr lang="en-US" dirty="0"/>
           </a:p>
@@ -13691,7 +13692,7 @@
           <a:p>
             <a:fld id="{564B320A-89BA-47B2-A525-92E8D10B06E4}" type="datetimeFigureOut">
               <a:rPr lang="en-US" dirty="0"/>
-              <a:t>12/8/2022</a:t>
+              <a:t>1/8/2023</a:t>
             </a:fld>
             <a:endParaRPr lang="en-US" dirty="0"/>
           </a:p>
@@ -14342,13 +14343,13 @@
   <p:clrMapOvr>
     <a:masterClrMapping/>
   </p:clrMapOvr>
-  <mc:AlternateContent xmlns:mc="http://schemas.openxmlformats.org/markup-compatibility/2006">
-    <mc:Choice xmlns:p15="http://schemas.microsoft.com/office/powerpoint/2012/main" Requires="p15">
+  <mc:AlternateContent xmlns:mc="http://schemas.openxmlformats.org/markup-compatibility/2006" xmlns:p15="http://schemas.microsoft.com/office/powerpoint/2012/main">
+    <mc:Choice Requires="p15">
       <p:transition xmlns:p14="http://schemas.microsoft.com/office/powerpoint/2010/main" spd="slow" p14:dur="6000" advClick="0" advTm="5000">
         <p15:prstTrans prst="curtains"/>
       </p:transition>
     </mc:Choice>
-    <mc:Fallback>
+    <mc:Fallback xmlns="">
       <p:transition spd="slow" advClick="0" advTm="5000">
         <p:fade/>
       </p:transition>
@@ -14664,13 +14665,13 @@
   <p:clrMapOvr>
     <a:masterClrMapping/>
   </p:clrMapOvr>
-  <mc:AlternateContent xmlns:mc="http://schemas.openxmlformats.org/markup-compatibility/2006">
-    <mc:Choice xmlns:p14="http://schemas.microsoft.com/office/powerpoint/2010/main" Requires="p14">
+  <mc:AlternateContent xmlns:mc="http://schemas.openxmlformats.org/markup-compatibility/2006" xmlns:p14="http://schemas.microsoft.com/office/powerpoint/2010/main">
+    <mc:Choice Requires="p14">
       <p:transition spd="slow" p14:dur="2000" advClick="0" advTm="7000">
         <p:push dir="u"/>
       </p:transition>
     </mc:Choice>
-    <mc:Fallback>
+    <mc:Fallback xmlns="">
       <p:transition spd="slow" advClick="0" advTm="7000">
         <p:push dir="u"/>
       </p:transition>
@@ -14938,7 +14939,7 @@
                 <a:latin typeface="Arial" panose="020B0604020202020204" pitchFamily="34" charset="0"/>
                 <a:cs typeface="Arial" panose="020B0604020202020204" pitchFamily="34" charset="0"/>
               </a:rPr>
-              <a:t>Olcsó munkaerő</a:t>
+              <a:t>Szakember</a:t>
             </a:r>
           </a:p>
           <a:p>
@@ -14951,14 +14952,10 @@
                 <a:latin typeface="Arial" panose="020B0604020202020204" pitchFamily="34" charset="0"/>
                 <a:cs typeface="Arial" panose="020B0604020202020204" pitchFamily="34" charset="0"/>
               </a:rPr>
-              <a:t>Szakember</a:t>
+              <a:t>Olcsó munkaerő</a:t>
             </a:r>
           </a:p>
           <a:p>
-            <a:pPr marL="457200" indent="-457200">
-              <a:buFont typeface="Arial" panose="020B0604020202020204" pitchFamily="34" charset="0"/>
-              <a:buChar char="•"/>
-            </a:pPr>
             <a:endParaRPr lang="hu-HU" sz="2800" dirty="0"/>
           </a:p>
           <a:p>
@@ -15012,13 +15009,13 @@
   <p:clrMapOvr>
     <a:masterClrMapping/>
   </p:clrMapOvr>
-  <mc:AlternateContent xmlns:mc="http://schemas.openxmlformats.org/markup-compatibility/2006">
-    <mc:Choice xmlns:p14="http://schemas.microsoft.com/office/powerpoint/2010/main" Requires="p14">
+  <mc:AlternateContent xmlns:mc="http://schemas.openxmlformats.org/markup-compatibility/2006" xmlns:p14="http://schemas.microsoft.com/office/powerpoint/2010/main">
+    <mc:Choice Requires="p14">
       <p:transition spd="slow" p14:dur="1250" advTm="3000">
         <p14:switch dir="r"/>
       </p:transition>
     </mc:Choice>
-    <mc:Fallback>
+    <mc:Fallback xmlns="">
       <p:transition spd="slow" advTm="3000">
         <p:fade/>
       </p:transition>
@@ -15633,7 +15630,7 @@
                                     </p:set>
                                     <p:anim calcmode="lin" valueType="num">
                                       <p:cBhvr additive="base">
-                                        <p:cTn id="39" dur="1500" fill="hold"/>
+                                        <p:cTn id="39" dur="1000" fill="hold"/>
                                         <p:tgtEl>
                                           <p:spTgt spid="8">
                                             <p:txEl>
@@ -15660,7 +15657,7 @@
                                     </p:anim>
                                     <p:anim calcmode="lin" valueType="num">
                                       <p:cBhvr additive="base">
-                                        <p:cTn id="40" dur="1500" fill="hold"/>
+                                        <p:cTn id="40" dur="1000" fill="hold"/>
                                         <p:tgtEl>
                                           <p:spTgt spid="8">
                                             <p:txEl>
@@ -15694,7 +15691,7 @@
                         <p:par>
                           <p:cTn id="41" fill="hold">
                             <p:stCondLst>
-                              <p:cond delay="19500"/>
+                              <p:cond delay="19000"/>
                             </p:stCondLst>
                             <p:childTnLst>
                               <p:par>
@@ -16005,13 +16002,13 @@
   <p:clrMapOvr>
     <a:masterClrMapping/>
   </p:clrMapOvr>
-  <mc:AlternateContent xmlns:mc="http://schemas.openxmlformats.org/markup-compatibility/2006">
-    <mc:Choice xmlns:p14="http://schemas.microsoft.com/office/powerpoint/2010/main" Requires="p14">
+  <mc:AlternateContent xmlns:mc="http://schemas.openxmlformats.org/markup-compatibility/2006" xmlns:p14="http://schemas.microsoft.com/office/powerpoint/2010/main">
+    <mc:Choice Requires="p14">
       <p:transition spd="slow" p14:dur="1250" advTm="3000">
         <p14:flip dir="r"/>
       </p:transition>
     </mc:Choice>
-    <mc:Fallback>
+    <mc:Fallback xmlns="">
       <p:transition spd="slow" advTm="3000">
         <p:fade/>
       </p:transition>
@@ -16719,7 +16716,7 @@
             </a:pPr>
             <a:r>
               <a:rPr lang="hu-HU" sz="2800" dirty="0"/>
-              <a:t>15 éves</a:t>
+              <a:t>16 éves</a:t>
             </a:r>
           </a:p>
           <a:p>
@@ -16795,13 +16792,13 @@
   <p:clrMapOvr>
     <a:masterClrMapping/>
   </p:clrMapOvr>
-  <mc:AlternateContent xmlns:mc="http://schemas.openxmlformats.org/markup-compatibility/2006">
-    <mc:Choice xmlns:p14="http://schemas.microsoft.com/office/powerpoint/2010/main" Requires="p14">
+  <mc:AlternateContent xmlns:mc="http://schemas.openxmlformats.org/markup-compatibility/2006" xmlns:p14="http://schemas.microsoft.com/office/powerpoint/2010/main">
+    <mc:Choice Requires="p14">
       <p:transition spd="slow" p14:dur="4400" advTm="3000">
         <p14:honeycomb/>
       </p:transition>
     </mc:Choice>
-    <mc:Fallback>
+    <mc:Fallback xmlns="">
       <p:transition spd="slow" advTm="3000">
         <p:fade/>
       </p:transition>
@@ -17707,13 +17704,13 @@
   <p:clrMapOvr>
     <a:masterClrMapping/>
   </p:clrMapOvr>
-  <mc:AlternateContent xmlns:mc="http://schemas.openxmlformats.org/markup-compatibility/2006">
-    <mc:Choice xmlns:p15="http://schemas.microsoft.com/office/powerpoint/2012/main" Requires="p15">
+  <mc:AlternateContent xmlns:mc="http://schemas.openxmlformats.org/markup-compatibility/2006" xmlns:p15="http://schemas.microsoft.com/office/powerpoint/2012/main">
+    <mc:Choice Requires="p15">
       <p:transition xmlns:p14="http://schemas.microsoft.com/office/powerpoint/2010/main" spd="slow" p14:dur="6000" advClick="0" advTm="5000">
         <p15:prstTrans prst="curtains"/>
       </p:transition>
     </mc:Choice>
-    <mc:Fallback>
+    <mc:Fallback xmlns="">
       <p:transition spd="slow" advClick="0" advTm="5000">
         <p:fade/>
       </p:transition>
@@ -17957,7 +17954,7 @@
                               <p:par>
                                 <p:cTn id="17" presetID="42" presetClass="entr" presetSubtype="0" fill="hold" nodeType="afterEffect">
                                   <p:stCondLst>
-                                    <p:cond delay="0"/>
+                                    <p:cond delay="2000"/>
                                   </p:stCondLst>
                                   <p:childTnLst>
                                     <p:set>
@@ -18057,7 +18054,7 @@
                         <p:par>
                           <p:cTn id="22" fill="hold">
                             <p:stCondLst>
-                              <p:cond delay="10000"/>
+                              <p:cond delay="12000"/>
                             </p:stCondLst>
                             <p:childTnLst>
                               <p:par>
@@ -18163,7 +18160,7 @@
                         <p:par>
                           <p:cTn id="28" fill="hold">
                             <p:stCondLst>
-                              <p:cond delay="14000"/>
+                              <p:cond delay="16000"/>
                             </p:stCondLst>
                             <p:childTnLst>
                               <p:par>
@@ -18269,7 +18266,7 @@
                         <p:par>
                           <p:cTn id="34" fill="hold">
                             <p:stCondLst>
-                              <p:cond delay="18000"/>
+                              <p:cond delay="20000"/>
                             </p:stCondLst>
                             <p:childTnLst>
                               <p:par>
@@ -18375,13 +18372,13 @@
                         <p:par>
                           <p:cTn id="40" fill="hold">
                             <p:stCondLst>
-                              <p:cond delay="22000"/>
+                              <p:cond delay="24000"/>
                             </p:stCondLst>
                             <p:childTnLst>
                               <p:par>
                                 <p:cTn id="41" presetID="42" presetClass="entr" presetSubtype="0" fill="hold" nodeType="afterEffect">
                                   <p:stCondLst>
-                                    <p:cond delay="5000"/>
+                                    <p:cond delay="2000"/>
                                   </p:stCondLst>
                                   <p:childTnLst>
                                     <p:set>
@@ -18481,13 +18478,13 @@
                         <p:par>
                           <p:cTn id="46" fill="hold">
                             <p:stCondLst>
-                              <p:cond delay="29000"/>
+                              <p:cond delay="28000"/>
                             </p:stCondLst>
                             <p:childTnLst>
                               <p:par>
                                 <p:cTn id="47" presetID="42" presetClass="entr" presetSubtype="0" fill="hold" nodeType="afterEffect">
                                   <p:stCondLst>
-                                    <p:cond delay="4000"/>
+                                    <p:cond delay="2000"/>
                                   </p:stCondLst>
                                   <p:childTnLst>
                                     <p:set>
@@ -18678,8 +18675,8 @@
         </p:nvSpPr>
         <p:spPr bwMode="auto">
           <a:xfrm>
-            <a:off x="733168" y="3357283"/>
-            <a:ext cx="6779740" cy="1938992"/>
+            <a:off x="2922954" y="3442786"/>
+            <a:ext cx="5681783" cy="2185214"/>
           </a:xfrm>
           <a:prstGeom prst="rect">
             <a:avLst/>
@@ -18742,7 +18739,7 @@
                 <a:latin typeface="Arial" panose="020B0604020202020204" pitchFamily="34" charset="0"/>
                 <a:cs typeface="Arial" panose="020B0604020202020204" pitchFamily="34" charset="0"/>
               </a:rPr>
-              <a:t>Mi a FEDESZ-nél azon dolgozunk, hogy önnek kényelmesebb legyen.</a:t>
+              <a:t>Mi a FEDESZ-nél azon dolgozunk, hogy önnek kényelmesebb legyen a munkavégzés.</a:t>
             </a:r>
           </a:p>
           <a:p>
@@ -18833,6 +18830,698 @@
   <p:clrMapOvr>
     <a:masterClrMapping/>
   </p:clrMapOvr>
+  <mc:AlternateContent xmlns:mc="http://schemas.openxmlformats.org/markup-compatibility/2006" xmlns:p14="http://schemas.microsoft.com/office/powerpoint/2010/main">
+    <mc:Choice Requires="p14">
+      <p:transition spd="slow" p14:dur="1750" advTm="3000">
+        <p:cover/>
+      </p:transition>
+    </mc:Choice>
+    <mc:Fallback xmlns="">
+      <p:transition spd="slow" advTm="3000">
+        <p:cover/>
+      </p:transition>
+    </mc:Fallback>
+  </mc:AlternateContent>
+  <p:timing>
+    <p:tnLst>
+      <p:par>
+        <p:cTn id="1" dur="indefinite" restart="never" nodeType="tmRoot">
+          <p:childTnLst>
+            <p:seq concurrent="1" nextAc="seek">
+              <p:cTn id="2" dur="indefinite" nodeType="mainSeq">
+                <p:childTnLst>
+                  <p:par>
+                    <p:cTn id="3" fill="hold">
+                      <p:stCondLst>
+                        <p:cond delay="indefinite"/>
+                        <p:cond evt="onBegin" delay="0">
+                          <p:tn val="2"/>
+                        </p:cond>
+                      </p:stCondLst>
+                      <p:childTnLst>
+                        <p:par>
+                          <p:cTn id="4" fill="hold">
+                            <p:stCondLst>
+                              <p:cond delay="0"/>
+                            </p:stCondLst>
+                            <p:childTnLst>
+                              <p:par>
+                                <p:cTn id="5" presetID="42" presetClass="entr" presetSubtype="0" fill="hold" grpId="0" nodeType="afterEffect">
+                                  <p:stCondLst>
+                                    <p:cond delay="500"/>
+                                  </p:stCondLst>
+                                  <p:childTnLst>
+                                    <p:set>
+                                      <p:cBhvr>
+                                        <p:cTn id="6" dur="1" fill="hold">
+                                          <p:stCondLst>
+                                            <p:cond delay="0"/>
+                                          </p:stCondLst>
+                                        </p:cTn>
+                                        <p:tgtEl>
+                                          <p:spTgt spid="2"/>
+                                        </p:tgtEl>
+                                        <p:attrNameLst>
+                                          <p:attrName>style.visibility</p:attrName>
+                                        </p:attrNameLst>
+                                      </p:cBhvr>
+                                      <p:to>
+                                        <p:strVal val="visible"/>
+                                      </p:to>
+                                    </p:set>
+                                    <p:animEffect transition="in" filter="fade">
+                                      <p:cBhvr>
+                                        <p:cTn id="7" dur="2000"/>
+                                        <p:tgtEl>
+                                          <p:spTgt spid="2"/>
+                                        </p:tgtEl>
+                                      </p:cBhvr>
+                                    </p:animEffect>
+                                    <p:anim calcmode="lin" valueType="num">
+                                      <p:cBhvr>
+                                        <p:cTn id="8" dur="2000" fill="hold"/>
+                                        <p:tgtEl>
+                                          <p:spTgt spid="2"/>
+                                        </p:tgtEl>
+                                        <p:attrNameLst>
+                                          <p:attrName>ppt_x</p:attrName>
+                                        </p:attrNameLst>
+                                      </p:cBhvr>
+                                      <p:tavLst>
+                                        <p:tav tm="0">
+                                          <p:val>
+                                            <p:strVal val="#ppt_x"/>
+                                          </p:val>
+                                        </p:tav>
+                                        <p:tav tm="100000">
+                                          <p:val>
+                                            <p:strVal val="#ppt_x"/>
+                                          </p:val>
+                                        </p:tav>
+                                      </p:tavLst>
+                                    </p:anim>
+                                    <p:anim calcmode="lin" valueType="num">
+                                      <p:cBhvr>
+                                        <p:cTn id="9" dur="2000" fill="hold"/>
+                                        <p:tgtEl>
+                                          <p:spTgt spid="2"/>
+                                        </p:tgtEl>
+                                        <p:attrNameLst>
+                                          <p:attrName>ppt_y</p:attrName>
+                                        </p:attrNameLst>
+                                      </p:cBhvr>
+                                      <p:tavLst>
+                                        <p:tav tm="0">
+                                          <p:val>
+                                            <p:strVal val="#ppt_y+.1"/>
+                                          </p:val>
+                                        </p:tav>
+                                        <p:tav tm="100000">
+                                          <p:val>
+                                            <p:strVal val="#ppt_y"/>
+                                          </p:val>
+                                        </p:tav>
+                                      </p:tavLst>
+                                    </p:anim>
+                                  </p:childTnLst>
+                                </p:cTn>
+                              </p:par>
+                            </p:childTnLst>
+                          </p:cTn>
+                        </p:par>
+                        <p:par>
+                          <p:cTn id="10" fill="hold">
+                            <p:stCondLst>
+                              <p:cond delay="2500"/>
+                            </p:stCondLst>
+                            <p:childTnLst>
+                              <p:par>
+                                <p:cTn id="11" presetID="2" presetClass="entr" presetSubtype="4" fill="hold" nodeType="afterEffect">
+                                  <p:stCondLst>
+                                    <p:cond delay="2000"/>
+                                  </p:stCondLst>
+                                  <p:childTnLst>
+                                    <p:set>
+                                      <p:cBhvr>
+                                        <p:cTn id="12" dur="1" fill="hold">
+                                          <p:stCondLst>
+                                            <p:cond delay="0"/>
+                                          </p:stCondLst>
+                                        </p:cTn>
+                                        <p:tgtEl>
+                                          <p:spTgt spid="9">
+                                            <p:txEl>
+                                              <p:pRg st="0" end="0"/>
+                                            </p:txEl>
+                                          </p:spTgt>
+                                        </p:tgtEl>
+                                        <p:attrNameLst>
+                                          <p:attrName>style.visibility</p:attrName>
+                                        </p:attrNameLst>
+                                      </p:cBhvr>
+                                      <p:to>
+                                        <p:strVal val="visible"/>
+                                      </p:to>
+                                    </p:set>
+                                    <p:anim calcmode="lin" valueType="num">
+                                      <p:cBhvr additive="base">
+                                        <p:cTn id="13" dur="1500" fill="hold"/>
+                                        <p:tgtEl>
+                                          <p:spTgt spid="9">
+                                            <p:txEl>
+                                              <p:pRg st="0" end="0"/>
+                                            </p:txEl>
+                                          </p:spTgt>
+                                        </p:tgtEl>
+                                        <p:attrNameLst>
+                                          <p:attrName>ppt_x</p:attrName>
+                                        </p:attrNameLst>
+                                      </p:cBhvr>
+                                      <p:tavLst>
+                                        <p:tav tm="0">
+                                          <p:val>
+                                            <p:strVal val="#ppt_x"/>
+                                          </p:val>
+                                        </p:tav>
+                                        <p:tav tm="100000">
+                                          <p:val>
+                                            <p:strVal val="#ppt_x"/>
+                                          </p:val>
+                                        </p:tav>
+                                      </p:tavLst>
+                                    </p:anim>
+                                    <p:anim calcmode="lin" valueType="num">
+                                      <p:cBhvr additive="base">
+                                        <p:cTn id="14" dur="1500" fill="hold"/>
+                                        <p:tgtEl>
+                                          <p:spTgt spid="9">
+                                            <p:txEl>
+                                              <p:pRg st="0" end="0"/>
+                                            </p:txEl>
+                                          </p:spTgt>
+                                        </p:tgtEl>
+                                        <p:attrNameLst>
+                                          <p:attrName>ppt_y</p:attrName>
+                                        </p:attrNameLst>
+                                      </p:cBhvr>
+                                      <p:tavLst>
+                                        <p:tav tm="0">
+                                          <p:val>
+                                            <p:strVal val="1+#ppt_h/2"/>
+                                          </p:val>
+                                        </p:tav>
+                                        <p:tav tm="100000">
+                                          <p:val>
+                                            <p:strVal val="#ppt_y"/>
+                                          </p:val>
+                                        </p:tav>
+                                      </p:tavLst>
+                                    </p:anim>
+                                  </p:childTnLst>
+                                </p:cTn>
+                              </p:par>
+                            </p:childTnLst>
+                          </p:cTn>
+                        </p:par>
+                        <p:par>
+                          <p:cTn id="15" fill="hold">
+                            <p:stCondLst>
+                              <p:cond delay="6000"/>
+                            </p:stCondLst>
+                            <p:childTnLst>
+                              <p:par>
+                                <p:cTn id="16" presetID="2" presetClass="entr" presetSubtype="4" fill="hold" nodeType="afterEffect">
+                                  <p:stCondLst>
+                                    <p:cond delay="4000"/>
+                                  </p:stCondLst>
+                                  <p:childTnLst>
+                                    <p:set>
+                                      <p:cBhvr>
+                                        <p:cTn id="17" dur="1" fill="hold">
+                                          <p:stCondLst>
+                                            <p:cond delay="0"/>
+                                          </p:stCondLst>
+                                        </p:cTn>
+                                        <p:tgtEl>
+                                          <p:spTgt spid="9">
+                                            <p:txEl>
+                                              <p:pRg st="1" end="1"/>
+                                            </p:txEl>
+                                          </p:spTgt>
+                                        </p:tgtEl>
+                                        <p:attrNameLst>
+                                          <p:attrName>style.visibility</p:attrName>
+                                        </p:attrNameLst>
+                                      </p:cBhvr>
+                                      <p:to>
+                                        <p:strVal val="visible"/>
+                                      </p:to>
+                                    </p:set>
+                                    <p:anim calcmode="lin" valueType="num">
+                                      <p:cBhvr additive="base">
+                                        <p:cTn id="18" dur="2000" fill="hold"/>
+                                        <p:tgtEl>
+                                          <p:spTgt spid="9">
+                                            <p:txEl>
+                                              <p:pRg st="1" end="1"/>
+                                            </p:txEl>
+                                          </p:spTgt>
+                                        </p:tgtEl>
+                                        <p:attrNameLst>
+                                          <p:attrName>ppt_x</p:attrName>
+                                        </p:attrNameLst>
+                                      </p:cBhvr>
+                                      <p:tavLst>
+                                        <p:tav tm="0">
+                                          <p:val>
+                                            <p:strVal val="#ppt_x"/>
+                                          </p:val>
+                                        </p:tav>
+                                        <p:tav tm="100000">
+                                          <p:val>
+                                            <p:strVal val="#ppt_x"/>
+                                          </p:val>
+                                        </p:tav>
+                                      </p:tavLst>
+                                    </p:anim>
+                                    <p:anim calcmode="lin" valueType="num">
+                                      <p:cBhvr additive="base">
+                                        <p:cTn id="19" dur="2000" fill="hold"/>
+                                        <p:tgtEl>
+                                          <p:spTgt spid="9">
+                                            <p:txEl>
+                                              <p:pRg st="1" end="1"/>
+                                            </p:txEl>
+                                          </p:spTgt>
+                                        </p:tgtEl>
+                                        <p:attrNameLst>
+                                          <p:attrName>ppt_y</p:attrName>
+                                        </p:attrNameLst>
+                                      </p:cBhvr>
+                                      <p:tavLst>
+                                        <p:tav tm="0">
+                                          <p:val>
+                                            <p:strVal val="1+#ppt_h/2"/>
+                                          </p:val>
+                                        </p:tav>
+                                        <p:tav tm="100000">
+                                          <p:val>
+                                            <p:strVal val="#ppt_y"/>
+                                          </p:val>
+                                        </p:tav>
+                                      </p:tavLst>
+                                    </p:anim>
+                                  </p:childTnLst>
+                                </p:cTn>
+                              </p:par>
+                            </p:childTnLst>
+                          </p:cTn>
+                        </p:par>
+                        <p:par>
+                          <p:cTn id="20" fill="hold">
+                            <p:stCondLst>
+                              <p:cond delay="12000"/>
+                            </p:stCondLst>
+                            <p:childTnLst>
+                              <p:par>
+                                <p:cTn id="21" presetID="2" presetClass="entr" presetSubtype="4" fill="hold" nodeType="afterEffect">
+                                  <p:stCondLst>
+                                    <p:cond delay="4000"/>
+                                  </p:stCondLst>
+                                  <p:childTnLst>
+                                    <p:set>
+                                      <p:cBhvr>
+                                        <p:cTn id="22" dur="1" fill="hold">
+                                          <p:stCondLst>
+                                            <p:cond delay="0"/>
+                                          </p:stCondLst>
+                                        </p:cTn>
+                                        <p:tgtEl>
+                                          <p:spTgt spid="9">
+                                            <p:txEl>
+                                              <p:pRg st="2" end="2"/>
+                                            </p:txEl>
+                                          </p:spTgt>
+                                        </p:tgtEl>
+                                        <p:attrNameLst>
+                                          <p:attrName>style.visibility</p:attrName>
+                                        </p:attrNameLst>
+                                      </p:cBhvr>
+                                      <p:to>
+                                        <p:strVal val="visible"/>
+                                      </p:to>
+                                    </p:set>
+                                    <p:anim calcmode="lin" valueType="num">
+                                      <p:cBhvr additive="base">
+                                        <p:cTn id="23" dur="2000" fill="hold"/>
+                                        <p:tgtEl>
+                                          <p:spTgt spid="9">
+                                            <p:txEl>
+                                              <p:pRg st="2" end="2"/>
+                                            </p:txEl>
+                                          </p:spTgt>
+                                        </p:tgtEl>
+                                        <p:attrNameLst>
+                                          <p:attrName>ppt_x</p:attrName>
+                                        </p:attrNameLst>
+                                      </p:cBhvr>
+                                      <p:tavLst>
+                                        <p:tav tm="0">
+                                          <p:val>
+                                            <p:strVal val="#ppt_x"/>
+                                          </p:val>
+                                        </p:tav>
+                                        <p:tav tm="100000">
+                                          <p:val>
+                                            <p:strVal val="#ppt_x"/>
+                                          </p:val>
+                                        </p:tav>
+                                      </p:tavLst>
+                                    </p:anim>
+                                    <p:anim calcmode="lin" valueType="num">
+                                      <p:cBhvr additive="base">
+                                        <p:cTn id="24" dur="2000" fill="hold"/>
+                                        <p:tgtEl>
+                                          <p:spTgt spid="9">
+                                            <p:txEl>
+                                              <p:pRg st="2" end="2"/>
+                                            </p:txEl>
+                                          </p:spTgt>
+                                        </p:tgtEl>
+                                        <p:attrNameLst>
+                                          <p:attrName>ppt_y</p:attrName>
+                                        </p:attrNameLst>
+                                      </p:cBhvr>
+                                      <p:tavLst>
+                                        <p:tav tm="0">
+                                          <p:val>
+                                            <p:strVal val="1+#ppt_h/2"/>
+                                          </p:val>
+                                        </p:tav>
+                                        <p:tav tm="100000">
+                                          <p:val>
+                                            <p:strVal val="#ppt_y"/>
+                                          </p:val>
+                                        </p:tav>
+                                      </p:tavLst>
+                                    </p:anim>
+                                  </p:childTnLst>
+                                </p:cTn>
+                              </p:par>
+                            </p:childTnLst>
+                          </p:cTn>
+                        </p:par>
+                        <p:par>
+                          <p:cTn id="25" fill="hold">
+                            <p:stCondLst>
+                              <p:cond delay="18000"/>
+                            </p:stCondLst>
+                            <p:childTnLst>
+                              <p:par>
+                                <p:cTn id="26" presetID="2" presetClass="entr" presetSubtype="4" fill="hold" nodeType="afterEffect">
+                                  <p:stCondLst>
+                                    <p:cond delay="4000"/>
+                                  </p:stCondLst>
+                                  <p:childTnLst>
+                                    <p:set>
+                                      <p:cBhvr>
+                                        <p:cTn id="27" dur="1" fill="hold">
+                                          <p:stCondLst>
+                                            <p:cond delay="0"/>
+                                          </p:stCondLst>
+                                        </p:cTn>
+                                        <p:tgtEl>
+                                          <p:spTgt spid="9">
+                                            <p:txEl>
+                                              <p:pRg st="3" end="3"/>
+                                            </p:txEl>
+                                          </p:spTgt>
+                                        </p:tgtEl>
+                                        <p:attrNameLst>
+                                          <p:attrName>style.visibility</p:attrName>
+                                        </p:attrNameLst>
+                                      </p:cBhvr>
+                                      <p:to>
+                                        <p:strVal val="visible"/>
+                                      </p:to>
+                                    </p:set>
+                                    <p:anim calcmode="lin" valueType="num">
+                                      <p:cBhvr additive="base">
+                                        <p:cTn id="28" dur="2000" fill="hold"/>
+                                        <p:tgtEl>
+                                          <p:spTgt spid="9">
+                                            <p:txEl>
+                                              <p:pRg st="3" end="3"/>
+                                            </p:txEl>
+                                          </p:spTgt>
+                                        </p:tgtEl>
+                                        <p:attrNameLst>
+                                          <p:attrName>ppt_x</p:attrName>
+                                        </p:attrNameLst>
+                                      </p:cBhvr>
+                                      <p:tavLst>
+                                        <p:tav tm="0">
+                                          <p:val>
+                                            <p:strVal val="#ppt_x"/>
+                                          </p:val>
+                                        </p:tav>
+                                        <p:tav tm="100000">
+                                          <p:val>
+                                            <p:strVal val="#ppt_x"/>
+                                          </p:val>
+                                        </p:tav>
+                                      </p:tavLst>
+                                    </p:anim>
+                                    <p:anim calcmode="lin" valueType="num">
+                                      <p:cBhvr additive="base">
+                                        <p:cTn id="29" dur="2000" fill="hold"/>
+                                        <p:tgtEl>
+                                          <p:spTgt spid="9">
+                                            <p:txEl>
+                                              <p:pRg st="3" end="3"/>
+                                            </p:txEl>
+                                          </p:spTgt>
+                                        </p:tgtEl>
+                                        <p:attrNameLst>
+                                          <p:attrName>ppt_y</p:attrName>
+                                        </p:attrNameLst>
+                                      </p:cBhvr>
+                                      <p:tavLst>
+                                        <p:tav tm="0">
+                                          <p:val>
+                                            <p:strVal val="1+#ppt_h/2"/>
+                                          </p:val>
+                                        </p:tav>
+                                        <p:tav tm="100000">
+                                          <p:val>
+                                            <p:strVal val="#ppt_y"/>
+                                          </p:val>
+                                        </p:tav>
+                                      </p:tavLst>
+                                    </p:anim>
+                                  </p:childTnLst>
+                                </p:cTn>
+                              </p:par>
+                            </p:childTnLst>
+                          </p:cTn>
+                        </p:par>
+                        <p:par>
+                          <p:cTn id="30" fill="hold">
+                            <p:stCondLst>
+                              <p:cond delay="24000"/>
+                            </p:stCondLst>
+                            <p:childTnLst>
+                              <p:par>
+                                <p:cTn id="31" presetID="2" presetClass="entr" presetSubtype="4" fill="hold" nodeType="afterEffect">
+                                  <p:stCondLst>
+                                    <p:cond delay="3500"/>
+                                  </p:stCondLst>
+                                  <p:childTnLst>
+                                    <p:set>
+                                      <p:cBhvr>
+                                        <p:cTn id="32" dur="1" fill="hold">
+                                          <p:stCondLst>
+                                            <p:cond delay="0"/>
+                                          </p:stCondLst>
+                                        </p:cTn>
+                                        <p:tgtEl>
+                                          <p:spTgt spid="9">
+                                            <p:txEl>
+                                              <p:pRg st="4" end="4"/>
+                                            </p:txEl>
+                                          </p:spTgt>
+                                        </p:tgtEl>
+                                        <p:attrNameLst>
+                                          <p:attrName>style.visibility</p:attrName>
+                                        </p:attrNameLst>
+                                      </p:cBhvr>
+                                      <p:to>
+                                        <p:strVal val="visible"/>
+                                      </p:to>
+                                    </p:set>
+                                    <p:anim calcmode="lin" valueType="num">
+                                      <p:cBhvr additive="base">
+                                        <p:cTn id="33" dur="2000" fill="hold"/>
+                                        <p:tgtEl>
+                                          <p:spTgt spid="9">
+                                            <p:txEl>
+                                              <p:pRg st="4" end="4"/>
+                                            </p:txEl>
+                                          </p:spTgt>
+                                        </p:tgtEl>
+                                        <p:attrNameLst>
+                                          <p:attrName>ppt_x</p:attrName>
+                                        </p:attrNameLst>
+                                      </p:cBhvr>
+                                      <p:tavLst>
+                                        <p:tav tm="0">
+                                          <p:val>
+                                            <p:strVal val="#ppt_x"/>
+                                          </p:val>
+                                        </p:tav>
+                                        <p:tav tm="100000">
+                                          <p:val>
+                                            <p:strVal val="#ppt_x"/>
+                                          </p:val>
+                                        </p:tav>
+                                      </p:tavLst>
+                                    </p:anim>
+                                    <p:anim calcmode="lin" valueType="num">
+                                      <p:cBhvr additive="base">
+                                        <p:cTn id="34" dur="2000" fill="hold"/>
+                                        <p:tgtEl>
+                                          <p:spTgt spid="9">
+                                            <p:txEl>
+                                              <p:pRg st="4" end="4"/>
+                                            </p:txEl>
+                                          </p:spTgt>
+                                        </p:tgtEl>
+                                        <p:attrNameLst>
+                                          <p:attrName>ppt_y</p:attrName>
+                                        </p:attrNameLst>
+                                      </p:cBhvr>
+                                      <p:tavLst>
+                                        <p:tav tm="0">
+                                          <p:val>
+                                            <p:strVal val="1+#ppt_h/2"/>
+                                          </p:val>
+                                        </p:tav>
+                                        <p:tav tm="100000">
+                                          <p:val>
+                                            <p:strVal val="#ppt_y"/>
+                                          </p:val>
+                                        </p:tav>
+                                      </p:tavLst>
+                                    </p:anim>
+                                  </p:childTnLst>
+                                </p:cTn>
+                              </p:par>
+                            </p:childTnLst>
+                          </p:cTn>
+                        </p:par>
+                      </p:childTnLst>
+                    </p:cTn>
+                  </p:par>
+                </p:childTnLst>
+              </p:cTn>
+              <p:prevCondLst>
+                <p:cond evt="onPrev" delay="0">
+                  <p:tgtEl>
+                    <p:sldTgt/>
+                  </p:tgtEl>
+                </p:cond>
+              </p:prevCondLst>
+              <p:nextCondLst>
+                <p:cond evt="onNext" delay="0">
+                  <p:tgtEl>
+                    <p:sldTgt/>
+                  </p:tgtEl>
+                </p:cond>
+              </p:nextCondLst>
+            </p:seq>
+          </p:childTnLst>
+        </p:cTn>
+      </p:par>
+    </p:tnLst>
+    <p:bldLst>
+      <p:bldP spid="2" grpId="0"/>
+    </p:bldLst>
+  </p:timing>
+</p:sld>
+</file>
+
+<file path=ppt/slides/slide8.xml><?xml version="1.0" encoding="utf-8"?>
+<p:sld xmlns:a="http://schemas.openxmlformats.org/drawingml/2006/main" xmlns:r="http://schemas.openxmlformats.org/officeDocument/2006/relationships" xmlns:p="http://schemas.openxmlformats.org/presentationml/2006/main">
+  <p:cSld>
+    <p:spTree>
+      <p:nvGrpSpPr>
+        <p:cNvPr id="1" name=""/>
+        <p:cNvGrpSpPr/>
+        <p:nvPr/>
+      </p:nvGrpSpPr>
+      <p:grpSpPr>
+        <a:xfrm>
+          <a:off x="0" y="0"/>
+          <a:ext cx="0" cy="0"/>
+          <a:chOff x="0" y="0"/>
+          <a:chExt cx="0" cy="0"/>
+        </a:xfrm>
+      </p:grpSpPr>
+      <p:sp>
+        <p:nvSpPr>
+          <p:cNvPr id="2" name="Cím 1">
+            <a:extLst>
+              <a:ext uri="{FF2B5EF4-FFF2-40B4-BE49-F238E27FC236}">
+                <a16:creationId xmlns:a16="http://schemas.microsoft.com/office/drawing/2014/main" id="{91551393-DA40-4515-A498-9A7EECEA3A50}"/>
+              </a:ext>
+            </a:extLst>
+          </p:cNvPr>
+          <p:cNvSpPr>
+            <a:spLocks noGrp="1"/>
+          </p:cNvSpPr>
+          <p:nvPr>
+            <p:ph type="ctrTitle"/>
+          </p:nvPr>
+        </p:nvSpPr>
+        <p:spPr>
+          <a:xfrm>
+            <a:off x="2224908" y="2955078"/>
+            <a:ext cx="7742183" cy="947843"/>
+          </a:xfrm>
+        </p:spPr>
+        <p:txBody>
+          <a:bodyPr/>
+          <a:lstStyle/>
+          <a:p>
+            <a:r>
+              <a:rPr lang="hu-HU" dirty="0"/>
+              <a:t>Köszönöm a figyelmet!</a:t>
+            </a:r>
+          </a:p>
+        </p:txBody>
+      </p:sp>
+    </p:spTree>
+    <p:extLst>
+      <p:ext uri="{BB962C8B-B14F-4D97-AF65-F5344CB8AC3E}">
+        <p14:creationId xmlns:p14="http://schemas.microsoft.com/office/powerpoint/2010/main" val="2083122850"/>
+      </p:ext>
+    </p:extLst>
+  </p:cSld>
+  <p:clrMapOvr>
+    <a:masterClrMapping/>
+  </p:clrMapOvr>
+  <mc:AlternateContent xmlns:mc="http://schemas.openxmlformats.org/markup-compatibility/2006">
+    <mc:Choice xmlns:p14="http://schemas.microsoft.com/office/powerpoint/2010/main" Requires="p14">
+      <p:transition spd="slow" p14:dur="2000" advClick="0" advTm="3000">
+        <p:push dir="u"/>
+      </p:transition>
+    </mc:Choice>
+    <mc:Fallback>
+      <p:transition spd="slow" advClick="0" advTm="3000">
+        <p:push dir="u"/>
+      </p:transition>
+    </mc:Fallback>
+  </mc:AlternateContent>
 </p:sld>
 </file>
 

--- a/Cégünk bemutatása.pptx
+++ b/Cégünk bemutatása.pptx
@@ -809,7 +809,7 @@
             <a:fld id="{D200B3F0-A9BC-48CE-8EB6-ECE965069900}" type="datetimeFigureOut">
               <a:rPr lang="en-US" dirty="0"/>
               <a:pPr/>
-              <a:t>1/8/2023</a:t>
+              <a:t>1/12/2023</a:t>
             </a:fld>
             <a:endParaRPr lang="en-US" dirty="0"/>
           </a:p>
@@ -1970,7 +1970,7 @@
           <a:p>
             <a:fld id="{3DF9FFFF-3106-4DDB-AA62-0C80862170D6}" type="datetimeFigureOut">
               <a:rPr lang="en-US" dirty="0"/>
-              <a:t>1/8/2023</a:t>
+              <a:t>1/12/2023</a:t>
             </a:fld>
             <a:endParaRPr lang="en-US" dirty="0"/>
           </a:p>
@@ -3024,7 +3024,7 @@
           <a:p>
             <a:fld id="{A3DA38B7-AE95-4DC8-9A51-7A71F545B098}" type="datetimeFigureOut">
               <a:rPr lang="en-US" dirty="0"/>
-              <a:t>1/8/2023</a:t>
+              <a:t>1/12/2023</a:t>
             </a:fld>
             <a:endParaRPr lang="en-US" dirty="0"/>
           </a:p>
@@ -4237,7 +4237,7 @@
           <a:p>
             <a:fld id="{86F1EC2B-8188-4AC2-9F0D-8D09C51D505A}" type="datetimeFigureOut">
               <a:rPr lang="en-US" dirty="0"/>
-              <a:t>1/8/2023</a:t>
+              <a:t>1/12/2023</a:t>
             </a:fld>
             <a:endParaRPr lang="en-US" dirty="0"/>
           </a:p>
@@ -5341,7 +5341,7 @@
           <a:p>
             <a:fld id="{9212B75E-944F-430B-BE5F-C69FA8823C04}" type="datetimeFigureOut">
               <a:rPr lang="en-US" dirty="0"/>
-              <a:t>1/8/2023</a:t>
+              <a:t>1/12/2023</a:t>
             </a:fld>
             <a:endParaRPr lang="en-US" dirty="0"/>
           </a:p>
@@ -5993,7 +5993,7 @@
           <a:p>
             <a:fld id="{79AE0DC7-7F53-471C-A711-B3DA6F2535F3}" type="datetimeFigureOut">
               <a:rPr lang="en-US" dirty="0"/>
-              <a:t>1/8/2023</a:t>
+              <a:t>1/12/2023</a:t>
             </a:fld>
             <a:endParaRPr lang="en-US" dirty="0"/>
           </a:p>
@@ -6840,7 +6840,7 @@
           <a:p>
             <a:fld id="{3C1F4C9D-4618-451D-80C1-6A376BB42AB4}" type="datetimeFigureOut">
               <a:rPr lang="en-US" dirty="0"/>
-              <a:t>1/8/2023</a:t>
+              <a:t>1/12/2023</a:t>
             </a:fld>
             <a:endParaRPr lang="en-US" dirty="0"/>
           </a:p>
@@ -7025,7 +7025,7 @@
           <a:p>
             <a:fld id="{F54D2318-CE40-42F6-962A-4C6D6CF697DB}" type="datetimeFigureOut">
               <a:rPr lang="en-US" dirty="0"/>
-              <a:t>1/8/2023</a:t>
+              <a:t>1/12/2023</a:t>
             </a:fld>
             <a:endParaRPr lang="en-US" dirty="0"/>
           </a:p>
@@ -8066,7 +8066,7 @@
           <a:p>
             <a:fld id="{0C476AC1-EB7F-4BEF-90D9-5764B50DAF8A}" type="datetimeFigureOut">
               <a:rPr lang="en-US" dirty="0"/>
-              <a:t>1/8/2023</a:t>
+              <a:t>1/12/2023</a:t>
             </a:fld>
             <a:endParaRPr lang="en-US" dirty="0"/>
           </a:p>
@@ -8282,7 +8282,7 @@
           <a:p>
             <a:fld id="{1B20712A-F861-4AB0-A754-4F5A2033CD4B}" type="datetimeFigureOut">
               <a:rPr lang="en-US" dirty="0"/>
-              <a:t>1/8/2023</a:t>
+              <a:t>1/12/2023</a:t>
             </a:fld>
             <a:endParaRPr lang="en-US" dirty="0"/>
           </a:p>
@@ -9387,7 +9387,7 @@
           <a:p>
             <a:fld id="{324507B7-F2DC-4B2C-B14D-58A9766807A2}" type="datetimeFigureOut">
               <a:rPr lang="en-US" dirty="0"/>
-              <a:t>1/8/2023</a:t>
+              <a:t>1/12/2023</a:t>
             </a:fld>
             <a:endParaRPr lang="en-US" dirty="0"/>
           </a:p>
@@ -9659,7 +9659,7 @@
           <a:p>
             <a:fld id="{904A483D-5CB4-4842-8F2F-05D5276ACF63}" type="datetimeFigureOut">
               <a:rPr lang="en-US" dirty="0"/>
-              <a:t>1/8/2023</a:t>
+              <a:t>1/12/2023</a:t>
             </a:fld>
             <a:endParaRPr lang="en-US" dirty="0"/>
           </a:p>
@@ -10041,7 +10041,7 @@
           <a:p>
             <a:fld id="{1D1CE32E-9DC0-47C8-A657-48F5C3E4A10B}" type="datetimeFigureOut">
               <a:rPr lang="en-US" dirty="0"/>
-              <a:t>1/8/2023</a:t>
+              <a:t>1/12/2023</a:t>
             </a:fld>
             <a:endParaRPr lang="en-US" dirty="0"/>
           </a:p>
@@ -10159,7 +10159,7 @@
           <a:p>
             <a:fld id="{2BDF5C0D-8C3A-4771-A43D-83937FC700D4}" type="datetimeFigureOut">
               <a:rPr lang="en-US" dirty="0"/>
-              <a:t>1/8/2023</a:t>
+              <a:t>1/12/2023</a:t>
             </a:fld>
             <a:endParaRPr lang="en-US" dirty="0"/>
           </a:p>
@@ -10254,7 +10254,7 @@
           <a:p>
             <a:fld id="{0203D2D6-FCC2-425A-A4A7-8058E8C01CB1}" type="datetimeFigureOut">
               <a:rPr lang="en-US" dirty="0"/>
-              <a:t>1/8/2023</a:t>
+              <a:t>1/12/2023</a:t>
             </a:fld>
             <a:endParaRPr lang="en-US" dirty="0"/>
           </a:p>
@@ -11406,7 +11406,7 @@
           <a:p>
             <a:fld id="{D8CF2683-E6E7-4CC3-9EEE-7854DD4F3545}" type="datetimeFigureOut">
               <a:rPr lang="en-US" dirty="0"/>
-              <a:t>1/8/2023</a:t>
+              <a:t>1/12/2023</a:t>
             </a:fld>
             <a:endParaRPr lang="en-US" dirty="0"/>
           </a:p>
@@ -12582,7 +12582,7 @@
           <a:p>
             <a:fld id="{7E120F81-B39D-4CBB-8BF3-5D6E395D0F72}" type="datetimeFigureOut">
               <a:rPr lang="en-US" dirty="0"/>
-              <a:t>1/8/2023</a:t>
+              <a:t>1/12/2023</a:t>
             </a:fld>
             <a:endParaRPr lang="en-US" dirty="0"/>
           </a:p>
@@ -13692,7 +13692,7 @@
           <a:p>
             <a:fld id="{564B320A-89BA-47B2-A525-92E8D10B06E4}" type="datetimeFigureOut">
               <a:rPr lang="en-US" dirty="0"/>
-              <a:t>1/8/2023</a:t>
+              <a:t>1/12/2023</a:t>
             </a:fld>
             <a:endParaRPr lang="en-US" dirty="0"/>
           </a:p>
@@ -19510,13 +19510,13 @@
   <p:clrMapOvr>
     <a:masterClrMapping/>
   </p:clrMapOvr>
-  <mc:AlternateContent xmlns:mc="http://schemas.openxmlformats.org/markup-compatibility/2006">
-    <mc:Choice xmlns:p14="http://schemas.microsoft.com/office/powerpoint/2010/main" Requires="p14">
+  <mc:AlternateContent xmlns:mc="http://schemas.openxmlformats.org/markup-compatibility/2006" xmlns:p14="http://schemas.microsoft.com/office/powerpoint/2010/main">
+    <mc:Choice Requires="p14">
       <p:transition spd="slow" p14:dur="2000" advClick="0" advTm="3000">
         <p:push dir="u"/>
       </p:transition>
     </mc:Choice>
-    <mc:Fallback>
+    <mc:Fallback xmlns="">
       <p:transition spd="slow" advClick="0" advTm="3000">
         <p:push dir="u"/>
       </p:transition>

--- a/Cégünk bemutatása.pptx
+++ b/Cégünk bemutatása.pptx
@@ -6,13 +6,16 @@
   </p:sldMasterIdLst>
   <p:sldIdLst>
     <p:sldId id="256" r:id="rId2"/>
-    <p:sldId id="258" r:id="rId3"/>
-    <p:sldId id="257" r:id="rId4"/>
-    <p:sldId id="260" r:id="rId5"/>
-    <p:sldId id="259" r:id="rId6"/>
-    <p:sldId id="261" r:id="rId7"/>
-    <p:sldId id="262" r:id="rId8"/>
-    <p:sldId id="263" r:id="rId9"/>
+    <p:sldId id="262" r:id="rId3"/>
+    <p:sldId id="261" r:id="rId4"/>
+    <p:sldId id="264" r:id="rId5"/>
+    <p:sldId id="265" r:id="rId6"/>
+    <p:sldId id="266" r:id="rId7"/>
+    <p:sldId id="258" r:id="rId8"/>
+    <p:sldId id="257" r:id="rId9"/>
+    <p:sldId id="260" r:id="rId10"/>
+    <p:sldId id="259" r:id="rId11"/>
+    <p:sldId id="263" r:id="rId12"/>
   </p:sldIdLst>
   <p:sldSz cx="12192000" cy="6858000"/>
   <p:notesSz cx="6858000" cy="9144000"/>
@@ -809,7 +812,7 @@
             <a:fld id="{D200B3F0-A9BC-48CE-8EB6-ECE965069900}" type="datetimeFigureOut">
               <a:rPr lang="en-US" dirty="0"/>
               <a:pPr/>
-              <a:t>1/12/2023</a:t>
+              <a:t>1/18/2023</a:t>
             </a:fld>
             <a:endParaRPr lang="en-US" dirty="0"/>
           </a:p>
@@ -1970,7 +1973,7 @@
           <a:p>
             <a:fld id="{3DF9FFFF-3106-4DDB-AA62-0C80862170D6}" type="datetimeFigureOut">
               <a:rPr lang="en-US" dirty="0"/>
-              <a:t>1/12/2023</a:t>
+              <a:t>1/18/2023</a:t>
             </a:fld>
             <a:endParaRPr lang="en-US" dirty="0"/>
           </a:p>
@@ -3024,7 +3027,7 @@
           <a:p>
             <a:fld id="{A3DA38B7-AE95-4DC8-9A51-7A71F545B098}" type="datetimeFigureOut">
               <a:rPr lang="en-US" dirty="0"/>
-              <a:t>1/12/2023</a:t>
+              <a:t>1/18/2023</a:t>
             </a:fld>
             <a:endParaRPr lang="en-US" dirty="0"/>
           </a:p>
@@ -4237,7 +4240,7 @@
           <a:p>
             <a:fld id="{86F1EC2B-8188-4AC2-9F0D-8D09C51D505A}" type="datetimeFigureOut">
               <a:rPr lang="en-US" dirty="0"/>
-              <a:t>1/12/2023</a:t>
+              <a:t>1/18/2023</a:t>
             </a:fld>
             <a:endParaRPr lang="en-US" dirty="0"/>
           </a:p>
@@ -5341,7 +5344,7 @@
           <a:p>
             <a:fld id="{9212B75E-944F-430B-BE5F-C69FA8823C04}" type="datetimeFigureOut">
               <a:rPr lang="en-US" dirty="0"/>
-              <a:t>1/12/2023</a:t>
+              <a:t>1/18/2023</a:t>
             </a:fld>
             <a:endParaRPr lang="en-US" dirty="0"/>
           </a:p>
@@ -5993,7 +5996,7 @@
           <a:p>
             <a:fld id="{79AE0DC7-7F53-471C-A711-B3DA6F2535F3}" type="datetimeFigureOut">
               <a:rPr lang="en-US" dirty="0"/>
-              <a:t>1/12/2023</a:t>
+              <a:t>1/18/2023</a:t>
             </a:fld>
             <a:endParaRPr lang="en-US" dirty="0"/>
           </a:p>
@@ -6840,7 +6843,7 @@
           <a:p>
             <a:fld id="{3C1F4C9D-4618-451D-80C1-6A376BB42AB4}" type="datetimeFigureOut">
               <a:rPr lang="en-US" dirty="0"/>
-              <a:t>1/12/2023</a:t>
+              <a:t>1/18/2023</a:t>
             </a:fld>
             <a:endParaRPr lang="en-US" dirty="0"/>
           </a:p>
@@ -7025,7 +7028,7 @@
           <a:p>
             <a:fld id="{F54D2318-CE40-42F6-962A-4C6D6CF697DB}" type="datetimeFigureOut">
               <a:rPr lang="en-US" dirty="0"/>
-              <a:t>1/12/2023</a:t>
+              <a:t>1/18/2023</a:t>
             </a:fld>
             <a:endParaRPr lang="en-US" dirty="0"/>
           </a:p>
@@ -8066,7 +8069,7 @@
           <a:p>
             <a:fld id="{0C476AC1-EB7F-4BEF-90D9-5764B50DAF8A}" type="datetimeFigureOut">
               <a:rPr lang="en-US" dirty="0"/>
-              <a:t>1/12/2023</a:t>
+              <a:t>1/18/2023</a:t>
             </a:fld>
             <a:endParaRPr lang="en-US" dirty="0"/>
           </a:p>
@@ -8282,7 +8285,7 @@
           <a:p>
             <a:fld id="{1B20712A-F861-4AB0-A754-4F5A2033CD4B}" type="datetimeFigureOut">
               <a:rPr lang="en-US" dirty="0"/>
-              <a:t>1/12/2023</a:t>
+              <a:t>1/18/2023</a:t>
             </a:fld>
             <a:endParaRPr lang="en-US" dirty="0"/>
           </a:p>
@@ -9387,7 +9390,7 @@
           <a:p>
             <a:fld id="{324507B7-F2DC-4B2C-B14D-58A9766807A2}" type="datetimeFigureOut">
               <a:rPr lang="en-US" dirty="0"/>
-              <a:t>1/12/2023</a:t>
+              <a:t>1/18/2023</a:t>
             </a:fld>
             <a:endParaRPr lang="en-US" dirty="0"/>
           </a:p>
@@ -9659,7 +9662,7 @@
           <a:p>
             <a:fld id="{904A483D-5CB4-4842-8F2F-05D5276ACF63}" type="datetimeFigureOut">
               <a:rPr lang="en-US" dirty="0"/>
-              <a:t>1/12/2023</a:t>
+              <a:t>1/18/2023</a:t>
             </a:fld>
             <a:endParaRPr lang="en-US" dirty="0"/>
           </a:p>
@@ -10041,7 +10044,7 @@
           <a:p>
             <a:fld id="{1D1CE32E-9DC0-47C8-A657-48F5C3E4A10B}" type="datetimeFigureOut">
               <a:rPr lang="en-US" dirty="0"/>
-              <a:t>1/12/2023</a:t>
+              <a:t>1/18/2023</a:t>
             </a:fld>
             <a:endParaRPr lang="en-US" dirty="0"/>
           </a:p>
@@ -10159,7 +10162,7 @@
           <a:p>
             <a:fld id="{2BDF5C0D-8C3A-4771-A43D-83937FC700D4}" type="datetimeFigureOut">
               <a:rPr lang="en-US" dirty="0"/>
-              <a:t>1/12/2023</a:t>
+              <a:t>1/18/2023</a:t>
             </a:fld>
             <a:endParaRPr lang="en-US" dirty="0"/>
           </a:p>
@@ -10254,7 +10257,7 @@
           <a:p>
             <a:fld id="{0203D2D6-FCC2-425A-A4A7-8058E8C01CB1}" type="datetimeFigureOut">
               <a:rPr lang="en-US" dirty="0"/>
-              <a:t>1/12/2023</a:t>
+              <a:t>1/18/2023</a:t>
             </a:fld>
             <a:endParaRPr lang="en-US" dirty="0"/>
           </a:p>
@@ -11406,7 +11409,7 @@
           <a:p>
             <a:fld id="{D8CF2683-E6E7-4CC3-9EEE-7854DD4F3545}" type="datetimeFigureOut">
               <a:rPr lang="en-US" dirty="0"/>
-              <a:t>1/12/2023</a:t>
+              <a:t>1/18/2023</a:t>
             </a:fld>
             <a:endParaRPr lang="en-US" dirty="0"/>
           </a:p>
@@ -12582,7 +12585,7 @@
           <a:p>
             <a:fld id="{7E120F81-B39D-4CBB-8BF3-5D6E395D0F72}" type="datetimeFigureOut">
               <a:rPr lang="en-US" dirty="0"/>
-              <a:t>1/12/2023</a:t>
+              <a:t>1/18/2023</a:t>
             </a:fld>
             <a:endParaRPr lang="en-US" dirty="0"/>
           </a:p>
@@ -13692,7 +13695,7 @@
           <a:p>
             <a:fld id="{564B320A-89BA-47B2-A525-92E8D10B06E4}" type="datetimeFigureOut">
               <a:rPr lang="en-US" dirty="0"/>
-              <a:t>1/12/2023</a:t>
+              <a:t>1/18/2023</a:t>
             </a:fld>
             <a:endParaRPr lang="en-US" dirty="0"/>
           </a:p>
@@ -14231,8 +14234,8 @@
         </p:nvSpPr>
         <p:spPr>
           <a:xfrm>
-            <a:off x="2405448" y="1721708"/>
-            <a:ext cx="7092780" cy="1103871"/>
+            <a:off x="4438293" y="1823308"/>
+            <a:ext cx="3315414" cy="1103871"/>
           </a:xfrm>
         </p:spPr>
         <p:txBody>
@@ -14245,7 +14248,7 @@
                 <a:latin typeface="Arial" panose="020B0604020202020204" pitchFamily="34" charset="0"/>
                 <a:cs typeface="Arial" panose="020B0604020202020204" pitchFamily="34" charset="0"/>
               </a:rPr>
-              <a:t>Cégünk bemutatása</a:t>
+              <a:t>FEDESZ IT</a:t>
             </a:r>
           </a:p>
         </p:txBody>
@@ -14602,2007 +14605,7 @@
 </p:sld>
 </file>
 
-<file path=ppt/slides/slide2.xml><?xml version="1.0" encoding="utf-8"?>
-<p:sld xmlns:a="http://schemas.openxmlformats.org/drawingml/2006/main" xmlns:r="http://schemas.openxmlformats.org/officeDocument/2006/relationships" xmlns:p="http://schemas.openxmlformats.org/presentationml/2006/main">
-  <p:cSld>
-    <p:spTree>
-      <p:nvGrpSpPr>
-        <p:cNvPr id="1" name=""/>
-        <p:cNvGrpSpPr/>
-        <p:nvPr/>
-      </p:nvGrpSpPr>
-      <p:grpSpPr>
-        <a:xfrm>
-          <a:off x="0" y="0"/>
-          <a:ext cx="0" cy="0"/>
-          <a:chOff x="0" y="0"/>
-          <a:chExt cx="0" cy="0"/>
-        </a:xfrm>
-      </p:grpSpPr>
-      <p:sp>
-        <p:nvSpPr>
-          <p:cNvPr id="2" name="Cím 1">
-            <a:extLst>
-              <a:ext uri="{FF2B5EF4-FFF2-40B4-BE49-F238E27FC236}">
-                <a16:creationId xmlns:a16="http://schemas.microsoft.com/office/drawing/2014/main" id="{375AC77A-2729-4E99-B434-8B2A196EFEF1}"/>
-              </a:ext>
-            </a:extLst>
-          </p:cNvPr>
-          <p:cNvSpPr>
-            <a:spLocks noGrp="1"/>
-          </p:cNvSpPr>
-          <p:nvPr>
-            <p:ph type="ctrTitle"/>
-          </p:nvPr>
-        </p:nvSpPr>
-        <p:spPr>
-          <a:xfrm>
-            <a:off x="1954841" y="2856753"/>
-            <a:ext cx="8282317" cy="1144494"/>
-          </a:xfrm>
-        </p:spPr>
-        <p:txBody>
-          <a:bodyPr/>
-          <a:lstStyle/>
-          <a:p>
-            <a:r>
-              <a:rPr lang="hu-HU" dirty="0">
-                <a:latin typeface="Arial" panose="020B0604020202020204" pitchFamily="34" charset="0"/>
-                <a:cs typeface="Arial" panose="020B0604020202020204" pitchFamily="34" charset="0"/>
-              </a:rPr>
-              <a:t>Alkalmazottak bemutatása</a:t>
-            </a:r>
-          </a:p>
-        </p:txBody>
-      </p:sp>
-    </p:spTree>
-    <p:extLst>
-      <p:ext uri="{BB962C8B-B14F-4D97-AF65-F5344CB8AC3E}">
-        <p14:creationId xmlns:p14="http://schemas.microsoft.com/office/powerpoint/2010/main" val="3236403395"/>
-      </p:ext>
-    </p:extLst>
-  </p:cSld>
-  <p:clrMapOvr>
-    <a:masterClrMapping/>
-  </p:clrMapOvr>
-  <mc:AlternateContent xmlns:mc="http://schemas.openxmlformats.org/markup-compatibility/2006" xmlns:p14="http://schemas.microsoft.com/office/powerpoint/2010/main">
-    <mc:Choice Requires="p14">
-      <p:transition spd="slow" p14:dur="2000" advClick="0" advTm="7000">
-        <p:push dir="u"/>
-      </p:transition>
-    </mc:Choice>
-    <mc:Fallback xmlns="">
-      <p:transition spd="slow" advClick="0" advTm="7000">
-        <p:push dir="u"/>
-      </p:transition>
-    </mc:Fallback>
-  </mc:AlternateContent>
-  <p:timing>
-    <p:tnLst>
-      <p:par>
-        <p:cTn id="1" dur="indefinite" restart="never" nodeType="tmRoot">
-          <p:childTnLst>
-            <p:seq concurrent="1" nextAc="seek">
-              <p:cTn id="2" dur="indefinite" nodeType="mainSeq">
-                <p:childTnLst>
-                  <p:par>
-                    <p:cTn id="3" fill="hold">
-                      <p:stCondLst>
-                        <p:cond delay="indefinite"/>
-                      </p:stCondLst>
-                      <p:childTnLst>
-                        <p:par>
-                          <p:cTn id="4" fill="hold">
-                            <p:stCondLst>
-                              <p:cond delay="0"/>
-                            </p:stCondLst>
-                            <p:childTnLst>
-                              <p:par>
-                                <p:cTn id="5" presetID="16" presetClass="entr" presetSubtype="21" fill="hold" grpId="0" nodeType="clickEffect">
-                                  <p:stCondLst>
-                                    <p:cond delay="0"/>
-                                  </p:stCondLst>
-                                  <p:childTnLst>
-                                    <p:set>
-                                      <p:cBhvr>
-                                        <p:cTn id="6" dur="1" fill="hold">
-                                          <p:stCondLst>
-                                            <p:cond delay="0"/>
-                                          </p:stCondLst>
-                                        </p:cTn>
-                                        <p:tgtEl>
-                                          <p:spTgt spid="2"/>
-                                        </p:tgtEl>
-                                        <p:attrNameLst>
-                                          <p:attrName>style.visibility</p:attrName>
-                                        </p:attrNameLst>
-                                      </p:cBhvr>
-                                      <p:to>
-                                        <p:strVal val="visible"/>
-                                      </p:to>
-                                    </p:set>
-                                    <p:animEffect transition="in" filter="barn(inVertical)">
-                                      <p:cBhvr>
-                                        <p:cTn id="7" dur="2000"/>
-                                        <p:tgtEl>
-                                          <p:spTgt spid="2"/>
-                                        </p:tgtEl>
-                                      </p:cBhvr>
-                                    </p:animEffect>
-                                  </p:childTnLst>
-                                </p:cTn>
-                              </p:par>
-                            </p:childTnLst>
-                          </p:cTn>
-                        </p:par>
-                      </p:childTnLst>
-                    </p:cTn>
-                  </p:par>
-                </p:childTnLst>
-              </p:cTn>
-              <p:prevCondLst>
-                <p:cond evt="onPrev" delay="0">
-                  <p:tgtEl>
-                    <p:sldTgt/>
-                  </p:tgtEl>
-                </p:cond>
-              </p:prevCondLst>
-              <p:nextCondLst>
-                <p:cond evt="onNext" delay="0">
-                  <p:tgtEl>
-                    <p:sldTgt/>
-                  </p:tgtEl>
-                </p:cond>
-              </p:nextCondLst>
-            </p:seq>
-          </p:childTnLst>
-        </p:cTn>
-      </p:par>
-    </p:tnLst>
-    <p:bldLst>
-      <p:bldP spid="2" grpId="0"/>
-    </p:bldLst>
-  </p:timing>
-</p:sld>
-</file>
-
-<file path=ppt/slides/slide3.xml><?xml version="1.0" encoding="utf-8"?>
-<p:sld xmlns:a="http://schemas.openxmlformats.org/drawingml/2006/main" xmlns:r="http://schemas.openxmlformats.org/officeDocument/2006/relationships" xmlns:p="http://schemas.openxmlformats.org/presentationml/2006/main">
-  <p:cSld>
-    <p:spTree>
-      <p:nvGrpSpPr>
-        <p:cNvPr id="1" name=""/>
-        <p:cNvGrpSpPr/>
-        <p:nvPr/>
-      </p:nvGrpSpPr>
-      <p:grpSpPr>
-        <a:xfrm>
-          <a:off x="0" y="0"/>
-          <a:ext cx="0" cy="0"/>
-          <a:chOff x="0" y="0"/>
-          <a:chExt cx="0" cy="0"/>
-        </a:xfrm>
-      </p:grpSpPr>
-      <p:sp>
-        <p:nvSpPr>
-          <p:cNvPr id="2" name="Cím 1">
-            <a:extLst>
-              <a:ext uri="{FF2B5EF4-FFF2-40B4-BE49-F238E27FC236}">
-                <a16:creationId xmlns:a16="http://schemas.microsoft.com/office/drawing/2014/main" id="{1E414171-F71E-4146-8F43-02E9686A5FFA}"/>
-              </a:ext>
-            </a:extLst>
-          </p:cNvPr>
-          <p:cNvSpPr>
-            <a:spLocks noGrp="1"/>
-          </p:cNvSpPr>
-          <p:nvPr>
-            <p:ph type="title"/>
-          </p:nvPr>
-        </p:nvSpPr>
-        <p:spPr>
-          <a:xfrm>
-            <a:off x="1009173" y="511093"/>
-            <a:ext cx="4726861" cy="1045859"/>
-          </a:xfrm>
-        </p:spPr>
-        <p:txBody>
-          <a:bodyPr/>
-          <a:lstStyle/>
-          <a:p>
-            <a:pPr algn="ctr"/>
-            <a:r>
-              <a:rPr lang="hu-HU" dirty="0">
-                <a:latin typeface="Arial" panose="020B0604020202020204" pitchFamily="34" charset="0"/>
-                <a:cs typeface="Arial" panose="020B0604020202020204" pitchFamily="34" charset="0"/>
-              </a:rPr>
-              <a:t>Mikuska Péter</a:t>
-            </a:r>
-          </a:p>
-        </p:txBody>
-      </p:sp>
-      <p:pic>
-        <p:nvPicPr>
-          <p:cNvPr id="5" name="Kép 4">
-            <a:extLst>
-              <a:ext uri="{FF2B5EF4-FFF2-40B4-BE49-F238E27FC236}">
-                <a16:creationId xmlns:a16="http://schemas.microsoft.com/office/drawing/2014/main" id="{C713BD73-F6EC-41FC-955E-620820B0F989}"/>
-              </a:ext>
-            </a:extLst>
-          </p:cNvPr>
-          <p:cNvPicPr>
-            <a:picLocks noChangeAspect="1"/>
-          </p:cNvPicPr>
-          <p:nvPr/>
-        </p:nvPicPr>
-        <p:blipFill>
-          <a:blip r:embed="rId2"/>
-          <a:stretch>
-            <a:fillRect/>
-          </a:stretch>
-        </p:blipFill>
-        <p:spPr>
-          <a:xfrm rot="5400000">
-            <a:off x="1329905" y="1881272"/>
-            <a:ext cx="4085399" cy="3667417"/>
-          </a:xfrm>
-          <a:prstGeom prst="rect">
-            <a:avLst/>
-          </a:prstGeom>
-        </p:spPr>
-      </p:pic>
-      <p:sp>
-        <p:nvSpPr>
-          <p:cNvPr id="8" name="Szövegdoboz 7">
-            <a:extLst>
-              <a:ext uri="{FF2B5EF4-FFF2-40B4-BE49-F238E27FC236}">
-                <a16:creationId xmlns:a16="http://schemas.microsoft.com/office/drawing/2014/main" id="{5972B9EA-3509-474E-9878-124B982AE7A5}"/>
-              </a:ext>
-            </a:extLst>
-          </p:cNvPr>
-          <p:cNvSpPr txBox="1"/>
-          <p:nvPr/>
-        </p:nvSpPr>
-        <p:spPr>
-          <a:xfrm>
-            <a:off x="7156186" y="1874728"/>
-            <a:ext cx="4912248" cy="3539430"/>
-          </a:xfrm>
-          <a:prstGeom prst="rect">
-            <a:avLst/>
-          </a:prstGeom>
-          <a:noFill/>
-        </p:spPr>
-        <p:txBody>
-          <a:bodyPr wrap="square" rtlCol="0">
-            <a:spAutoFit/>
-          </a:bodyPr>
-          <a:lstStyle/>
-          <a:p>
-            <a:pPr marL="457200" indent="-457200">
-              <a:buFont typeface="Century Gothic" panose="020B0502020202020204" pitchFamily="34" charset="0"/>
-              <a:buChar char="–"/>
-            </a:pPr>
-            <a:r>
-              <a:rPr lang="hu-HU" sz="2800" dirty="0">
-                <a:latin typeface="Arial" panose="020B0604020202020204" pitchFamily="34" charset="0"/>
-                <a:cs typeface="Arial" panose="020B0604020202020204" pitchFamily="34" charset="0"/>
-              </a:rPr>
-              <a:t>16 éves </a:t>
-            </a:r>
-          </a:p>
-          <a:p>
-            <a:pPr marL="457200" indent="-457200">
-              <a:buFont typeface="Century Gothic" panose="020B0502020202020204" pitchFamily="34" charset="0"/>
-              <a:buChar char="–"/>
-            </a:pPr>
-            <a:r>
-              <a:rPr lang="hu-HU" sz="2800" dirty="0">
-                <a:latin typeface="Arial" panose="020B0604020202020204" pitchFamily="34" charset="0"/>
-                <a:cs typeface="Arial" panose="020B0604020202020204" pitchFamily="34" charset="0"/>
-              </a:rPr>
-              <a:t>2 éve informatikát tanul</a:t>
-            </a:r>
-          </a:p>
-          <a:p>
-            <a:pPr marL="457200" indent="-457200">
-              <a:buFont typeface="Century Gothic" panose="020B0502020202020204" pitchFamily="34" charset="0"/>
-              <a:buChar char="–"/>
-            </a:pPr>
-            <a:r>
-              <a:rPr lang="hu-HU" sz="2800" dirty="0">
-                <a:latin typeface="Arial" panose="020B0604020202020204" pitchFamily="34" charset="0"/>
-                <a:cs typeface="Arial" panose="020B0604020202020204" pitchFamily="34" charset="0"/>
-              </a:rPr>
-              <a:t>Több éves gyakorlat</a:t>
-            </a:r>
-          </a:p>
-          <a:p>
-            <a:pPr marL="457200" indent="-457200">
-              <a:buFont typeface="Century Gothic" panose="020B0502020202020204" pitchFamily="34" charset="0"/>
-              <a:buChar char="–"/>
-            </a:pPr>
-            <a:r>
-              <a:rPr lang="hu-HU" sz="2800" dirty="0">
-                <a:latin typeface="Arial" panose="020B0604020202020204" pitchFamily="34" charset="0"/>
-                <a:cs typeface="Arial" panose="020B0604020202020204" pitchFamily="34" charset="0"/>
-              </a:rPr>
-              <a:t>Segítőkész</a:t>
-            </a:r>
-          </a:p>
-          <a:p>
-            <a:pPr marL="457200" indent="-457200">
-              <a:buFont typeface="Century Gothic" panose="020B0502020202020204" pitchFamily="34" charset="0"/>
-              <a:buChar char="–"/>
-            </a:pPr>
-            <a:r>
-              <a:rPr lang="hu-HU" sz="2800" dirty="0">
-                <a:latin typeface="Arial" panose="020B0604020202020204" pitchFamily="34" charset="0"/>
-                <a:cs typeface="Arial" panose="020B0604020202020204" pitchFamily="34" charset="0"/>
-              </a:rPr>
-              <a:t>Szakember</a:t>
-            </a:r>
-          </a:p>
-          <a:p>
-            <a:pPr marL="457200" indent="-457200">
-              <a:buFont typeface="Century Gothic" panose="020B0502020202020204" pitchFamily="34" charset="0"/>
-              <a:buChar char="–"/>
-            </a:pPr>
-            <a:r>
-              <a:rPr lang="hu-HU" sz="2800" dirty="0">
-                <a:latin typeface="Arial" panose="020B0604020202020204" pitchFamily="34" charset="0"/>
-                <a:cs typeface="Arial" panose="020B0604020202020204" pitchFamily="34" charset="0"/>
-              </a:rPr>
-              <a:t>Olcsó munkaerő</a:t>
-            </a:r>
-          </a:p>
-          <a:p>
-            <a:endParaRPr lang="hu-HU" sz="2800" dirty="0"/>
-          </a:p>
-          <a:p>
-            <a:pPr marL="457200" indent="-457200">
-              <a:buFont typeface="Arial" panose="020B0604020202020204" pitchFamily="34" charset="0"/>
-              <a:buChar char="•"/>
-            </a:pPr>
-            <a:endParaRPr lang="hu-HU" sz="2800" dirty="0"/>
-          </a:p>
-        </p:txBody>
-      </p:sp>
-      <p:sp>
-        <p:nvSpPr>
-          <p:cNvPr id="3" name="Szövegdoboz 2">
-            <a:extLst>
-              <a:ext uri="{FF2B5EF4-FFF2-40B4-BE49-F238E27FC236}">
-                <a16:creationId xmlns:a16="http://schemas.microsoft.com/office/drawing/2014/main" id="{AE30C31E-5848-4604-A248-C93FD43355A7}"/>
-              </a:ext>
-            </a:extLst>
-          </p:cNvPr>
-          <p:cNvSpPr txBox="1"/>
-          <p:nvPr/>
-        </p:nvSpPr>
-        <p:spPr>
-          <a:xfrm>
-            <a:off x="4823012" y="3218329"/>
-            <a:ext cx="184731" cy="369332"/>
-          </a:xfrm>
-          <a:prstGeom prst="rect">
-            <a:avLst/>
-          </a:prstGeom>
-          <a:noFill/>
-        </p:spPr>
-        <p:txBody>
-          <a:bodyPr wrap="none" rtlCol="0">
-            <a:spAutoFit/>
-          </a:bodyPr>
-          <a:lstStyle/>
-          <a:p>
-            <a:endParaRPr lang="hu-HU" dirty="0"/>
-          </a:p>
-        </p:txBody>
-      </p:sp>
-    </p:spTree>
-    <p:extLst>
-      <p:ext uri="{BB962C8B-B14F-4D97-AF65-F5344CB8AC3E}">
-        <p14:creationId xmlns:p14="http://schemas.microsoft.com/office/powerpoint/2010/main" val="1633813555"/>
-      </p:ext>
-    </p:extLst>
-  </p:cSld>
-  <p:clrMapOvr>
-    <a:masterClrMapping/>
-  </p:clrMapOvr>
-  <mc:AlternateContent xmlns:mc="http://schemas.openxmlformats.org/markup-compatibility/2006" xmlns:p14="http://schemas.microsoft.com/office/powerpoint/2010/main">
-    <mc:Choice Requires="p14">
-      <p:transition spd="slow" p14:dur="1250" advTm="3000">
-        <p14:switch dir="r"/>
-      </p:transition>
-    </mc:Choice>
-    <mc:Fallback xmlns="">
-      <p:transition spd="slow" advTm="3000">
-        <p:fade/>
-      </p:transition>
-    </mc:Fallback>
-  </mc:AlternateContent>
-  <p:timing>
-    <p:tnLst>
-      <p:par>
-        <p:cTn id="1" dur="indefinite" restart="never" nodeType="tmRoot">
-          <p:childTnLst>
-            <p:seq concurrent="1" nextAc="seek">
-              <p:cTn id="2" dur="indefinite" nodeType="mainSeq">
-                <p:childTnLst>
-                  <p:par>
-                    <p:cTn id="3" fill="hold">
-                      <p:stCondLst>
-                        <p:cond delay="indefinite"/>
-                        <p:cond evt="onBegin" delay="0">
-                          <p:tn val="2"/>
-                        </p:cond>
-                      </p:stCondLst>
-                      <p:childTnLst>
-                        <p:par>
-                          <p:cTn id="4" fill="hold">
-                            <p:stCondLst>
-                              <p:cond delay="0"/>
-                            </p:stCondLst>
-                            <p:childTnLst>
-                              <p:par>
-                                <p:cTn id="5" presetID="42" presetClass="entr" presetSubtype="0" fill="hold" grpId="0" nodeType="afterEffect">
-                                  <p:stCondLst>
-                                    <p:cond delay="1500"/>
-                                  </p:stCondLst>
-                                  <p:childTnLst>
-                                    <p:set>
-                                      <p:cBhvr>
-                                        <p:cTn id="6" dur="1" fill="hold">
-                                          <p:stCondLst>
-                                            <p:cond delay="0"/>
-                                          </p:stCondLst>
-                                        </p:cTn>
-                                        <p:tgtEl>
-                                          <p:spTgt spid="2"/>
-                                        </p:tgtEl>
-                                        <p:attrNameLst>
-                                          <p:attrName>style.visibility</p:attrName>
-                                        </p:attrNameLst>
-                                      </p:cBhvr>
-                                      <p:to>
-                                        <p:strVal val="visible"/>
-                                      </p:to>
-                                    </p:set>
-                                    <p:animEffect transition="in" filter="fade">
-                                      <p:cBhvr>
-                                        <p:cTn id="7" dur="1500"/>
-                                        <p:tgtEl>
-                                          <p:spTgt spid="2"/>
-                                        </p:tgtEl>
-                                      </p:cBhvr>
-                                    </p:animEffect>
-                                    <p:anim calcmode="lin" valueType="num">
-                                      <p:cBhvr>
-                                        <p:cTn id="8" dur="1500" fill="hold"/>
-                                        <p:tgtEl>
-                                          <p:spTgt spid="2"/>
-                                        </p:tgtEl>
-                                        <p:attrNameLst>
-                                          <p:attrName>ppt_x</p:attrName>
-                                        </p:attrNameLst>
-                                      </p:cBhvr>
-                                      <p:tavLst>
-                                        <p:tav tm="0">
-                                          <p:val>
-                                            <p:strVal val="#ppt_x"/>
-                                          </p:val>
-                                        </p:tav>
-                                        <p:tav tm="100000">
-                                          <p:val>
-                                            <p:strVal val="#ppt_x"/>
-                                          </p:val>
-                                        </p:tav>
-                                      </p:tavLst>
-                                    </p:anim>
-                                    <p:anim calcmode="lin" valueType="num">
-                                      <p:cBhvr>
-                                        <p:cTn id="9" dur="1500" fill="hold"/>
-                                        <p:tgtEl>
-                                          <p:spTgt spid="2"/>
-                                        </p:tgtEl>
-                                        <p:attrNameLst>
-                                          <p:attrName>ppt_y</p:attrName>
-                                        </p:attrNameLst>
-                                      </p:cBhvr>
-                                      <p:tavLst>
-                                        <p:tav tm="0">
-                                          <p:val>
-                                            <p:strVal val="#ppt_y+.1"/>
-                                          </p:val>
-                                        </p:tav>
-                                        <p:tav tm="100000">
-                                          <p:val>
-                                            <p:strVal val="#ppt_y"/>
-                                          </p:val>
-                                        </p:tav>
-                                      </p:tavLst>
-                                    </p:anim>
-                                  </p:childTnLst>
-                                </p:cTn>
-                              </p:par>
-                            </p:childTnLst>
-                          </p:cTn>
-                        </p:par>
-                        <p:par>
-                          <p:cTn id="10" fill="hold">
-                            <p:stCondLst>
-                              <p:cond delay="3000"/>
-                            </p:stCondLst>
-                            <p:childTnLst>
-                              <p:par>
-                                <p:cTn id="11" presetID="42" presetClass="entr" presetSubtype="0" fill="hold" nodeType="afterEffect">
-                                  <p:stCondLst>
-                                    <p:cond delay="500"/>
-                                  </p:stCondLst>
-                                  <p:childTnLst>
-                                    <p:set>
-                                      <p:cBhvr>
-                                        <p:cTn id="12" dur="1" fill="hold">
-                                          <p:stCondLst>
-                                            <p:cond delay="0"/>
-                                          </p:stCondLst>
-                                        </p:cTn>
-                                        <p:tgtEl>
-                                          <p:spTgt spid="5"/>
-                                        </p:tgtEl>
-                                        <p:attrNameLst>
-                                          <p:attrName>style.visibility</p:attrName>
-                                        </p:attrNameLst>
-                                      </p:cBhvr>
-                                      <p:to>
-                                        <p:strVal val="visible"/>
-                                      </p:to>
-                                    </p:set>
-                                    <p:animEffect transition="in" filter="fade">
-                                      <p:cBhvr>
-                                        <p:cTn id="13" dur="1500"/>
-                                        <p:tgtEl>
-                                          <p:spTgt spid="5"/>
-                                        </p:tgtEl>
-                                      </p:cBhvr>
-                                    </p:animEffect>
-                                    <p:anim calcmode="lin" valueType="num">
-                                      <p:cBhvr>
-                                        <p:cTn id="14" dur="1500" fill="hold"/>
-                                        <p:tgtEl>
-                                          <p:spTgt spid="5"/>
-                                        </p:tgtEl>
-                                        <p:attrNameLst>
-                                          <p:attrName>ppt_x</p:attrName>
-                                        </p:attrNameLst>
-                                      </p:cBhvr>
-                                      <p:tavLst>
-                                        <p:tav tm="0">
-                                          <p:val>
-                                            <p:strVal val="#ppt_x"/>
-                                          </p:val>
-                                        </p:tav>
-                                        <p:tav tm="100000">
-                                          <p:val>
-                                            <p:strVal val="#ppt_x"/>
-                                          </p:val>
-                                        </p:tav>
-                                      </p:tavLst>
-                                    </p:anim>
-                                    <p:anim calcmode="lin" valueType="num">
-                                      <p:cBhvr>
-                                        <p:cTn id="15" dur="1500" fill="hold"/>
-                                        <p:tgtEl>
-                                          <p:spTgt spid="5"/>
-                                        </p:tgtEl>
-                                        <p:attrNameLst>
-                                          <p:attrName>ppt_y</p:attrName>
-                                        </p:attrNameLst>
-                                      </p:cBhvr>
-                                      <p:tavLst>
-                                        <p:tav tm="0">
-                                          <p:val>
-                                            <p:strVal val="#ppt_y+.1"/>
-                                          </p:val>
-                                        </p:tav>
-                                        <p:tav tm="100000">
-                                          <p:val>
-                                            <p:strVal val="#ppt_y"/>
-                                          </p:val>
-                                        </p:tav>
-                                      </p:tavLst>
-                                    </p:anim>
-                                  </p:childTnLst>
-                                </p:cTn>
-                              </p:par>
-                            </p:childTnLst>
-                          </p:cTn>
-                        </p:par>
-                        <p:par>
-                          <p:cTn id="16" fill="hold">
-                            <p:stCondLst>
-                              <p:cond delay="5000"/>
-                            </p:stCondLst>
-                            <p:childTnLst>
-                              <p:par>
-                                <p:cTn id="17" presetID="2" presetClass="entr" presetSubtype="4" fill="hold" nodeType="afterEffect">
-                                  <p:stCondLst>
-                                    <p:cond delay="1000"/>
-                                  </p:stCondLst>
-                                  <p:childTnLst>
-                                    <p:set>
-                                      <p:cBhvr>
-                                        <p:cTn id="18" dur="1" fill="hold">
-                                          <p:stCondLst>
-                                            <p:cond delay="0"/>
-                                          </p:stCondLst>
-                                        </p:cTn>
-                                        <p:tgtEl>
-                                          <p:spTgt spid="8">
-                                            <p:txEl>
-                                              <p:pRg st="0" end="0"/>
-                                            </p:txEl>
-                                          </p:spTgt>
-                                        </p:tgtEl>
-                                        <p:attrNameLst>
-                                          <p:attrName>style.visibility</p:attrName>
-                                        </p:attrNameLst>
-                                      </p:cBhvr>
-                                      <p:to>
-                                        <p:strVal val="visible"/>
-                                      </p:to>
-                                    </p:set>
-                                    <p:anim calcmode="lin" valueType="num">
-                                      <p:cBhvr additive="base">
-                                        <p:cTn id="19" dur="1000" fill="hold"/>
-                                        <p:tgtEl>
-                                          <p:spTgt spid="8">
-                                            <p:txEl>
-                                              <p:pRg st="0" end="0"/>
-                                            </p:txEl>
-                                          </p:spTgt>
-                                        </p:tgtEl>
-                                        <p:attrNameLst>
-                                          <p:attrName>ppt_x</p:attrName>
-                                        </p:attrNameLst>
-                                      </p:cBhvr>
-                                      <p:tavLst>
-                                        <p:tav tm="0">
-                                          <p:val>
-                                            <p:strVal val="#ppt_x"/>
-                                          </p:val>
-                                        </p:tav>
-                                        <p:tav tm="100000">
-                                          <p:val>
-                                            <p:strVal val="#ppt_x"/>
-                                          </p:val>
-                                        </p:tav>
-                                      </p:tavLst>
-                                    </p:anim>
-                                    <p:anim calcmode="lin" valueType="num">
-                                      <p:cBhvr additive="base">
-                                        <p:cTn id="20" dur="1000" fill="hold"/>
-                                        <p:tgtEl>
-                                          <p:spTgt spid="8">
-                                            <p:txEl>
-                                              <p:pRg st="0" end="0"/>
-                                            </p:txEl>
-                                          </p:spTgt>
-                                        </p:tgtEl>
-                                        <p:attrNameLst>
-                                          <p:attrName>ppt_y</p:attrName>
-                                        </p:attrNameLst>
-                                      </p:cBhvr>
-                                      <p:tavLst>
-                                        <p:tav tm="0">
-                                          <p:val>
-                                            <p:strVal val="1+#ppt_h/2"/>
-                                          </p:val>
-                                        </p:tav>
-                                        <p:tav tm="100000">
-                                          <p:val>
-                                            <p:strVal val="#ppt_y"/>
-                                          </p:val>
-                                        </p:tav>
-                                      </p:tavLst>
-                                    </p:anim>
-                                  </p:childTnLst>
-                                </p:cTn>
-                              </p:par>
-                            </p:childTnLst>
-                          </p:cTn>
-                        </p:par>
-                        <p:par>
-                          <p:cTn id="21" fill="hold">
-                            <p:stCondLst>
-                              <p:cond delay="7000"/>
-                            </p:stCondLst>
-                            <p:childTnLst>
-                              <p:par>
-                                <p:cTn id="22" presetID="2" presetClass="entr" presetSubtype="4" fill="hold" nodeType="afterEffect">
-                                  <p:stCondLst>
-                                    <p:cond delay="2000"/>
-                                  </p:stCondLst>
-                                  <p:childTnLst>
-                                    <p:set>
-                                      <p:cBhvr>
-                                        <p:cTn id="23" dur="1" fill="hold">
-                                          <p:stCondLst>
-                                            <p:cond delay="0"/>
-                                          </p:stCondLst>
-                                        </p:cTn>
-                                        <p:tgtEl>
-                                          <p:spTgt spid="8">
-                                            <p:txEl>
-                                              <p:pRg st="1" end="1"/>
-                                            </p:txEl>
-                                          </p:spTgt>
-                                        </p:tgtEl>
-                                        <p:attrNameLst>
-                                          <p:attrName>style.visibility</p:attrName>
-                                        </p:attrNameLst>
-                                      </p:cBhvr>
-                                      <p:to>
-                                        <p:strVal val="visible"/>
-                                      </p:to>
-                                    </p:set>
-                                    <p:anim calcmode="lin" valueType="num">
-                                      <p:cBhvr additive="base">
-                                        <p:cTn id="24" dur="1000" fill="hold"/>
-                                        <p:tgtEl>
-                                          <p:spTgt spid="8">
-                                            <p:txEl>
-                                              <p:pRg st="1" end="1"/>
-                                            </p:txEl>
-                                          </p:spTgt>
-                                        </p:tgtEl>
-                                        <p:attrNameLst>
-                                          <p:attrName>ppt_x</p:attrName>
-                                        </p:attrNameLst>
-                                      </p:cBhvr>
-                                      <p:tavLst>
-                                        <p:tav tm="0">
-                                          <p:val>
-                                            <p:strVal val="#ppt_x"/>
-                                          </p:val>
-                                        </p:tav>
-                                        <p:tav tm="100000">
-                                          <p:val>
-                                            <p:strVal val="#ppt_x"/>
-                                          </p:val>
-                                        </p:tav>
-                                      </p:tavLst>
-                                    </p:anim>
-                                    <p:anim calcmode="lin" valueType="num">
-                                      <p:cBhvr additive="base">
-                                        <p:cTn id="25" dur="1000" fill="hold"/>
-                                        <p:tgtEl>
-                                          <p:spTgt spid="8">
-                                            <p:txEl>
-                                              <p:pRg st="1" end="1"/>
-                                            </p:txEl>
-                                          </p:spTgt>
-                                        </p:tgtEl>
-                                        <p:attrNameLst>
-                                          <p:attrName>ppt_y</p:attrName>
-                                        </p:attrNameLst>
-                                      </p:cBhvr>
-                                      <p:tavLst>
-                                        <p:tav tm="0">
-                                          <p:val>
-                                            <p:strVal val="1+#ppt_h/2"/>
-                                          </p:val>
-                                        </p:tav>
-                                        <p:tav tm="100000">
-                                          <p:val>
-                                            <p:strVal val="#ppt_y"/>
-                                          </p:val>
-                                        </p:tav>
-                                      </p:tavLst>
-                                    </p:anim>
-                                  </p:childTnLst>
-                                </p:cTn>
-                              </p:par>
-                            </p:childTnLst>
-                          </p:cTn>
-                        </p:par>
-                        <p:par>
-                          <p:cTn id="26" fill="hold">
-                            <p:stCondLst>
-                              <p:cond delay="10000"/>
-                            </p:stCondLst>
-                            <p:childTnLst>
-                              <p:par>
-                                <p:cTn id="27" presetID="2" presetClass="entr" presetSubtype="4" fill="hold" nodeType="afterEffect">
-                                  <p:stCondLst>
-                                    <p:cond delay="2000"/>
-                                  </p:stCondLst>
-                                  <p:childTnLst>
-                                    <p:set>
-                                      <p:cBhvr>
-                                        <p:cTn id="28" dur="1" fill="hold">
-                                          <p:stCondLst>
-                                            <p:cond delay="0"/>
-                                          </p:stCondLst>
-                                        </p:cTn>
-                                        <p:tgtEl>
-                                          <p:spTgt spid="8">
-                                            <p:txEl>
-                                              <p:pRg st="2" end="2"/>
-                                            </p:txEl>
-                                          </p:spTgt>
-                                        </p:tgtEl>
-                                        <p:attrNameLst>
-                                          <p:attrName>style.visibility</p:attrName>
-                                        </p:attrNameLst>
-                                      </p:cBhvr>
-                                      <p:to>
-                                        <p:strVal val="visible"/>
-                                      </p:to>
-                                    </p:set>
-                                    <p:anim calcmode="lin" valueType="num">
-                                      <p:cBhvr additive="base">
-                                        <p:cTn id="29" dur="1000" fill="hold"/>
-                                        <p:tgtEl>
-                                          <p:spTgt spid="8">
-                                            <p:txEl>
-                                              <p:pRg st="2" end="2"/>
-                                            </p:txEl>
-                                          </p:spTgt>
-                                        </p:tgtEl>
-                                        <p:attrNameLst>
-                                          <p:attrName>ppt_x</p:attrName>
-                                        </p:attrNameLst>
-                                      </p:cBhvr>
-                                      <p:tavLst>
-                                        <p:tav tm="0">
-                                          <p:val>
-                                            <p:strVal val="#ppt_x"/>
-                                          </p:val>
-                                        </p:tav>
-                                        <p:tav tm="100000">
-                                          <p:val>
-                                            <p:strVal val="#ppt_x"/>
-                                          </p:val>
-                                        </p:tav>
-                                      </p:tavLst>
-                                    </p:anim>
-                                    <p:anim calcmode="lin" valueType="num">
-                                      <p:cBhvr additive="base">
-                                        <p:cTn id="30" dur="1000" fill="hold"/>
-                                        <p:tgtEl>
-                                          <p:spTgt spid="8">
-                                            <p:txEl>
-                                              <p:pRg st="2" end="2"/>
-                                            </p:txEl>
-                                          </p:spTgt>
-                                        </p:tgtEl>
-                                        <p:attrNameLst>
-                                          <p:attrName>ppt_y</p:attrName>
-                                        </p:attrNameLst>
-                                      </p:cBhvr>
-                                      <p:tavLst>
-                                        <p:tav tm="0">
-                                          <p:val>
-                                            <p:strVal val="1+#ppt_h/2"/>
-                                          </p:val>
-                                        </p:tav>
-                                        <p:tav tm="100000">
-                                          <p:val>
-                                            <p:strVal val="#ppt_y"/>
-                                          </p:val>
-                                        </p:tav>
-                                      </p:tavLst>
-                                    </p:anim>
-                                  </p:childTnLst>
-                                </p:cTn>
-                              </p:par>
-                            </p:childTnLst>
-                          </p:cTn>
-                        </p:par>
-                        <p:par>
-                          <p:cTn id="31" fill="hold">
-                            <p:stCondLst>
-                              <p:cond delay="13000"/>
-                            </p:stCondLst>
-                            <p:childTnLst>
-                              <p:par>
-                                <p:cTn id="32" presetID="2" presetClass="entr" presetSubtype="4" fill="hold" nodeType="afterEffect">
-                                  <p:stCondLst>
-                                    <p:cond delay="2000"/>
-                                  </p:stCondLst>
-                                  <p:childTnLst>
-                                    <p:set>
-                                      <p:cBhvr>
-                                        <p:cTn id="33" dur="1" fill="hold">
-                                          <p:stCondLst>
-                                            <p:cond delay="0"/>
-                                          </p:stCondLst>
-                                        </p:cTn>
-                                        <p:tgtEl>
-                                          <p:spTgt spid="8">
-                                            <p:txEl>
-                                              <p:pRg st="3" end="3"/>
-                                            </p:txEl>
-                                          </p:spTgt>
-                                        </p:tgtEl>
-                                        <p:attrNameLst>
-                                          <p:attrName>style.visibility</p:attrName>
-                                        </p:attrNameLst>
-                                      </p:cBhvr>
-                                      <p:to>
-                                        <p:strVal val="visible"/>
-                                      </p:to>
-                                    </p:set>
-                                    <p:anim calcmode="lin" valueType="num">
-                                      <p:cBhvr additive="base">
-                                        <p:cTn id="34" dur="1000" fill="hold"/>
-                                        <p:tgtEl>
-                                          <p:spTgt spid="8">
-                                            <p:txEl>
-                                              <p:pRg st="3" end="3"/>
-                                            </p:txEl>
-                                          </p:spTgt>
-                                        </p:tgtEl>
-                                        <p:attrNameLst>
-                                          <p:attrName>ppt_x</p:attrName>
-                                        </p:attrNameLst>
-                                      </p:cBhvr>
-                                      <p:tavLst>
-                                        <p:tav tm="0">
-                                          <p:val>
-                                            <p:strVal val="#ppt_x"/>
-                                          </p:val>
-                                        </p:tav>
-                                        <p:tav tm="100000">
-                                          <p:val>
-                                            <p:strVal val="#ppt_x"/>
-                                          </p:val>
-                                        </p:tav>
-                                      </p:tavLst>
-                                    </p:anim>
-                                    <p:anim calcmode="lin" valueType="num">
-                                      <p:cBhvr additive="base">
-                                        <p:cTn id="35" dur="1000" fill="hold"/>
-                                        <p:tgtEl>
-                                          <p:spTgt spid="8">
-                                            <p:txEl>
-                                              <p:pRg st="3" end="3"/>
-                                            </p:txEl>
-                                          </p:spTgt>
-                                        </p:tgtEl>
-                                        <p:attrNameLst>
-                                          <p:attrName>ppt_y</p:attrName>
-                                        </p:attrNameLst>
-                                      </p:cBhvr>
-                                      <p:tavLst>
-                                        <p:tav tm="0">
-                                          <p:val>
-                                            <p:strVal val="1+#ppt_h/2"/>
-                                          </p:val>
-                                        </p:tav>
-                                        <p:tav tm="100000">
-                                          <p:val>
-                                            <p:strVal val="#ppt_y"/>
-                                          </p:val>
-                                        </p:tav>
-                                      </p:tavLst>
-                                    </p:anim>
-                                  </p:childTnLst>
-                                </p:cTn>
-                              </p:par>
-                            </p:childTnLst>
-                          </p:cTn>
-                        </p:par>
-                        <p:par>
-                          <p:cTn id="36" fill="hold">
-                            <p:stCondLst>
-                              <p:cond delay="16000"/>
-                            </p:stCondLst>
-                            <p:childTnLst>
-                              <p:par>
-                                <p:cTn id="37" presetID="2" presetClass="entr" presetSubtype="4" fill="hold" nodeType="afterEffect">
-                                  <p:stCondLst>
-                                    <p:cond delay="2000"/>
-                                  </p:stCondLst>
-                                  <p:childTnLst>
-                                    <p:set>
-                                      <p:cBhvr>
-                                        <p:cTn id="38" dur="1" fill="hold">
-                                          <p:stCondLst>
-                                            <p:cond delay="0"/>
-                                          </p:stCondLst>
-                                        </p:cTn>
-                                        <p:tgtEl>
-                                          <p:spTgt spid="8">
-                                            <p:txEl>
-                                              <p:pRg st="4" end="4"/>
-                                            </p:txEl>
-                                          </p:spTgt>
-                                        </p:tgtEl>
-                                        <p:attrNameLst>
-                                          <p:attrName>style.visibility</p:attrName>
-                                        </p:attrNameLst>
-                                      </p:cBhvr>
-                                      <p:to>
-                                        <p:strVal val="visible"/>
-                                      </p:to>
-                                    </p:set>
-                                    <p:anim calcmode="lin" valueType="num">
-                                      <p:cBhvr additive="base">
-                                        <p:cTn id="39" dur="1000" fill="hold"/>
-                                        <p:tgtEl>
-                                          <p:spTgt spid="8">
-                                            <p:txEl>
-                                              <p:pRg st="4" end="4"/>
-                                            </p:txEl>
-                                          </p:spTgt>
-                                        </p:tgtEl>
-                                        <p:attrNameLst>
-                                          <p:attrName>ppt_x</p:attrName>
-                                        </p:attrNameLst>
-                                      </p:cBhvr>
-                                      <p:tavLst>
-                                        <p:tav tm="0">
-                                          <p:val>
-                                            <p:strVal val="#ppt_x"/>
-                                          </p:val>
-                                        </p:tav>
-                                        <p:tav tm="100000">
-                                          <p:val>
-                                            <p:strVal val="#ppt_x"/>
-                                          </p:val>
-                                        </p:tav>
-                                      </p:tavLst>
-                                    </p:anim>
-                                    <p:anim calcmode="lin" valueType="num">
-                                      <p:cBhvr additive="base">
-                                        <p:cTn id="40" dur="1000" fill="hold"/>
-                                        <p:tgtEl>
-                                          <p:spTgt spid="8">
-                                            <p:txEl>
-                                              <p:pRg st="4" end="4"/>
-                                            </p:txEl>
-                                          </p:spTgt>
-                                        </p:tgtEl>
-                                        <p:attrNameLst>
-                                          <p:attrName>ppt_y</p:attrName>
-                                        </p:attrNameLst>
-                                      </p:cBhvr>
-                                      <p:tavLst>
-                                        <p:tav tm="0">
-                                          <p:val>
-                                            <p:strVal val="1+#ppt_h/2"/>
-                                          </p:val>
-                                        </p:tav>
-                                        <p:tav tm="100000">
-                                          <p:val>
-                                            <p:strVal val="#ppt_y"/>
-                                          </p:val>
-                                        </p:tav>
-                                      </p:tavLst>
-                                    </p:anim>
-                                  </p:childTnLst>
-                                </p:cTn>
-                              </p:par>
-                            </p:childTnLst>
-                          </p:cTn>
-                        </p:par>
-                        <p:par>
-                          <p:cTn id="41" fill="hold">
-                            <p:stCondLst>
-                              <p:cond delay="19000"/>
-                            </p:stCondLst>
-                            <p:childTnLst>
-                              <p:par>
-                                <p:cTn id="42" presetID="2" presetClass="entr" presetSubtype="4" fill="hold" nodeType="afterEffect">
-                                  <p:stCondLst>
-                                    <p:cond delay="2000"/>
-                                  </p:stCondLst>
-                                  <p:childTnLst>
-                                    <p:set>
-                                      <p:cBhvr>
-                                        <p:cTn id="43" dur="1" fill="hold">
-                                          <p:stCondLst>
-                                            <p:cond delay="0"/>
-                                          </p:stCondLst>
-                                        </p:cTn>
-                                        <p:tgtEl>
-                                          <p:spTgt spid="8">
-                                            <p:txEl>
-                                              <p:pRg st="5" end="5"/>
-                                            </p:txEl>
-                                          </p:spTgt>
-                                        </p:tgtEl>
-                                        <p:attrNameLst>
-                                          <p:attrName>style.visibility</p:attrName>
-                                        </p:attrNameLst>
-                                      </p:cBhvr>
-                                      <p:to>
-                                        <p:strVal val="visible"/>
-                                      </p:to>
-                                    </p:set>
-                                    <p:anim calcmode="lin" valueType="num">
-                                      <p:cBhvr additive="base">
-                                        <p:cTn id="44" dur="1500" fill="hold"/>
-                                        <p:tgtEl>
-                                          <p:spTgt spid="8">
-                                            <p:txEl>
-                                              <p:pRg st="5" end="5"/>
-                                            </p:txEl>
-                                          </p:spTgt>
-                                        </p:tgtEl>
-                                        <p:attrNameLst>
-                                          <p:attrName>ppt_x</p:attrName>
-                                        </p:attrNameLst>
-                                      </p:cBhvr>
-                                      <p:tavLst>
-                                        <p:tav tm="0">
-                                          <p:val>
-                                            <p:strVal val="#ppt_x"/>
-                                          </p:val>
-                                        </p:tav>
-                                        <p:tav tm="100000">
-                                          <p:val>
-                                            <p:strVal val="#ppt_x"/>
-                                          </p:val>
-                                        </p:tav>
-                                      </p:tavLst>
-                                    </p:anim>
-                                    <p:anim calcmode="lin" valueType="num">
-                                      <p:cBhvr additive="base">
-                                        <p:cTn id="45" dur="1500" fill="hold"/>
-                                        <p:tgtEl>
-                                          <p:spTgt spid="8">
-                                            <p:txEl>
-                                              <p:pRg st="5" end="5"/>
-                                            </p:txEl>
-                                          </p:spTgt>
-                                        </p:tgtEl>
-                                        <p:attrNameLst>
-                                          <p:attrName>ppt_y</p:attrName>
-                                        </p:attrNameLst>
-                                      </p:cBhvr>
-                                      <p:tavLst>
-                                        <p:tav tm="0">
-                                          <p:val>
-                                            <p:strVal val="1+#ppt_h/2"/>
-                                          </p:val>
-                                        </p:tav>
-                                        <p:tav tm="100000">
-                                          <p:val>
-                                            <p:strVal val="#ppt_y"/>
-                                          </p:val>
-                                        </p:tav>
-                                      </p:tavLst>
-                                    </p:anim>
-                                  </p:childTnLst>
-                                </p:cTn>
-                              </p:par>
-                            </p:childTnLst>
-                          </p:cTn>
-                        </p:par>
-                      </p:childTnLst>
-                    </p:cTn>
-                  </p:par>
-                </p:childTnLst>
-              </p:cTn>
-              <p:prevCondLst>
-                <p:cond evt="onPrev" delay="0">
-                  <p:tgtEl>
-                    <p:sldTgt/>
-                  </p:tgtEl>
-                </p:cond>
-              </p:prevCondLst>
-              <p:nextCondLst>
-                <p:cond evt="onNext" delay="0">
-                  <p:tgtEl>
-                    <p:sldTgt/>
-                  </p:tgtEl>
-                </p:cond>
-              </p:nextCondLst>
-            </p:seq>
-          </p:childTnLst>
-        </p:cTn>
-      </p:par>
-    </p:tnLst>
-    <p:bldLst>
-      <p:bldP spid="2" grpId="0"/>
-    </p:bldLst>
-  </p:timing>
-</p:sld>
-</file>
-
-<file path=ppt/slides/slide4.xml><?xml version="1.0" encoding="utf-8"?>
-<p:sld xmlns:a="http://schemas.openxmlformats.org/drawingml/2006/main" xmlns:r="http://schemas.openxmlformats.org/officeDocument/2006/relationships" xmlns:p="http://schemas.openxmlformats.org/presentationml/2006/main">
-  <p:cSld>
-    <p:spTree>
-      <p:nvGrpSpPr>
-        <p:cNvPr id="1" name=""/>
-        <p:cNvGrpSpPr/>
-        <p:nvPr/>
-      </p:nvGrpSpPr>
-      <p:grpSpPr>
-        <a:xfrm>
-          <a:off x="0" y="0"/>
-          <a:ext cx="0" cy="0"/>
-          <a:chOff x="0" y="0"/>
-          <a:chExt cx="0" cy="0"/>
-        </a:xfrm>
-      </p:grpSpPr>
-      <p:sp>
-        <p:nvSpPr>
-          <p:cNvPr id="2" name="Cím 1">
-            <a:extLst>
-              <a:ext uri="{FF2B5EF4-FFF2-40B4-BE49-F238E27FC236}">
-                <a16:creationId xmlns:a16="http://schemas.microsoft.com/office/drawing/2014/main" id="{6CDD2F92-20C5-4F0B-B39F-35C5CB1C58D2}"/>
-              </a:ext>
-            </a:extLst>
-          </p:cNvPr>
-          <p:cNvSpPr>
-            <a:spLocks noGrp="1"/>
-          </p:cNvSpPr>
-          <p:nvPr>
-            <p:ph type="title"/>
-          </p:nvPr>
-        </p:nvSpPr>
-        <p:spPr>
-          <a:xfrm>
-            <a:off x="1278524" y="799071"/>
-            <a:ext cx="4586816" cy="1328580"/>
-          </a:xfrm>
-        </p:spPr>
-        <p:txBody>
-          <a:bodyPr/>
-          <a:lstStyle/>
-          <a:p>
-            <a:r>
-              <a:rPr lang="hu-HU" dirty="0"/>
-              <a:t>K.Papp Benjamin</a:t>
-            </a:r>
-          </a:p>
-        </p:txBody>
-      </p:sp>
-      <p:pic>
-        <p:nvPicPr>
-          <p:cNvPr id="5" name="Kép 4">
-            <a:extLst>
-              <a:ext uri="{FF2B5EF4-FFF2-40B4-BE49-F238E27FC236}">
-                <a16:creationId xmlns:a16="http://schemas.microsoft.com/office/drawing/2014/main" id="{93CD777C-7B52-49D6-898C-53372FC5845F}"/>
-              </a:ext>
-            </a:extLst>
-          </p:cNvPr>
-          <p:cNvPicPr>
-            <a:picLocks noChangeAspect="1"/>
-          </p:cNvPicPr>
-          <p:nvPr/>
-        </p:nvPicPr>
-        <p:blipFill>
-          <a:blip r:embed="rId2"/>
-          <a:stretch>
-            <a:fillRect/>
-          </a:stretch>
-        </p:blipFill>
-        <p:spPr>
-          <a:xfrm>
-            <a:off x="1367481" y="2069386"/>
-            <a:ext cx="4160108" cy="3617761"/>
-          </a:xfrm>
-          <a:prstGeom prst="rect">
-            <a:avLst/>
-          </a:prstGeom>
-        </p:spPr>
-      </p:pic>
-      <p:sp>
-        <p:nvSpPr>
-          <p:cNvPr id="6" name="Szövegdoboz 5">
-            <a:extLst>
-              <a:ext uri="{FF2B5EF4-FFF2-40B4-BE49-F238E27FC236}">
-                <a16:creationId xmlns:a16="http://schemas.microsoft.com/office/drawing/2014/main" id="{8049FAC4-7B4D-42D9-A350-D14780E60E69}"/>
-              </a:ext>
-            </a:extLst>
-          </p:cNvPr>
-          <p:cNvSpPr txBox="1"/>
-          <p:nvPr/>
-        </p:nvSpPr>
-        <p:spPr>
-          <a:xfrm>
-            <a:off x="7444342" y="1942437"/>
-            <a:ext cx="4586816" cy="4247317"/>
-          </a:xfrm>
-          <a:prstGeom prst="rect">
-            <a:avLst/>
-          </a:prstGeom>
-          <a:noFill/>
-        </p:spPr>
-        <p:txBody>
-          <a:bodyPr wrap="square" rtlCol="0">
-            <a:spAutoFit/>
-          </a:bodyPr>
-          <a:lstStyle/>
-          <a:p>
-            <a:pPr marL="457200" indent="-457200">
-              <a:buFont typeface="Century Gothic" panose="020B0502020202020204" pitchFamily="34" charset="0"/>
-              <a:buChar char="–"/>
-            </a:pPr>
-            <a:r>
-              <a:rPr lang="hu-HU" sz="2800" dirty="0"/>
-              <a:t>16 éves</a:t>
-            </a:r>
-          </a:p>
-          <a:p>
-            <a:pPr marL="457200" indent="-457200">
-              <a:buFont typeface="Century Gothic" panose="020B0502020202020204" pitchFamily="34" charset="0"/>
-              <a:buChar char="–"/>
-            </a:pPr>
-            <a:r>
-              <a:rPr lang="hu-HU" sz="2800" dirty="0"/>
-              <a:t>Több éves informatikai tapasztalat</a:t>
-            </a:r>
-          </a:p>
-          <a:p>
-            <a:pPr marL="457200" indent="-457200">
-              <a:buFont typeface="Century Gothic" panose="020B0502020202020204" pitchFamily="34" charset="0"/>
-              <a:buChar char="–"/>
-            </a:pPr>
-            <a:r>
-              <a:rPr lang="hu-HU" sz="2800" dirty="0"/>
-              <a:t>Tanulmányok</a:t>
-            </a:r>
-          </a:p>
-          <a:p>
-            <a:pPr marL="457200" indent="-457200">
-              <a:buFont typeface="Century Gothic" panose="020B0502020202020204" pitchFamily="34" charset="0"/>
-              <a:buChar char="–"/>
-            </a:pPr>
-            <a:r>
-              <a:rPr lang="hu-HU" sz="2800" dirty="0"/>
-              <a:t>Szakember</a:t>
-            </a:r>
-          </a:p>
-          <a:p>
-            <a:endParaRPr lang="hu-HU" sz="2800" dirty="0"/>
-          </a:p>
-          <a:p>
-            <a:pPr marL="457200" indent="-457200">
-              <a:buFont typeface="Century Gothic" panose="020B0502020202020204" pitchFamily="34" charset="0"/>
-              <a:buChar char="–"/>
-            </a:pPr>
-            <a:endParaRPr lang="hu-HU" sz="2800" dirty="0"/>
-          </a:p>
-          <a:p>
-            <a:pPr marL="457200" indent="-457200">
-              <a:buFont typeface="Century Gothic" panose="020B0502020202020204" pitchFamily="34" charset="0"/>
-              <a:buChar char="–"/>
-            </a:pPr>
-            <a:endParaRPr lang="hu-HU" sz="2800" dirty="0"/>
-          </a:p>
-          <a:p>
-            <a:r>
-              <a:rPr lang="hu-HU" sz="2800" dirty="0"/>
-              <a:t>	</a:t>
-            </a:r>
-          </a:p>
-          <a:p>
-            <a:pPr marL="285750" indent="-285750">
-              <a:buFont typeface="Arial" panose="020B0604020202020204" pitchFamily="34" charset="0"/>
-              <a:buChar char="•"/>
-            </a:pPr>
-            <a:endParaRPr lang="hu-HU" dirty="0"/>
-          </a:p>
-        </p:txBody>
-      </p:sp>
-    </p:spTree>
-    <p:extLst>
-      <p:ext uri="{BB962C8B-B14F-4D97-AF65-F5344CB8AC3E}">
-        <p14:creationId xmlns:p14="http://schemas.microsoft.com/office/powerpoint/2010/main" val="3487544041"/>
-      </p:ext>
-    </p:extLst>
-  </p:cSld>
-  <p:clrMapOvr>
-    <a:masterClrMapping/>
-  </p:clrMapOvr>
-  <mc:AlternateContent xmlns:mc="http://schemas.openxmlformats.org/markup-compatibility/2006" xmlns:p14="http://schemas.microsoft.com/office/powerpoint/2010/main">
-    <mc:Choice Requires="p14">
-      <p:transition spd="slow" p14:dur="1250" advTm="3000">
-        <p14:flip dir="r"/>
-      </p:transition>
-    </mc:Choice>
-    <mc:Fallback xmlns="">
-      <p:transition spd="slow" advTm="3000">
-        <p:fade/>
-      </p:transition>
-    </mc:Fallback>
-  </mc:AlternateContent>
-  <p:timing>
-    <p:tnLst>
-      <p:par>
-        <p:cTn id="1" dur="indefinite" restart="never" nodeType="tmRoot">
-          <p:childTnLst>
-            <p:seq concurrent="1" nextAc="seek">
-              <p:cTn id="2" dur="indefinite" nodeType="mainSeq">
-                <p:childTnLst>
-                  <p:par>
-                    <p:cTn id="3" fill="hold">
-                      <p:stCondLst>
-                        <p:cond delay="indefinite"/>
-                        <p:cond evt="onBegin" delay="0">
-                          <p:tn val="2"/>
-                        </p:cond>
-                      </p:stCondLst>
-                      <p:childTnLst>
-                        <p:par>
-                          <p:cTn id="4" fill="hold">
-                            <p:stCondLst>
-                              <p:cond delay="0"/>
-                            </p:stCondLst>
-                            <p:childTnLst>
-                              <p:par>
-                                <p:cTn id="5" presetID="2" presetClass="entr" presetSubtype="4" fill="hold" grpId="0" nodeType="afterEffect">
-                                  <p:stCondLst>
-                                    <p:cond delay="2000"/>
-                                  </p:stCondLst>
-                                  <p:childTnLst>
-                                    <p:set>
-                                      <p:cBhvr>
-                                        <p:cTn id="6" dur="1" fill="hold">
-                                          <p:stCondLst>
-                                            <p:cond delay="0"/>
-                                          </p:stCondLst>
-                                        </p:cTn>
-                                        <p:tgtEl>
-                                          <p:spTgt spid="2"/>
-                                        </p:tgtEl>
-                                        <p:attrNameLst>
-                                          <p:attrName>style.visibility</p:attrName>
-                                        </p:attrNameLst>
-                                      </p:cBhvr>
-                                      <p:to>
-                                        <p:strVal val="visible"/>
-                                      </p:to>
-                                    </p:set>
-                                    <p:anim calcmode="lin" valueType="num">
-                                      <p:cBhvr additive="base">
-                                        <p:cTn id="7" dur="1500" fill="hold"/>
-                                        <p:tgtEl>
-                                          <p:spTgt spid="2"/>
-                                        </p:tgtEl>
-                                        <p:attrNameLst>
-                                          <p:attrName>ppt_x</p:attrName>
-                                        </p:attrNameLst>
-                                      </p:cBhvr>
-                                      <p:tavLst>
-                                        <p:tav tm="0">
-                                          <p:val>
-                                            <p:strVal val="#ppt_x"/>
-                                          </p:val>
-                                        </p:tav>
-                                        <p:tav tm="100000">
-                                          <p:val>
-                                            <p:strVal val="#ppt_x"/>
-                                          </p:val>
-                                        </p:tav>
-                                      </p:tavLst>
-                                    </p:anim>
-                                    <p:anim calcmode="lin" valueType="num">
-                                      <p:cBhvr additive="base">
-                                        <p:cTn id="8" dur="1500" fill="hold"/>
-                                        <p:tgtEl>
-                                          <p:spTgt spid="2"/>
-                                        </p:tgtEl>
-                                        <p:attrNameLst>
-                                          <p:attrName>ppt_y</p:attrName>
-                                        </p:attrNameLst>
-                                      </p:cBhvr>
-                                      <p:tavLst>
-                                        <p:tav tm="0">
-                                          <p:val>
-                                            <p:strVal val="1+#ppt_h/2"/>
-                                          </p:val>
-                                        </p:tav>
-                                        <p:tav tm="100000">
-                                          <p:val>
-                                            <p:strVal val="#ppt_y"/>
-                                          </p:val>
-                                        </p:tav>
-                                      </p:tavLst>
-                                    </p:anim>
-                                  </p:childTnLst>
-                                </p:cTn>
-                              </p:par>
-                            </p:childTnLst>
-                          </p:cTn>
-                        </p:par>
-                        <p:par>
-                          <p:cTn id="9" fill="hold">
-                            <p:stCondLst>
-                              <p:cond delay="3500"/>
-                            </p:stCondLst>
-                            <p:childTnLst>
-                              <p:par>
-                                <p:cTn id="10" presetID="2" presetClass="entr" presetSubtype="4" fill="hold" nodeType="afterEffect">
-                                  <p:stCondLst>
-                                    <p:cond delay="0"/>
-                                  </p:stCondLst>
-                                  <p:childTnLst>
-                                    <p:set>
-                                      <p:cBhvr>
-                                        <p:cTn id="11" dur="1" fill="hold">
-                                          <p:stCondLst>
-                                            <p:cond delay="0"/>
-                                          </p:stCondLst>
-                                        </p:cTn>
-                                        <p:tgtEl>
-                                          <p:spTgt spid="5"/>
-                                        </p:tgtEl>
-                                        <p:attrNameLst>
-                                          <p:attrName>style.visibility</p:attrName>
-                                        </p:attrNameLst>
-                                      </p:cBhvr>
-                                      <p:to>
-                                        <p:strVal val="visible"/>
-                                      </p:to>
-                                    </p:set>
-                                    <p:anim calcmode="lin" valueType="num">
-                                      <p:cBhvr additive="base">
-                                        <p:cTn id="12" dur="1500" fill="hold"/>
-                                        <p:tgtEl>
-                                          <p:spTgt spid="5"/>
-                                        </p:tgtEl>
-                                        <p:attrNameLst>
-                                          <p:attrName>ppt_x</p:attrName>
-                                        </p:attrNameLst>
-                                      </p:cBhvr>
-                                      <p:tavLst>
-                                        <p:tav tm="0">
-                                          <p:val>
-                                            <p:strVal val="#ppt_x"/>
-                                          </p:val>
-                                        </p:tav>
-                                        <p:tav tm="100000">
-                                          <p:val>
-                                            <p:strVal val="#ppt_x"/>
-                                          </p:val>
-                                        </p:tav>
-                                      </p:tavLst>
-                                    </p:anim>
-                                    <p:anim calcmode="lin" valueType="num">
-                                      <p:cBhvr additive="base">
-                                        <p:cTn id="13" dur="1500" fill="hold"/>
-                                        <p:tgtEl>
-                                          <p:spTgt spid="5"/>
-                                        </p:tgtEl>
-                                        <p:attrNameLst>
-                                          <p:attrName>ppt_y</p:attrName>
-                                        </p:attrNameLst>
-                                      </p:cBhvr>
-                                      <p:tavLst>
-                                        <p:tav tm="0">
-                                          <p:val>
-                                            <p:strVal val="1+#ppt_h/2"/>
-                                          </p:val>
-                                        </p:tav>
-                                        <p:tav tm="100000">
-                                          <p:val>
-                                            <p:strVal val="#ppt_y"/>
-                                          </p:val>
-                                        </p:tav>
-                                      </p:tavLst>
-                                    </p:anim>
-                                  </p:childTnLst>
-                                </p:cTn>
-                              </p:par>
-                            </p:childTnLst>
-                          </p:cTn>
-                        </p:par>
-                        <p:par>
-                          <p:cTn id="14" fill="hold">
-                            <p:stCondLst>
-                              <p:cond delay="5000"/>
-                            </p:stCondLst>
-                            <p:childTnLst>
-                              <p:par>
-                                <p:cTn id="15" presetID="2" presetClass="entr" presetSubtype="4" fill="hold" nodeType="afterEffect">
-                                  <p:stCondLst>
-                                    <p:cond delay="2000"/>
-                                  </p:stCondLst>
-                                  <p:childTnLst>
-                                    <p:set>
-                                      <p:cBhvr>
-                                        <p:cTn id="16" dur="1" fill="hold">
-                                          <p:stCondLst>
-                                            <p:cond delay="0"/>
-                                          </p:stCondLst>
-                                        </p:cTn>
-                                        <p:tgtEl>
-                                          <p:spTgt spid="6">
-                                            <p:txEl>
-                                              <p:pRg st="0" end="0"/>
-                                            </p:txEl>
-                                          </p:spTgt>
-                                        </p:tgtEl>
-                                        <p:attrNameLst>
-                                          <p:attrName>style.visibility</p:attrName>
-                                        </p:attrNameLst>
-                                      </p:cBhvr>
-                                      <p:to>
-                                        <p:strVal val="visible"/>
-                                      </p:to>
-                                    </p:set>
-                                    <p:anim calcmode="lin" valueType="num">
-                                      <p:cBhvr additive="base">
-                                        <p:cTn id="17" dur="1500" fill="hold"/>
-                                        <p:tgtEl>
-                                          <p:spTgt spid="6">
-                                            <p:txEl>
-                                              <p:pRg st="0" end="0"/>
-                                            </p:txEl>
-                                          </p:spTgt>
-                                        </p:tgtEl>
-                                        <p:attrNameLst>
-                                          <p:attrName>ppt_x</p:attrName>
-                                        </p:attrNameLst>
-                                      </p:cBhvr>
-                                      <p:tavLst>
-                                        <p:tav tm="0">
-                                          <p:val>
-                                            <p:strVal val="#ppt_x"/>
-                                          </p:val>
-                                        </p:tav>
-                                        <p:tav tm="100000">
-                                          <p:val>
-                                            <p:strVal val="#ppt_x"/>
-                                          </p:val>
-                                        </p:tav>
-                                      </p:tavLst>
-                                    </p:anim>
-                                    <p:anim calcmode="lin" valueType="num">
-                                      <p:cBhvr additive="base">
-                                        <p:cTn id="18" dur="1500" fill="hold"/>
-                                        <p:tgtEl>
-                                          <p:spTgt spid="6">
-                                            <p:txEl>
-                                              <p:pRg st="0" end="0"/>
-                                            </p:txEl>
-                                          </p:spTgt>
-                                        </p:tgtEl>
-                                        <p:attrNameLst>
-                                          <p:attrName>ppt_y</p:attrName>
-                                        </p:attrNameLst>
-                                      </p:cBhvr>
-                                      <p:tavLst>
-                                        <p:tav tm="0">
-                                          <p:val>
-                                            <p:strVal val="1+#ppt_h/2"/>
-                                          </p:val>
-                                        </p:tav>
-                                        <p:tav tm="100000">
-                                          <p:val>
-                                            <p:strVal val="#ppt_y"/>
-                                          </p:val>
-                                        </p:tav>
-                                      </p:tavLst>
-                                    </p:anim>
-                                  </p:childTnLst>
-                                </p:cTn>
-                              </p:par>
-                            </p:childTnLst>
-                          </p:cTn>
-                        </p:par>
-                        <p:par>
-                          <p:cTn id="19" fill="hold">
-                            <p:stCondLst>
-                              <p:cond delay="8500"/>
-                            </p:stCondLst>
-                            <p:childTnLst>
-                              <p:par>
-                                <p:cTn id="20" presetID="2" presetClass="entr" presetSubtype="4" fill="hold" nodeType="afterEffect">
-                                  <p:stCondLst>
-                                    <p:cond delay="2000"/>
-                                  </p:stCondLst>
-                                  <p:childTnLst>
-                                    <p:set>
-                                      <p:cBhvr>
-                                        <p:cTn id="21" dur="1" fill="hold">
-                                          <p:stCondLst>
-                                            <p:cond delay="0"/>
-                                          </p:stCondLst>
-                                        </p:cTn>
-                                        <p:tgtEl>
-                                          <p:spTgt spid="6">
-                                            <p:txEl>
-                                              <p:pRg st="1" end="1"/>
-                                            </p:txEl>
-                                          </p:spTgt>
-                                        </p:tgtEl>
-                                        <p:attrNameLst>
-                                          <p:attrName>style.visibility</p:attrName>
-                                        </p:attrNameLst>
-                                      </p:cBhvr>
-                                      <p:to>
-                                        <p:strVal val="visible"/>
-                                      </p:to>
-                                    </p:set>
-                                    <p:anim calcmode="lin" valueType="num">
-                                      <p:cBhvr additive="base">
-                                        <p:cTn id="22" dur="1500" fill="hold"/>
-                                        <p:tgtEl>
-                                          <p:spTgt spid="6">
-                                            <p:txEl>
-                                              <p:pRg st="1" end="1"/>
-                                            </p:txEl>
-                                          </p:spTgt>
-                                        </p:tgtEl>
-                                        <p:attrNameLst>
-                                          <p:attrName>ppt_x</p:attrName>
-                                        </p:attrNameLst>
-                                      </p:cBhvr>
-                                      <p:tavLst>
-                                        <p:tav tm="0">
-                                          <p:val>
-                                            <p:strVal val="#ppt_x"/>
-                                          </p:val>
-                                        </p:tav>
-                                        <p:tav tm="100000">
-                                          <p:val>
-                                            <p:strVal val="#ppt_x"/>
-                                          </p:val>
-                                        </p:tav>
-                                      </p:tavLst>
-                                    </p:anim>
-                                    <p:anim calcmode="lin" valueType="num">
-                                      <p:cBhvr additive="base">
-                                        <p:cTn id="23" dur="1500" fill="hold"/>
-                                        <p:tgtEl>
-                                          <p:spTgt spid="6">
-                                            <p:txEl>
-                                              <p:pRg st="1" end="1"/>
-                                            </p:txEl>
-                                          </p:spTgt>
-                                        </p:tgtEl>
-                                        <p:attrNameLst>
-                                          <p:attrName>ppt_y</p:attrName>
-                                        </p:attrNameLst>
-                                      </p:cBhvr>
-                                      <p:tavLst>
-                                        <p:tav tm="0">
-                                          <p:val>
-                                            <p:strVal val="1+#ppt_h/2"/>
-                                          </p:val>
-                                        </p:tav>
-                                        <p:tav tm="100000">
-                                          <p:val>
-                                            <p:strVal val="#ppt_y"/>
-                                          </p:val>
-                                        </p:tav>
-                                      </p:tavLst>
-                                    </p:anim>
-                                  </p:childTnLst>
-                                </p:cTn>
-                              </p:par>
-                            </p:childTnLst>
-                          </p:cTn>
-                        </p:par>
-                        <p:par>
-                          <p:cTn id="24" fill="hold">
-                            <p:stCondLst>
-                              <p:cond delay="12000"/>
-                            </p:stCondLst>
-                            <p:childTnLst>
-                              <p:par>
-                                <p:cTn id="25" presetID="2" presetClass="entr" presetSubtype="4" fill="hold" nodeType="afterEffect">
-                                  <p:stCondLst>
-                                    <p:cond delay="4000"/>
-                                  </p:stCondLst>
-                                  <p:childTnLst>
-                                    <p:set>
-                                      <p:cBhvr>
-                                        <p:cTn id="26" dur="1" fill="hold">
-                                          <p:stCondLst>
-                                            <p:cond delay="0"/>
-                                          </p:stCondLst>
-                                        </p:cTn>
-                                        <p:tgtEl>
-                                          <p:spTgt spid="6">
-                                            <p:txEl>
-                                              <p:pRg st="2" end="2"/>
-                                            </p:txEl>
-                                          </p:spTgt>
-                                        </p:tgtEl>
-                                        <p:attrNameLst>
-                                          <p:attrName>style.visibility</p:attrName>
-                                        </p:attrNameLst>
-                                      </p:cBhvr>
-                                      <p:to>
-                                        <p:strVal val="visible"/>
-                                      </p:to>
-                                    </p:set>
-                                    <p:anim calcmode="lin" valueType="num">
-                                      <p:cBhvr additive="base">
-                                        <p:cTn id="27" dur="1500" fill="hold"/>
-                                        <p:tgtEl>
-                                          <p:spTgt spid="6">
-                                            <p:txEl>
-                                              <p:pRg st="2" end="2"/>
-                                            </p:txEl>
-                                          </p:spTgt>
-                                        </p:tgtEl>
-                                        <p:attrNameLst>
-                                          <p:attrName>ppt_x</p:attrName>
-                                        </p:attrNameLst>
-                                      </p:cBhvr>
-                                      <p:tavLst>
-                                        <p:tav tm="0">
-                                          <p:val>
-                                            <p:strVal val="#ppt_x"/>
-                                          </p:val>
-                                        </p:tav>
-                                        <p:tav tm="100000">
-                                          <p:val>
-                                            <p:strVal val="#ppt_x"/>
-                                          </p:val>
-                                        </p:tav>
-                                      </p:tavLst>
-                                    </p:anim>
-                                    <p:anim calcmode="lin" valueType="num">
-                                      <p:cBhvr additive="base">
-                                        <p:cTn id="28" dur="1500" fill="hold"/>
-                                        <p:tgtEl>
-                                          <p:spTgt spid="6">
-                                            <p:txEl>
-                                              <p:pRg st="2" end="2"/>
-                                            </p:txEl>
-                                          </p:spTgt>
-                                        </p:tgtEl>
-                                        <p:attrNameLst>
-                                          <p:attrName>ppt_y</p:attrName>
-                                        </p:attrNameLst>
-                                      </p:cBhvr>
-                                      <p:tavLst>
-                                        <p:tav tm="0">
-                                          <p:val>
-                                            <p:strVal val="1+#ppt_h/2"/>
-                                          </p:val>
-                                        </p:tav>
-                                        <p:tav tm="100000">
-                                          <p:val>
-                                            <p:strVal val="#ppt_y"/>
-                                          </p:val>
-                                        </p:tav>
-                                      </p:tavLst>
-                                    </p:anim>
-                                  </p:childTnLst>
-                                </p:cTn>
-                              </p:par>
-                            </p:childTnLst>
-                          </p:cTn>
-                        </p:par>
-                        <p:par>
-                          <p:cTn id="29" fill="hold">
-                            <p:stCondLst>
-                              <p:cond delay="17500"/>
-                            </p:stCondLst>
-                            <p:childTnLst>
-                              <p:par>
-                                <p:cTn id="30" presetID="2" presetClass="entr" presetSubtype="4" fill="hold" nodeType="afterEffect">
-                                  <p:stCondLst>
-                                    <p:cond delay="4000"/>
-                                  </p:stCondLst>
-                                  <p:childTnLst>
-                                    <p:set>
-                                      <p:cBhvr>
-                                        <p:cTn id="31" dur="1" fill="hold">
-                                          <p:stCondLst>
-                                            <p:cond delay="0"/>
-                                          </p:stCondLst>
-                                        </p:cTn>
-                                        <p:tgtEl>
-                                          <p:spTgt spid="6">
-                                            <p:txEl>
-                                              <p:pRg st="3" end="3"/>
-                                            </p:txEl>
-                                          </p:spTgt>
-                                        </p:tgtEl>
-                                        <p:attrNameLst>
-                                          <p:attrName>style.visibility</p:attrName>
-                                        </p:attrNameLst>
-                                      </p:cBhvr>
-                                      <p:to>
-                                        <p:strVal val="visible"/>
-                                      </p:to>
-                                    </p:set>
-                                    <p:anim calcmode="lin" valueType="num">
-                                      <p:cBhvr additive="base">
-                                        <p:cTn id="32" dur="1500" fill="hold"/>
-                                        <p:tgtEl>
-                                          <p:spTgt spid="6">
-                                            <p:txEl>
-                                              <p:pRg st="3" end="3"/>
-                                            </p:txEl>
-                                          </p:spTgt>
-                                        </p:tgtEl>
-                                        <p:attrNameLst>
-                                          <p:attrName>ppt_x</p:attrName>
-                                        </p:attrNameLst>
-                                      </p:cBhvr>
-                                      <p:tavLst>
-                                        <p:tav tm="0">
-                                          <p:val>
-                                            <p:strVal val="#ppt_x"/>
-                                          </p:val>
-                                        </p:tav>
-                                        <p:tav tm="100000">
-                                          <p:val>
-                                            <p:strVal val="#ppt_x"/>
-                                          </p:val>
-                                        </p:tav>
-                                      </p:tavLst>
-                                    </p:anim>
-                                    <p:anim calcmode="lin" valueType="num">
-                                      <p:cBhvr additive="base">
-                                        <p:cTn id="33" dur="1500" fill="hold"/>
-                                        <p:tgtEl>
-                                          <p:spTgt spid="6">
-                                            <p:txEl>
-                                              <p:pRg st="3" end="3"/>
-                                            </p:txEl>
-                                          </p:spTgt>
-                                        </p:tgtEl>
-                                        <p:attrNameLst>
-                                          <p:attrName>ppt_y</p:attrName>
-                                        </p:attrNameLst>
-                                      </p:cBhvr>
-                                      <p:tavLst>
-                                        <p:tav tm="0">
-                                          <p:val>
-                                            <p:strVal val="1+#ppt_h/2"/>
-                                          </p:val>
-                                        </p:tav>
-                                        <p:tav tm="100000">
-                                          <p:val>
-                                            <p:strVal val="#ppt_y"/>
-                                          </p:val>
-                                        </p:tav>
-                                      </p:tavLst>
-                                    </p:anim>
-                                  </p:childTnLst>
-                                </p:cTn>
-                              </p:par>
-                            </p:childTnLst>
-                          </p:cTn>
-                        </p:par>
-                      </p:childTnLst>
-                    </p:cTn>
-                  </p:par>
-                </p:childTnLst>
-              </p:cTn>
-              <p:prevCondLst>
-                <p:cond evt="onPrev" delay="0">
-                  <p:tgtEl>
-                    <p:sldTgt/>
-                  </p:tgtEl>
-                </p:cond>
-              </p:prevCondLst>
-              <p:nextCondLst>
-                <p:cond evt="onNext" delay="0">
-                  <p:tgtEl>
-                    <p:sldTgt/>
-                  </p:tgtEl>
-                </p:cond>
-              </p:nextCondLst>
-            </p:seq>
-          </p:childTnLst>
-        </p:cTn>
-      </p:par>
-    </p:tnLst>
-    <p:bldLst>
-      <p:bldP spid="2" grpId="0"/>
-    </p:bldLst>
-  </p:timing>
-</p:sld>
-</file>
-
-<file path=ppt/slides/slide5.xml><?xml version="1.0" encoding="utf-8"?>
+<file path=ppt/slides/slide10.xml><?xml version="1.0" encoding="utf-8"?>
 <p:sld xmlns:a="http://schemas.openxmlformats.org/drawingml/2006/main" xmlns:r="http://schemas.openxmlformats.org/officeDocument/2006/relationships" xmlns:p="http://schemas.openxmlformats.org/presentationml/2006/main">
   <p:cSld>
     <p:spTree>
@@ -16792,14 +14795,14 @@
   <p:clrMapOvr>
     <a:masterClrMapping/>
   </p:clrMapOvr>
-  <mc:AlternateContent xmlns:mc="http://schemas.openxmlformats.org/markup-compatibility/2006" xmlns:p14="http://schemas.microsoft.com/office/powerpoint/2010/main">
-    <mc:Choice Requires="p14">
-      <p:transition spd="slow" p14:dur="4400" advTm="3000">
+  <mc:AlternateContent xmlns:mc="http://schemas.openxmlformats.org/markup-compatibility/2006">
+    <mc:Choice xmlns:p14="http://schemas.microsoft.com/office/powerpoint/2010/main" Requires="p14">
+      <p:transition spd="slow" p14:dur="4400" advClick="0" advTm="3000">
         <p14:honeycomb/>
       </p:transition>
     </mc:Choice>
-    <mc:Fallback xmlns="">
-      <p:transition spd="slow" advTm="3000">
+    <mc:Fallback>
+      <p:transition spd="slow" advClick="0" advTm="3000">
         <p:fade/>
       </p:transition>
     </mc:Fallback>
@@ -17392,7 +15395,923 @@
 </p:sld>
 </file>
 
-<file path=ppt/slides/slide6.xml><?xml version="1.0" encoding="utf-8"?>
+<file path=ppt/slides/slide11.xml><?xml version="1.0" encoding="utf-8"?>
+<p:sld xmlns:a="http://schemas.openxmlformats.org/drawingml/2006/main" xmlns:r="http://schemas.openxmlformats.org/officeDocument/2006/relationships" xmlns:p="http://schemas.openxmlformats.org/presentationml/2006/main">
+  <p:cSld>
+    <p:spTree>
+      <p:nvGrpSpPr>
+        <p:cNvPr id="1" name=""/>
+        <p:cNvGrpSpPr/>
+        <p:nvPr/>
+      </p:nvGrpSpPr>
+      <p:grpSpPr>
+        <a:xfrm>
+          <a:off x="0" y="0"/>
+          <a:ext cx="0" cy="0"/>
+          <a:chOff x="0" y="0"/>
+          <a:chExt cx="0" cy="0"/>
+        </a:xfrm>
+      </p:grpSpPr>
+      <p:sp>
+        <p:nvSpPr>
+          <p:cNvPr id="2" name="Cím 1">
+            <a:extLst>
+              <a:ext uri="{FF2B5EF4-FFF2-40B4-BE49-F238E27FC236}">
+                <a16:creationId xmlns:a16="http://schemas.microsoft.com/office/drawing/2014/main" id="{91551393-DA40-4515-A498-9A7EECEA3A50}"/>
+              </a:ext>
+            </a:extLst>
+          </p:cNvPr>
+          <p:cNvSpPr>
+            <a:spLocks noGrp="1"/>
+          </p:cNvSpPr>
+          <p:nvPr>
+            <p:ph type="ctrTitle"/>
+          </p:nvPr>
+        </p:nvSpPr>
+        <p:spPr>
+          <a:xfrm>
+            <a:off x="2224908" y="2955078"/>
+            <a:ext cx="7742183" cy="947843"/>
+          </a:xfrm>
+        </p:spPr>
+        <p:txBody>
+          <a:bodyPr/>
+          <a:lstStyle/>
+          <a:p>
+            <a:r>
+              <a:rPr lang="hu-HU" dirty="0"/>
+              <a:t>Köszönöm a figyelmet!</a:t>
+            </a:r>
+          </a:p>
+        </p:txBody>
+      </p:sp>
+    </p:spTree>
+    <p:extLst>
+      <p:ext uri="{BB962C8B-B14F-4D97-AF65-F5344CB8AC3E}">
+        <p14:creationId xmlns:p14="http://schemas.microsoft.com/office/powerpoint/2010/main" val="2083122850"/>
+      </p:ext>
+    </p:extLst>
+  </p:cSld>
+  <p:clrMapOvr>
+    <a:masterClrMapping/>
+  </p:clrMapOvr>
+  <mc:AlternateContent xmlns:mc="http://schemas.openxmlformats.org/markup-compatibility/2006" xmlns:p14="http://schemas.microsoft.com/office/powerpoint/2010/main">
+    <mc:Choice Requires="p14">
+      <p:transition spd="slow" p14:dur="2000" advClick="0" advTm="3000">
+        <p:push dir="u"/>
+      </p:transition>
+    </mc:Choice>
+    <mc:Fallback xmlns="">
+      <p:transition spd="slow" advClick="0" advTm="3000">
+        <p:push dir="u"/>
+      </p:transition>
+    </mc:Fallback>
+  </mc:AlternateContent>
+</p:sld>
+</file>
+
+<file path=ppt/slides/slide2.xml><?xml version="1.0" encoding="utf-8"?>
+<p:sld xmlns:a="http://schemas.openxmlformats.org/drawingml/2006/main" xmlns:r="http://schemas.openxmlformats.org/officeDocument/2006/relationships" xmlns:p="http://schemas.openxmlformats.org/presentationml/2006/main">
+  <p:cSld>
+    <p:spTree>
+      <p:nvGrpSpPr>
+        <p:cNvPr id="1" name=""/>
+        <p:cNvGrpSpPr/>
+        <p:nvPr/>
+      </p:nvGrpSpPr>
+      <p:grpSpPr>
+        <a:xfrm>
+          <a:off x="0" y="0"/>
+          <a:ext cx="0" cy="0"/>
+          <a:chOff x="0" y="0"/>
+          <a:chExt cx="0" cy="0"/>
+        </a:xfrm>
+      </p:grpSpPr>
+      <p:sp>
+        <p:nvSpPr>
+          <p:cNvPr id="2" name="Cím 1">
+            <a:extLst>
+              <a:ext uri="{FF2B5EF4-FFF2-40B4-BE49-F238E27FC236}">
+                <a16:creationId xmlns:a16="http://schemas.microsoft.com/office/drawing/2014/main" id="{F68805B5-85B7-43DA-957B-D8E6C3780BCA}"/>
+              </a:ext>
+            </a:extLst>
+          </p:cNvPr>
+          <p:cNvSpPr>
+            <a:spLocks noGrp="1"/>
+          </p:cNvSpPr>
+          <p:nvPr>
+            <p:ph type="title"/>
+          </p:nvPr>
+        </p:nvSpPr>
+        <p:spPr>
+          <a:xfrm>
+            <a:off x="4123038" y="983779"/>
+            <a:ext cx="3022599" cy="728480"/>
+          </a:xfrm>
+        </p:spPr>
+        <p:txBody>
+          <a:bodyPr/>
+          <a:lstStyle/>
+          <a:p>
+            <a:r>
+              <a:rPr lang="hu-HU" dirty="0"/>
+              <a:t>A cégünkről </a:t>
+            </a:r>
+          </a:p>
+        </p:txBody>
+      </p:sp>
+      <p:sp>
+        <p:nvSpPr>
+          <p:cNvPr id="9" name="Rectangle 1">
+            <a:extLst>
+              <a:ext uri="{FF2B5EF4-FFF2-40B4-BE49-F238E27FC236}">
+                <a16:creationId xmlns:a16="http://schemas.microsoft.com/office/drawing/2014/main" id="{41D4CEE5-EA05-4B60-B76E-F7C529B6EE57}"/>
+              </a:ext>
+            </a:extLst>
+          </p:cNvPr>
+          <p:cNvSpPr>
+            <a:spLocks noChangeArrowheads="1"/>
+          </p:cNvSpPr>
+          <p:nvPr/>
+        </p:nvSpPr>
+        <p:spPr bwMode="auto">
+          <a:xfrm>
+            <a:off x="2922954" y="3442786"/>
+            <a:ext cx="5681783" cy="2185214"/>
+          </a:xfrm>
+          <a:prstGeom prst="rect">
+            <a:avLst/>
+          </a:prstGeom>
+          <a:noFill/>
+          <a:ln>
+            <a:noFill/>
+          </a:ln>
+          <a:effectLst/>
+          <a:extLst>
+            <a:ext uri="{909E8E84-426E-40DD-AFC4-6F175D3DCCD1}">
+              <a14:hiddenFill xmlns:a14="http://schemas.microsoft.com/office/drawing/2010/main">
+                <a:solidFill>
+                  <a:schemeClr val="accent1"/>
+                </a:solidFill>
+              </a14:hiddenFill>
+            </a:ext>
+            <a:ext uri="{91240B29-F687-4F45-9708-019B960494DF}">
+              <a14:hiddenLine xmlns:a14="http://schemas.microsoft.com/office/drawing/2010/main" w="9525">
+                <a:solidFill>
+                  <a:schemeClr val="tx1"/>
+                </a:solidFill>
+                <a:miter lim="800000"/>
+                <a:headEnd/>
+                <a:tailEnd/>
+              </a14:hiddenLine>
+            </a:ext>
+            <a:ext uri="{AF507438-7753-43E0-B8FC-AC1667EBCBE1}">
+              <a14:hiddenEffects xmlns:a14="http://schemas.microsoft.com/office/drawing/2010/main">
+                <a:effectLst>
+                  <a:outerShdw dist="35921" dir="2700000" algn="ctr" rotWithShape="0">
+                    <a:schemeClr val="bg2"/>
+                  </a:outerShdw>
+                </a:effectLst>
+              </a14:hiddenEffects>
+            </a:ext>
+          </a:extLst>
+        </p:spPr>
+        <p:txBody>
+          <a:bodyPr vert="horz" wrap="square" lIns="91440" tIns="45720" rIns="91440" bIns="45720" numCol="1" anchor="ctr" anchorCtr="0" compatLnSpc="1">
+            <a:prstTxWarp prst="textNoShape">
+              <a:avLst/>
+            </a:prstTxWarp>
+            <a:spAutoFit/>
+          </a:bodyPr>
+          <a:lstStyle/>
+          <a:p>
+            <a:pPr marL="285750" lvl="0" indent="-285750" defTabSz="914400" eaLnBrk="0" fontAlgn="base" hangingPunct="0">
+              <a:spcBef>
+                <a:spcPts val="600"/>
+              </a:spcBef>
+              <a:spcAft>
+                <a:spcPts val="600"/>
+              </a:spcAft>
+              <a:buFont typeface="Wingdings" panose="05000000000000000000" pitchFamily="2" charset="2"/>
+              <a:buChar char="ü"/>
+            </a:pPr>
+            <a:r>
+              <a:rPr lang="hu-HU" altLang="hu-HU" sz="1600" dirty="0">
+                <a:latin typeface="Arial" panose="020B0604020202020204" pitchFamily="34" charset="0"/>
+                <a:cs typeface="Arial" panose="020B0604020202020204" pitchFamily="34" charset="0"/>
+              </a:rPr>
+              <a:t>Mi a FEDESZ-nél azon dolgozunk, hogy önnek kényelmesebb legyen a munkavégzés.</a:t>
+            </a:r>
+          </a:p>
+          <a:p>
+            <a:pPr marL="285750" indent="-285750" defTabSz="914400" eaLnBrk="0" fontAlgn="base" hangingPunct="0">
+              <a:spcBef>
+                <a:spcPts val="600"/>
+              </a:spcBef>
+              <a:spcAft>
+                <a:spcPts val="600"/>
+              </a:spcAft>
+              <a:buFont typeface="Wingdings" panose="05000000000000000000" pitchFamily="2" charset="2"/>
+              <a:buChar char="ü"/>
+            </a:pPr>
+            <a:r>
+              <a:rPr lang="hu-HU" altLang="hu-HU" sz="1600" dirty="0">
+                <a:latin typeface="Arial" panose="020B0604020202020204" pitchFamily="34" charset="0"/>
+                <a:cs typeface="Arial" panose="020B0604020202020204" pitchFamily="34" charset="0"/>
+              </a:rPr>
+              <a:t>Ha probléma van informatikával mi segítünk. </a:t>
+            </a:r>
+          </a:p>
+          <a:p>
+            <a:pPr marL="285750" lvl="0" indent="-285750" defTabSz="914400" eaLnBrk="0" fontAlgn="base" hangingPunct="0">
+              <a:spcBef>
+                <a:spcPts val="600"/>
+              </a:spcBef>
+              <a:spcAft>
+                <a:spcPts val="600"/>
+              </a:spcAft>
+              <a:buFont typeface="Wingdings" panose="05000000000000000000" pitchFamily="2" charset="2"/>
+              <a:buChar char="ü"/>
+            </a:pPr>
+            <a:r>
+              <a:rPr lang="hu-HU" altLang="hu-HU" sz="1600" dirty="0">
+                <a:latin typeface="Arial" panose="020B0604020202020204" pitchFamily="34" charset="0"/>
+                <a:cs typeface="Arial" panose="020B0604020202020204" pitchFamily="34" charset="0"/>
+              </a:rPr>
+              <a:t>Ha IT mi foglalkozunk vele.</a:t>
+            </a:r>
+          </a:p>
+          <a:p>
+            <a:pPr marL="285750" lvl="0" indent="-285750" defTabSz="914400" eaLnBrk="0" fontAlgn="base" hangingPunct="0">
+              <a:spcBef>
+                <a:spcPts val="600"/>
+              </a:spcBef>
+              <a:spcAft>
+                <a:spcPts val="600"/>
+              </a:spcAft>
+              <a:buFont typeface="Wingdings" panose="05000000000000000000" pitchFamily="2" charset="2"/>
+              <a:buChar char="ü"/>
+            </a:pPr>
+            <a:r>
+              <a:rPr lang="hu-HU" altLang="hu-HU" sz="1600" dirty="0">
+                <a:latin typeface="Arial" panose="020B0604020202020204" pitchFamily="34" charset="0"/>
+                <a:cs typeface="Arial" panose="020B0604020202020204" pitchFamily="34" charset="0"/>
+              </a:rPr>
+              <a:t>Hálózatoktól végeszközökig.</a:t>
+            </a:r>
+          </a:p>
+          <a:p>
+            <a:pPr marL="285750" lvl="0" indent="-285750" defTabSz="914400" eaLnBrk="0" fontAlgn="base" hangingPunct="0">
+              <a:spcBef>
+                <a:spcPts val="600"/>
+              </a:spcBef>
+              <a:spcAft>
+                <a:spcPts val="600"/>
+              </a:spcAft>
+              <a:buFont typeface="Wingdings" panose="05000000000000000000" pitchFamily="2" charset="2"/>
+              <a:buChar char="ü"/>
+            </a:pPr>
+            <a:r>
+              <a:rPr lang="hu-HU" altLang="hu-HU" sz="1600" dirty="0">
+                <a:latin typeface="Arial" panose="020B0604020202020204" pitchFamily="34" charset="0"/>
+                <a:cs typeface="Arial" panose="020B0604020202020204" pitchFamily="34" charset="0"/>
+              </a:rPr>
+              <a:t>A legjobb árakkal a piacon. </a:t>
+            </a:r>
+          </a:p>
+        </p:txBody>
+      </p:sp>
+    </p:spTree>
+    <p:extLst>
+      <p:ext uri="{BB962C8B-B14F-4D97-AF65-F5344CB8AC3E}">
+        <p14:creationId xmlns:p14="http://schemas.microsoft.com/office/powerpoint/2010/main" val="879635561"/>
+      </p:ext>
+    </p:extLst>
+  </p:cSld>
+  <p:clrMapOvr>
+    <a:masterClrMapping/>
+  </p:clrMapOvr>
+  <mc:AlternateContent xmlns:mc="http://schemas.openxmlformats.org/markup-compatibility/2006">
+    <mc:Choice xmlns:p14="http://schemas.microsoft.com/office/powerpoint/2010/main" Requires="p14">
+      <p:transition spd="slow" p14:dur="1750" advClick="0" advTm="3000">
+        <p:cover/>
+      </p:transition>
+    </mc:Choice>
+    <mc:Fallback>
+      <p:transition spd="slow" advClick="0" advTm="3000">
+        <p:cover/>
+      </p:transition>
+    </mc:Fallback>
+  </mc:AlternateContent>
+  <p:timing>
+    <p:tnLst>
+      <p:par>
+        <p:cTn id="1" dur="indefinite" restart="never" nodeType="tmRoot">
+          <p:childTnLst>
+            <p:seq concurrent="1" nextAc="seek">
+              <p:cTn id="2" dur="indefinite" nodeType="mainSeq">
+                <p:childTnLst>
+                  <p:par>
+                    <p:cTn id="3" fill="hold">
+                      <p:stCondLst>
+                        <p:cond delay="indefinite"/>
+                        <p:cond evt="onBegin" delay="0">
+                          <p:tn val="2"/>
+                        </p:cond>
+                      </p:stCondLst>
+                      <p:childTnLst>
+                        <p:par>
+                          <p:cTn id="4" fill="hold">
+                            <p:stCondLst>
+                              <p:cond delay="0"/>
+                            </p:stCondLst>
+                            <p:childTnLst>
+                              <p:par>
+                                <p:cTn id="5" presetID="42" presetClass="entr" presetSubtype="0" fill="hold" grpId="0" nodeType="afterEffect">
+                                  <p:stCondLst>
+                                    <p:cond delay="500"/>
+                                  </p:stCondLst>
+                                  <p:childTnLst>
+                                    <p:set>
+                                      <p:cBhvr>
+                                        <p:cTn id="6" dur="1" fill="hold">
+                                          <p:stCondLst>
+                                            <p:cond delay="0"/>
+                                          </p:stCondLst>
+                                        </p:cTn>
+                                        <p:tgtEl>
+                                          <p:spTgt spid="2"/>
+                                        </p:tgtEl>
+                                        <p:attrNameLst>
+                                          <p:attrName>style.visibility</p:attrName>
+                                        </p:attrNameLst>
+                                      </p:cBhvr>
+                                      <p:to>
+                                        <p:strVal val="visible"/>
+                                      </p:to>
+                                    </p:set>
+                                    <p:animEffect transition="in" filter="fade">
+                                      <p:cBhvr>
+                                        <p:cTn id="7" dur="2000"/>
+                                        <p:tgtEl>
+                                          <p:spTgt spid="2"/>
+                                        </p:tgtEl>
+                                      </p:cBhvr>
+                                    </p:animEffect>
+                                    <p:anim calcmode="lin" valueType="num">
+                                      <p:cBhvr>
+                                        <p:cTn id="8" dur="2000" fill="hold"/>
+                                        <p:tgtEl>
+                                          <p:spTgt spid="2"/>
+                                        </p:tgtEl>
+                                        <p:attrNameLst>
+                                          <p:attrName>ppt_x</p:attrName>
+                                        </p:attrNameLst>
+                                      </p:cBhvr>
+                                      <p:tavLst>
+                                        <p:tav tm="0">
+                                          <p:val>
+                                            <p:strVal val="#ppt_x"/>
+                                          </p:val>
+                                        </p:tav>
+                                        <p:tav tm="100000">
+                                          <p:val>
+                                            <p:strVal val="#ppt_x"/>
+                                          </p:val>
+                                        </p:tav>
+                                      </p:tavLst>
+                                    </p:anim>
+                                    <p:anim calcmode="lin" valueType="num">
+                                      <p:cBhvr>
+                                        <p:cTn id="9" dur="2000" fill="hold"/>
+                                        <p:tgtEl>
+                                          <p:spTgt spid="2"/>
+                                        </p:tgtEl>
+                                        <p:attrNameLst>
+                                          <p:attrName>ppt_y</p:attrName>
+                                        </p:attrNameLst>
+                                      </p:cBhvr>
+                                      <p:tavLst>
+                                        <p:tav tm="0">
+                                          <p:val>
+                                            <p:strVal val="#ppt_y+.1"/>
+                                          </p:val>
+                                        </p:tav>
+                                        <p:tav tm="100000">
+                                          <p:val>
+                                            <p:strVal val="#ppt_y"/>
+                                          </p:val>
+                                        </p:tav>
+                                      </p:tavLst>
+                                    </p:anim>
+                                  </p:childTnLst>
+                                </p:cTn>
+                              </p:par>
+                            </p:childTnLst>
+                          </p:cTn>
+                        </p:par>
+                        <p:par>
+                          <p:cTn id="10" fill="hold">
+                            <p:stCondLst>
+                              <p:cond delay="2500"/>
+                            </p:stCondLst>
+                            <p:childTnLst>
+                              <p:par>
+                                <p:cTn id="11" presetID="2" presetClass="entr" presetSubtype="4" fill="hold" nodeType="afterEffect">
+                                  <p:stCondLst>
+                                    <p:cond delay="2000"/>
+                                  </p:stCondLst>
+                                  <p:childTnLst>
+                                    <p:set>
+                                      <p:cBhvr>
+                                        <p:cTn id="12" dur="1" fill="hold">
+                                          <p:stCondLst>
+                                            <p:cond delay="0"/>
+                                          </p:stCondLst>
+                                        </p:cTn>
+                                        <p:tgtEl>
+                                          <p:spTgt spid="9">
+                                            <p:txEl>
+                                              <p:pRg st="0" end="0"/>
+                                            </p:txEl>
+                                          </p:spTgt>
+                                        </p:tgtEl>
+                                        <p:attrNameLst>
+                                          <p:attrName>style.visibility</p:attrName>
+                                        </p:attrNameLst>
+                                      </p:cBhvr>
+                                      <p:to>
+                                        <p:strVal val="visible"/>
+                                      </p:to>
+                                    </p:set>
+                                    <p:anim calcmode="lin" valueType="num">
+                                      <p:cBhvr additive="base">
+                                        <p:cTn id="13" dur="1500" fill="hold"/>
+                                        <p:tgtEl>
+                                          <p:spTgt spid="9">
+                                            <p:txEl>
+                                              <p:pRg st="0" end="0"/>
+                                            </p:txEl>
+                                          </p:spTgt>
+                                        </p:tgtEl>
+                                        <p:attrNameLst>
+                                          <p:attrName>ppt_x</p:attrName>
+                                        </p:attrNameLst>
+                                      </p:cBhvr>
+                                      <p:tavLst>
+                                        <p:tav tm="0">
+                                          <p:val>
+                                            <p:strVal val="#ppt_x"/>
+                                          </p:val>
+                                        </p:tav>
+                                        <p:tav tm="100000">
+                                          <p:val>
+                                            <p:strVal val="#ppt_x"/>
+                                          </p:val>
+                                        </p:tav>
+                                      </p:tavLst>
+                                    </p:anim>
+                                    <p:anim calcmode="lin" valueType="num">
+                                      <p:cBhvr additive="base">
+                                        <p:cTn id="14" dur="1500" fill="hold"/>
+                                        <p:tgtEl>
+                                          <p:spTgt spid="9">
+                                            <p:txEl>
+                                              <p:pRg st="0" end="0"/>
+                                            </p:txEl>
+                                          </p:spTgt>
+                                        </p:tgtEl>
+                                        <p:attrNameLst>
+                                          <p:attrName>ppt_y</p:attrName>
+                                        </p:attrNameLst>
+                                      </p:cBhvr>
+                                      <p:tavLst>
+                                        <p:tav tm="0">
+                                          <p:val>
+                                            <p:strVal val="1+#ppt_h/2"/>
+                                          </p:val>
+                                        </p:tav>
+                                        <p:tav tm="100000">
+                                          <p:val>
+                                            <p:strVal val="#ppt_y"/>
+                                          </p:val>
+                                        </p:tav>
+                                      </p:tavLst>
+                                    </p:anim>
+                                  </p:childTnLst>
+                                </p:cTn>
+                              </p:par>
+                            </p:childTnLst>
+                          </p:cTn>
+                        </p:par>
+                        <p:par>
+                          <p:cTn id="15" fill="hold">
+                            <p:stCondLst>
+                              <p:cond delay="6000"/>
+                            </p:stCondLst>
+                            <p:childTnLst>
+                              <p:par>
+                                <p:cTn id="16" presetID="2" presetClass="entr" presetSubtype="4" fill="hold" nodeType="afterEffect">
+                                  <p:stCondLst>
+                                    <p:cond delay="4000"/>
+                                  </p:stCondLst>
+                                  <p:childTnLst>
+                                    <p:set>
+                                      <p:cBhvr>
+                                        <p:cTn id="17" dur="1" fill="hold">
+                                          <p:stCondLst>
+                                            <p:cond delay="0"/>
+                                          </p:stCondLst>
+                                        </p:cTn>
+                                        <p:tgtEl>
+                                          <p:spTgt spid="9">
+                                            <p:txEl>
+                                              <p:pRg st="1" end="1"/>
+                                            </p:txEl>
+                                          </p:spTgt>
+                                        </p:tgtEl>
+                                        <p:attrNameLst>
+                                          <p:attrName>style.visibility</p:attrName>
+                                        </p:attrNameLst>
+                                      </p:cBhvr>
+                                      <p:to>
+                                        <p:strVal val="visible"/>
+                                      </p:to>
+                                    </p:set>
+                                    <p:anim calcmode="lin" valueType="num">
+                                      <p:cBhvr additive="base">
+                                        <p:cTn id="18" dur="2000" fill="hold"/>
+                                        <p:tgtEl>
+                                          <p:spTgt spid="9">
+                                            <p:txEl>
+                                              <p:pRg st="1" end="1"/>
+                                            </p:txEl>
+                                          </p:spTgt>
+                                        </p:tgtEl>
+                                        <p:attrNameLst>
+                                          <p:attrName>ppt_x</p:attrName>
+                                        </p:attrNameLst>
+                                      </p:cBhvr>
+                                      <p:tavLst>
+                                        <p:tav tm="0">
+                                          <p:val>
+                                            <p:strVal val="#ppt_x"/>
+                                          </p:val>
+                                        </p:tav>
+                                        <p:tav tm="100000">
+                                          <p:val>
+                                            <p:strVal val="#ppt_x"/>
+                                          </p:val>
+                                        </p:tav>
+                                      </p:tavLst>
+                                    </p:anim>
+                                    <p:anim calcmode="lin" valueType="num">
+                                      <p:cBhvr additive="base">
+                                        <p:cTn id="19" dur="2000" fill="hold"/>
+                                        <p:tgtEl>
+                                          <p:spTgt spid="9">
+                                            <p:txEl>
+                                              <p:pRg st="1" end="1"/>
+                                            </p:txEl>
+                                          </p:spTgt>
+                                        </p:tgtEl>
+                                        <p:attrNameLst>
+                                          <p:attrName>ppt_y</p:attrName>
+                                        </p:attrNameLst>
+                                      </p:cBhvr>
+                                      <p:tavLst>
+                                        <p:tav tm="0">
+                                          <p:val>
+                                            <p:strVal val="1+#ppt_h/2"/>
+                                          </p:val>
+                                        </p:tav>
+                                        <p:tav tm="100000">
+                                          <p:val>
+                                            <p:strVal val="#ppt_y"/>
+                                          </p:val>
+                                        </p:tav>
+                                      </p:tavLst>
+                                    </p:anim>
+                                  </p:childTnLst>
+                                </p:cTn>
+                              </p:par>
+                            </p:childTnLst>
+                          </p:cTn>
+                        </p:par>
+                        <p:par>
+                          <p:cTn id="20" fill="hold">
+                            <p:stCondLst>
+                              <p:cond delay="12000"/>
+                            </p:stCondLst>
+                            <p:childTnLst>
+                              <p:par>
+                                <p:cTn id="21" presetID="2" presetClass="entr" presetSubtype="4" fill="hold" nodeType="afterEffect">
+                                  <p:stCondLst>
+                                    <p:cond delay="4000"/>
+                                  </p:stCondLst>
+                                  <p:childTnLst>
+                                    <p:set>
+                                      <p:cBhvr>
+                                        <p:cTn id="22" dur="1" fill="hold">
+                                          <p:stCondLst>
+                                            <p:cond delay="0"/>
+                                          </p:stCondLst>
+                                        </p:cTn>
+                                        <p:tgtEl>
+                                          <p:spTgt spid="9">
+                                            <p:txEl>
+                                              <p:pRg st="2" end="2"/>
+                                            </p:txEl>
+                                          </p:spTgt>
+                                        </p:tgtEl>
+                                        <p:attrNameLst>
+                                          <p:attrName>style.visibility</p:attrName>
+                                        </p:attrNameLst>
+                                      </p:cBhvr>
+                                      <p:to>
+                                        <p:strVal val="visible"/>
+                                      </p:to>
+                                    </p:set>
+                                    <p:anim calcmode="lin" valueType="num">
+                                      <p:cBhvr additive="base">
+                                        <p:cTn id="23" dur="2000" fill="hold"/>
+                                        <p:tgtEl>
+                                          <p:spTgt spid="9">
+                                            <p:txEl>
+                                              <p:pRg st="2" end="2"/>
+                                            </p:txEl>
+                                          </p:spTgt>
+                                        </p:tgtEl>
+                                        <p:attrNameLst>
+                                          <p:attrName>ppt_x</p:attrName>
+                                        </p:attrNameLst>
+                                      </p:cBhvr>
+                                      <p:tavLst>
+                                        <p:tav tm="0">
+                                          <p:val>
+                                            <p:strVal val="#ppt_x"/>
+                                          </p:val>
+                                        </p:tav>
+                                        <p:tav tm="100000">
+                                          <p:val>
+                                            <p:strVal val="#ppt_x"/>
+                                          </p:val>
+                                        </p:tav>
+                                      </p:tavLst>
+                                    </p:anim>
+                                    <p:anim calcmode="lin" valueType="num">
+                                      <p:cBhvr additive="base">
+                                        <p:cTn id="24" dur="2000" fill="hold"/>
+                                        <p:tgtEl>
+                                          <p:spTgt spid="9">
+                                            <p:txEl>
+                                              <p:pRg st="2" end="2"/>
+                                            </p:txEl>
+                                          </p:spTgt>
+                                        </p:tgtEl>
+                                        <p:attrNameLst>
+                                          <p:attrName>ppt_y</p:attrName>
+                                        </p:attrNameLst>
+                                      </p:cBhvr>
+                                      <p:tavLst>
+                                        <p:tav tm="0">
+                                          <p:val>
+                                            <p:strVal val="1+#ppt_h/2"/>
+                                          </p:val>
+                                        </p:tav>
+                                        <p:tav tm="100000">
+                                          <p:val>
+                                            <p:strVal val="#ppt_y"/>
+                                          </p:val>
+                                        </p:tav>
+                                      </p:tavLst>
+                                    </p:anim>
+                                  </p:childTnLst>
+                                </p:cTn>
+                              </p:par>
+                            </p:childTnLst>
+                          </p:cTn>
+                        </p:par>
+                        <p:par>
+                          <p:cTn id="25" fill="hold">
+                            <p:stCondLst>
+                              <p:cond delay="18000"/>
+                            </p:stCondLst>
+                            <p:childTnLst>
+                              <p:par>
+                                <p:cTn id="26" presetID="2" presetClass="entr" presetSubtype="4" fill="hold" nodeType="afterEffect">
+                                  <p:stCondLst>
+                                    <p:cond delay="4000"/>
+                                  </p:stCondLst>
+                                  <p:childTnLst>
+                                    <p:set>
+                                      <p:cBhvr>
+                                        <p:cTn id="27" dur="1" fill="hold">
+                                          <p:stCondLst>
+                                            <p:cond delay="0"/>
+                                          </p:stCondLst>
+                                        </p:cTn>
+                                        <p:tgtEl>
+                                          <p:spTgt spid="9">
+                                            <p:txEl>
+                                              <p:pRg st="3" end="3"/>
+                                            </p:txEl>
+                                          </p:spTgt>
+                                        </p:tgtEl>
+                                        <p:attrNameLst>
+                                          <p:attrName>style.visibility</p:attrName>
+                                        </p:attrNameLst>
+                                      </p:cBhvr>
+                                      <p:to>
+                                        <p:strVal val="visible"/>
+                                      </p:to>
+                                    </p:set>
+                                    <p:anim calcmode="lin" valueType="num">
+                                      <p:cBhvr additive="base">
+                                        <p:cTn id="28" dur="2000" fill="hold"/>
+                                        <p:tgtEl>
+                                          <p:spTgt spid="9">
+                                            <p:txEl>
+                                              <p:pRg st="3" end="3"/>
+                                            </p:txEl>
+                                          </p:spTgt>
+                                        </p:tgtEl>
+                                        <p:attrNameLst>
+                                          <p:attrName>ppt_x</p:attrName>
+                                        </p:attrNameLst>
+                                      </p:cBhvr>
+                                      <p:tavLst>
+                                        <p:tav tm="0">
+                                          <p:val>
+                                            <p:strVal val="#ppt_x"/>
+                                          </p:val>
+                                        </p:tav>
+                                        <p:tav tm="100000">
+                                          <p:val>
+                                            <p:strVal val="#ppt_x"/>
+                                          </p:val>
+                                        </p:tav>
+                                      </p:tavLst>
+                                    </p:anim>
+                                    <p:anim calcmode="lin" valueType="num">
+                                      <p:cBhvr additive="base">
+                                        <p:cTn id="29" dur="2000" fill="hold"/>
+                                        <p:tgtEl>
+                                          <p:spTgt spid="9">
+                                            <p:txEl>
+                                              <p:pRg st="3" end="3"/>
+                                            </p:txEl>
+                                          </p:spTgt>
+                                        </p:tgtEl>
+                                        <p:attrNameLst>
+                                          <p:attrName>ppt_y</p:attrName>
+                                        </p:attrNameLst>
+                                      </p:cBhvr>
+                                      <p:tavLst>
+                                        <p:tav tm="0">
+                                          <p:val>
+                                            <p:strVal val="1+#ppt_h/2"/>
+                                          </p:val>
+                                        </p:tav>
+                                        <p:tav tm="100000">
+                                          <p:val>
+                                            <p:strVal val="#ppt_y"/>
+                                          </p:val>
+                                        </p:tav>
+                                      </p:tavLst>
+                                    </p:anim>
+                                  </p:childTnLst>
+                                </p:cTn>
+                              </p:par>
+                            </p:childTnLst>
+                          </p:cTn>
+                        </p:par>
+                        <p:par>
+                          <p:cTn id="30" fill="hold">
+                            <p:stCondLst>
+                              <p:cond delay="24000"/>
+                            </p:stCondLst>
+                            <p:childTnLst>
+                              <p:par>
+                                <p:cTn id="31" presetID="2" presetClass="entr" presetSubtype="4" fill="hold" nodeType="afterEffect">
+                                  <p:stCondLst>
+                                    <p:cond delay="3500"/>
+                                  </p:stCondLst>
+                                  <p:childTnLst>
+                                    <p:set>
+                                      <p:cBhvr>
+                                        <p:cTn id="32" dur="1" fill="hold">
+                                          <p:stCondLst>
+                                            <p:cond delay="0"/>
+                                          </p:stCondLst>
+                                        </p:cTn>
+                                        <p:tgtEl>
+                                          <p:spTgt spid="9">
+                                            <p:txEl>
+                                              <p:pRg st="4" end="4"/>
+                                            </p:txEl>
+                                          </p:spTgt>
+                                        </p:tgtEl>
+                                        <p:attrNameLst>
+                                          <p:attrName>style.visibility</p:attrName>
+                                        </p:attrNameLst>
+                                      </p:cBhvr>
+                                      <p:to>
+                                        <p:strVal val="visible"/>
+                                      </p:to>
+                                    </p:set>
+                                    <p:anim calcmode="lin" valueType="num">
+                                      <p:cBhvr additive="base">
+                                        <p:cTn id="33" dur="2000" fill="hold"/>
+                                        <p:tgtEl>
+                                          <p:spTgt spid="9">
+                                            <p:txEl>
+                                              <p:pRg st="4" end="4"/>
+                                            </p:txEl>
+                                          </p:spTgt>
+                                        </p:tgtEl>
+                                        <p:attrNameLst>
+                                          <p:attrName>ppt_x</p:attrName>
+                                        </p:attrNameLst>
+                                      </p:cBhvr>
+                                      <p:tavLst>
+                                        <p:tav tm="0">
+                                          <p:val>
+                                            <p:strVal val="#ppt_x"/>
+                                          </p:val>
+                                        </p:tav>
+                                        <p:tav tm="100000">
+                                          <p:val>
+                                            <p:strVal val="#ppt_x"/>
+                                          </p:val>
+                                        </p:tav>
+                                      </p:tavLst>
+                                    </p:anim>
+                                    <p:anim calcmode="lin" valueType="num">
+                                      <p:cBhvr additive="base">
+                                        <p:cTn id="34" dur="2000" fill="hold"/>
+                                        <p:tgtEl>
+                                          <p:spTgt spid="9">
+                                            <p:txEl>
+                                              <p:pRg st="4" end="4"/>
+                                            </p:txEl>
+                                          </p:spTgt>
+                                        </p:tgtEl>
+                                        <p:attrNameLst>
+                                          <p:attrName>ppt_y</p:attrName>
+                                        </p:attrNameLst>
+                                      </p:cBhvr>
+                                      <p:tavLst>
+                                        <p:tav tm="0">
+                                          <p:val>
+                                            <p:strVal val="1+#ppt_h/2"/>
+                                          </p:val>
+                                        </p:tav>
+                                        <p:tav tm="100000">
+                                          <p:val>
+                                            <p:strVal val="#ppt_y"/>
+                                          </p:val>
+                                        </p:tav>
+                                      </p:tavLst>
+                                    </p:anim>
+                                  </p:childTnLst>
+                                </p:cTn>
+                              </p:par>
+                            </p:childTnLst>
+                          </p:cTn>
+                        </p:par>
+                      </p:childTnLst>
+                    </p:cTn>
+                  </p:par>
+                </p:childTnLst>
+              </p:cTn>
+              <p:prevCondLst>
+                <p:cond evt="onPrev" delay="0">
+                  <p:tgtEl>
+                    <p:sldTgt/>
+                  </p:tgtEl>
+                </p:cond>
+              </p:prevCondLst>
+              <p:nextCondLst>
+                <p:cond evt="onNext" delay="0">
+                  <p:tgtEl>
+                    <p:sldTgt/>
+                  </p:tgtEl>
+                </p:cond>
+              </p:nextCondLst>
+            </p:seq>
+          </p:childTnLst>
+        </p:cTn>
+      </p:par>
+    </p:tnLst>
+    <p:bldLst>
+      <p:bldP spid="2" grpId="0"/>
+    </p:bldLst>
+  </p:timing>
+</p:sld>
+</file>
+
+<file path=ppt/slides/slide3.xml><?xml version="1.0" encoding="utf-8"?>
 <p:sld xmlns:a="http://schemas.openxmlformats.org/drawingml/2006/main" xmlns:r="http://schemas.openxmlformats.org/officeDocument/2006/relationships" xmlns:p="http://schemas.openxmlformats.org/presentationml/2006/main">
   <p:cSld>
     <p:spTree>
@@ -17441,7 +16360,7 @@
                 <a:latin typeface="Arial" panose="020B0604020202020204" pitchFamily="34" charset="0"/>
                 <a:cs typeface="Arial" panose="020B0604020202020204" pitchFamily="34" charset="0"/>
               </a:rPr>
-              <a:t>Miért vállasszon minket?</a:t>
+              <a:t>Miért válasszon minket?</a:t>
             </a:r>
           </a:p>
         </p:txBody>
@@ -18609,7 +17528,7 @@
 </p:sld>
 </file>
 
-<file path=ppt/slides/slide7.xml><?xml version="1.0" encoding="utf-8"?>
+<file path=ppt/slides/slide4.xml><?xml version="1.0" encoding="utf-8"?>
 <p:sld xmlns:a="http://schemas.openxmlformats.org/drawingml/2006/main" xmlns:r="http://schemas.openxmlformats.org/officeDocument/2006/relationships" xmlns:p="http://schemas.openxmlformats.org/presentationml/2006/main">
   <p:cSld>
     <p:spTree>
@@ -18631,7 +17550,82 @@
           <p:cNvPr id="2" name="Cím 1">
             <a:extLst>
               <a:ext uri="{FF2B5EF4-FFF2-40B4-BE49-F238E27FC236}">
-                <a16:creationId xmlns:a16="http://schemas.microsoft.com/office/drawing/2014/main" id="{F68805B5-85B7-43DA-957B-D8E6C3780BCA}"/>
+                <a16:creationId xmlns:a16="http://schemas.microsoft.com/office/drawing/2014/main" id="{A2D0B6B9-14D7-4FFC-A5E7-8962C3D95CEF}"/>
+              </a:ext>
+            </a:extLst>
+          </p:cNvPr>
+          <p:cNvSpPr>
+            <a:spLocks noGrp="1"/>
+          </p:cNvSpPr>
+          <p:nvPr>
+            <p:ph type="ctrTitle"/>
+          </p:nvPr>
+        </p:nvSpPr>
+        <p:spPr>
+          <a:xfrm>
+            <a:off x="3131596" y="3041562"/>
+            <a:ext cx="5928808" cy="774875"/>
+          </a:xfrm>
+        </p:spPr>
+        <p:txBody>
+          <a:bodyPr/>
+          <a:lstStyle/>
+          <a:p>
+            <a:r>
+              <a:rPr lang="hu-HU" dirty="0"/>
+              <a:t>Linux vs Windows</a:t>
+            </a:r>
+          </a:p>
+        </p:txBody>
+      </p:sp>
+    </p:spTree>
+    <p:extLst>
+      <p:ext uri="{BB962C8B-B14F-4D97-AF65-F5344CB8AC3E}">
+        <p14:creationId xmlns:p14="http://schemas.microsoft.com/office/powerpoint/2010/main" val="1315100662"/>
+      </p:ext>
+    </p:extLst>
+  </p:cSld>
+  <p:clrMapOvr>
+    <a:masterClrMapping/>
+  </p:clrMapOvr>
+  <mc:AlternateContent xmlns:mc="http://schemas.openxmlformats.org/markup-compatibility/2006">
+    <mc:Choice xmlns:p14="http://schemas.microsoft.com/office/powerpoint/2010/main" Requires="p14">
+      <p:transition spd="slow" p14:dur="2000" advClick="0" advTm="3000">
+        <p:cover/>
+      </p:transition>
+    </mc:Choice>
+    <mc:Fallback>
+      <p:transition spd="slow" advClick="0" advTm="3000">
+        <p:cover/>
+      </p:transition>
+    </mc:Fallback>
+  </mc:AlternateContent>
+</p:sld>
+</file>
+
+<file path=ppt/slides/slide5.xml><?xml version="1.0" encoding="utf-8"?>
+<p:sld xmlns:a="http://schemas.openxmlformats.org/drawingml/2006/main" xmlns:r="http://schemas.openxmlformats.org/officeDocument/2006/relationships" xmlns:p="http://schemas.openxmlformats.org/presentationml/2006/main">
+  <p:cSld>
+    <p:spTree>
+      <p:nvGrpSpPr>
+        <p:cNvPr id="1" name=""/>
+        <p:cNvGrpSpPr/>
+        <p:nvPr/>
+      </p:nvGrpSpPr>
+      <p:grpSpPr>
+        <a:xfrm>
+          <a:off x="0" y="0"/>
+          <a:ext cx="0" cy="0"/>
+          <a:chOff x="0" y="0"/>
+          <a:chExt cx="0" cy="0"/>
+        </a:xfrm>
+      </p:grpSpPr>
+      <p:sp>
+        <p:nvSpPr>
+          <p:cNvPr id="2" name="Cím 1">
+            <a:extLst>
+              <a:ext uri="{FF2B5EF4-FFF2-40B4-BE49-F238E27FC236}">
+                <a16:creationId xmlns:a16="http://schemas.microsoft.com/office/drawing/2014/main" id="{BDE2B277-0C41-4AB7-A0E0-0B5739D08E04}"/>
               </a:ext>
             </a:extLst>
           </p:cNvPr>
@@ -18644,178 +17638,265 @@
         </p:nvSpPr>
         <p:spPr>
           <a:xfrm>
-            <a:off x="4123038" y="983779"/>
-            <a:ext cx="3022599" cy="728480"/>
+            <a:off x="3138217" y="786063"/>
+            <a:ext cx="5915565" cy="1042737"/>
           </a:xfrm>
         </p:spPr>
         <p:txBody>
           <a:bodyPr/>
           <a:lstStyle/>
           <a:p>
+            <a:pPr algn="ctr"/>
             <a:r>
               <a:rPr lang="hu-HU" dirty="0"/>
-              <a:t>A cégünkről </a:t>
+              <a:t>Operációs rendszerek összehasonlítása</a:t>
             </a:r>
           </a:p>
         </p:txBody>
       </p:sp>
       <p:sp>
         <p:nvSpPr>
-          <p:cNvPr id="9" name="Rectangle 1">
+          <p:cNvPr id="4" name="Szövegdoboz 3">
             <a:extLst>
               <a:ext uri="{FF2B5EF4-FFF2-40B4-BE49-F238E27FC236}">
-                <a16:creationId xmlns:a16="http://schemas.microsoft.com/office/drawing/2014/main" id="{41D4CEE5-EA05-4B60-B76E-F7C529B6EE57}"/>
+                <a16:creationId xmlns:a16="http://schemas.microsoft.com/office/drawing/2014/main" id="{5ACD06C4-F4B0-47F6-B9CD-B5992CA0BF5F}"/>
               </a:ext>
             </a:extLst>
           </p:cNvPr>
-          <p:cNvSpPr>
-            <a:spLocks noChangeArrowheads="1"/>
-          </p:cNvSpPr>
+          <p:cNvSpPr txBox="1"/>
           <p:nvPr/>
         </p:nvSpPr>
-        <p:spPr bwMode="auto">
+        <p:spPr>
           <a:xfrm>
-            <a:off x="2922954" y="3442786"/>
-            <a:ext cx="5681783" cy="2185214"/>
+            <a:off x="2685027" y="2867436"/>
+            <a:ext cx="906379" cy="738664"/>
           </a:xfrm>
           <a:prstGeom prst="rect">
             <a:avLst/>
           </a:prstGeom>
           <a:noFill/>
-          <a:ln>
-            <a:noFill/>
-          </a:ln>
-          <a:effectLst/>
-          <a:extLst>
-            <a:ext uri="{909E8E84-426E-40DD-AFC4-6F175D3DCCD1}">
-              <a14:hiddenFill xmlns:a14="http://schemas.microsoft.com/office/drawing/2010/main">
-                <a:solidFill>
-                  <a:schemeClr val="accent1"/>
-                </a:solidFill>
-              </a14:hiddenFill>
-            </a:ext>
-            <a:ext uri="{91240B29-F687-4F45-9708-019B960494DF}">
-              <a14:hiddenLine xmlns:a14="http://schemas.microsoft.com/office/drawing/2010/main" w="9525">
-                <a:solidFill>
-                  <a:schemeClr val="tx1"/>
-                </a:solidFill>
-                <a:miter lim="800000"/>
-                <a:headEnd/>
-                <a:tailEnd/>
-              </a14:hiddenLine>
-            </a:ext>
-            <a:ext uri="{AF507438-7753-43E0-B8FC-AC1667EBCBE1}">
-              <a14:hiddenEffects xmlns:a14="http://schemas.microsoft.com/office/drawing/2010/main">
-                <a:effectLst>
-                  <a:outerShdw dist="35921" dir="2700000" algn="ctr" rotWithShape="0">
-                    <a:schemeClr val="bg2"/>
-                  </a:outerShdw>
-                </a:effectLst>
-              </a14:hiddenEffects>
-            </a:ext>
-          </a:extLst>
         </p:spPr>
         <p:txBody>
-          <a:bodyPr vert="horz" wrap="square" lIns="91440" tIns="45720" rIns="91440" bIns="45720" numCol="1" anchor="ctr" anchorCtr="0" compatLnSpc="1">
-            <a:prstTxWarp prst="textNoShape">
-              <a:avLst/>
-            </a:prstTxWarp>
+          <a:bodyPr wrap="square" rtlCol="0">
             <a:spAutoFit/>
           </a:bodyPr>
           <a:lstStyle/>
           <a:p>
-            <a:pPr marL="285750" lvl="0" indent="-285750" defTabSz="914400" eaLnBrk="0" fontAlgn="base" hangingPunct="0">
+            <a:r>
+              <a:rPr lang="hu-HU" sz="2400" dirty="0"/>
+              <a:t>Linux</a:t>
+            </a:r>
+            <a:endParaRPr lang="hu-HU" dirty="0"/>
+          </a:p>
+          <a:p>
+            <a:endParaRPr lang="hu-HU" dirty="0"/>
+          </a:p>
+        </p:txBody>
+      </p:sp>
+      <p:sp>
+        <p:nvSpPr>
+          <p:cNvPr id="5" name="Szövegdoboz 4">
+            <a:extLst>
+              <a:ext uri="{FF2B5EF4-FFF2-40B4-BE49-F238E27FC236}">
+                <a16:creationId xmlns:a16="http://schemas.microsoft.com/office/drawing/2014/main" id="{4E140469-05C3-4F83-B50D-242427472F17}"/>
+              </a:ext>
+            </a:extLst>
+          </p:cNvPr>
+          <p:cNvSpPr txBox="1"/>
+          <p:nvPr/>
+        </p:nvSpPr>
+        <p:spPr>
+          <a:xfrm>
+            <a:off x="8203551" y="2857455"/>
+            <a:ext cx="1700462" cy="461665"/>
+          </a:xfrm>
+          <a:prstGeom prst="rect">
+            <a:avLst/>
+          </a:prstGeom>
+          <a:noFill/>
+        </p:spPr>
+        <p:txBody>
+          <a:bodyPr wrap="square" rtlCol="0">
+            <a:spAutoFit/>
+          </a:bodyPr>
+          <a:lstStyle/>
+          <a:p>
+            <a:r>
+              <a:rPr lang="hu-HU" sz="2400" dirty="0"/>
+              <a:t>Windows</a:t>
+            </a:r>
+          </a:p>
+        </p:txBody>
+      </p:sp>
+      <p:sp>
+        <p:nvSpPr>
+          <p:cNvPr id="3" name="Szövegdoboz 2">
+            <a:extLst>
+              <a:ext uri="{FF2B5EF4-FFF2-40B4-BE49-F238E27FC236}">
+                <a16:creationId xmlns:a16="http://schemas.microsoft.com/office/drawing/2014/main" id="{4B12B446-6562-413D-BD9D-201180A55B35}"/>
+              </a:ext>
+            </a:extLst>
+          </p:cNvPr>
+          <p:cNvSpPr txBox="1"/>
+          <p:nvPr/>
+        </p:nvSpPr>
+        <p:spPr>
+          <a:xfrm>
+            <a:off x="1532154" y="3606100"/>
+            <a:ext cx="4141815" cy="2554545"/>
+          </a:xfrm>
+          <a:prstGeom prst="rect">
+            <a:avLst/>
+          </a:prstGeom>
+          <a:noFill/>
+        </p:spPr>
+        <p:txBody>
+          <a:bodyPr wrap="square" rtlCol="0">
+            <a:spAutoFit/>
+          </a:bodyPr>
+          <a:lstStyle/>
+          <a:p>
+            <a:pPr marL="285750" indent="-285750">
               <a:spcBef>
-                <a:spcPts val="600"/>
+                <a:spcPts val="1200"/>
               </a:spcBef>
               <a:spcAft>
-                <a:spcPts val="600"/>
+                <a:spcPts val="1200"/>
               </a:spcAft>
               <a:buFont typeface="Wingdings" panose="05000000000000000000" pitchFamily="2" charset="2"/>
               <a:buChar char="ü"/>
             </a:pPr>
             <a:r>
-              <a:rPr lang="hu-HU" altLang="hu-HU" sz="1600" dirty="0">
-                <a:latin typeface="Arial" panose="020B0604020202020204" pitchFamily="34" charset="0"/>
-                <a:cs typeface="Arial" panose="020B0604020202020204" pitchFamily="34" charset="0"/>
-              </a:rPr>
-              <a:t>Mi a FEDESZ-nél azon dolgozunk, hogy önnek kényelmesebb legyen a munkavégzés.</a:t>
+              <a:rPr lang="hu-HU" dirty="0"/>
+              <a:t>Alacsonyabb gépigény</a:t>
             </a:r>
           </a:p>
           <a:p>
-            <a:pPr marL="285750" indent="-285750" defTabSz="914400" eaLnBrk="0" fontAlgn="base" hangingPunct="0">
+            <a:pPr marL="285750" indent="-285750">
               <a:spcBef>
-                <a:spcPts val="600"/>
+                <a:spcPts val="1200"/>
               </a:spcBef>
               <a:spcAft>
-                <a:spcPts val="600"/>
+                <a:spcPts val="1200"/>
               </a:spcAft>
               <a:buFont typeface="Wingdings" panose="05000000000000000000" pitchFamily="2" charset="2"/>
               <a:buChar char="ü"/>
             </a:pPr>
             <a:r>
-              <a:rPr lang="hu-HU" altLang="hu-HU" sz="1600" dirty="0">
-                <a:latin typeface="Arial" panose="020B0604020202020204" pitchFamily="34" charset="0"/>
-                <a:cs typeface="Arial" panose="020B0604020202020204" pitchFamily="34" charset="0"/>
-              </a:rPr>
-              <a:t>Ha probléma van informatikával mi segítünk. </a:t>
+              <a:rPr lang="hu-HU" dirty="0"/>
+              <a:t>Szélesebb Hardware támogatás</a:t>
             </a:r>
           </a:p>
           <a:p>
-            <a:pPr marL="285750" lvl="0" indent="-285750" defTabSz="914400" eaLnBrk="0" fontAlgn="base" hangingPunct="0">
+            <a:pPr marL="285750" indent="-285750">
               <a:spcBef>
-                <a:spcPts val="600"/>
+                <a:spcPts val="1200"/>
               </a:spcBef>
               <a:spcAft>
-                <a:spcPts val="600"/>
+                <a:spcPts val="1200"/>
               </a:spcAft>
               <a:buFont typeface="Wingdings" panose="05000000000000000000" pitchFamily="2" charset="2"/>
               <a:buChar char="ü"/>
             </a:pPr>
             <a:r>
-              <a:rPr lang="hu-HU" altLang="hu-HU" sz="1600" dirty="0">
-                <a:latin typeface="Arial" panose="020B0604020202020204" pitchFamily="34" charset="0"/>
-                <a:cs typeface="Arial" panose="020B0604020202020204" pitchFamily="34" charset="0"/>
-              </a:rPr>
-              <a:t>Ha IT mi foglalkozunk vele.</a:t>
+              <a:rPr lang="hu-HU" dirty="0"/>
+              <a:t>Megbízható</a:t>
             </a:r>
           </a:p>
           <a:p>
-            <a:pPr marL="285750" lvl="0" indent="-285750" defTabSz="914400" eaLnBrk="0" fontAlgn="base" hangingPunct="0">
+            <a:pPr marL="285750" indent="-285750">
               <a:spcBef>
-                <a:spcPts val="600"/>
+                <a:spcPts val="1200"/>
               </a:spcBef>
               <a:spcAft>
-                <a:spcPts val="600"/>
+                <a:spcPts val="1200"/>
               </a:spcAft>
               <a:buFont typeface="Wingdings" panose="05000000000000000000" pitchFamily="2" charset="2"/>
               <a:buChar char="ü"/>
             </a:pPr>
             <a:r>
-              <a:rPr lang="hu-HU" altLang="hu-HU" sz="1600" dirty="0">
-                <a:latin typeface="Arial" panose="020B0604020202020204" pitchFamily="34" charset="0"/>
-                <a:cs typeface="Arial" panose="020B0604020202020204" pitchFamily="34" charset="0"/>
-              </a:rPr>
-              <a:t>Hálózatoktól végeszközökig.</a:t>
+              <a:rPr lang="hu-HU" dirty="0"/>
+              <a:t>Ingyenes</a:t>
             </a:r>
           </a:p>
           <a:p>
-            <a:pPr marL="285750" lvl="0" indent="-285750" defTabSz="914400" eaLnBrk="0" fontAlgn="base" hangingPunct="0">
-              <a:spcBef>
-                <a:spcPts val="600"/>
-              </a:spcBef>
-              <a:spcAft>
-                <a:spcPts val="600"/>
-              </a:spcAft>
+            <a:pPr marL="285750" indent="-285750">
+              <a:buFont typeface="Wingdings" panose="05000000000000000000" pitchFamily="2" charset="2"/>
+              <a:buChar char="ü"/>
+            </a:pPr>
+            <a:endParaRPr lang="hu-HU" dirty="0"/>
+          </a:p>
+        </p:txBody>
+      </p:sp>
+      <p:sp>
+        <p:nvSpPr>
+          <p:cNvPr id="6" name="Szövegdoboz 5">
+            <a:extLst>
+              <a:ext uri="{FF2B5EF4-FFF2-40B4-BE49-F238E27FC236}">
+                <a16:creationId xmlns:a16="http://schemas.microsoft.com/office/drawing/2014/main" id="{2FE65708-5814-4107-ADFA-9CFE90731BCE}"/>
+              </a:ext>
+            </a:extLst>
+          </p:cNvPr>
+          <p:cNvSpPr txBox="1"/>
+          <p:nvPr/>
+        </p:nvSpPr>
+        <p:spPr>
+          <a:xfrm>
+            <a:off x="7253468" y="3606100"/>
+            <a:ext cx="3600627" cy="2031325"/>
+          </a:xfrm>
+          <a:prstGeom prst="rect">
+            <a:avLst/>
+          </a:prstGeom>
+          <a:noFill/>
+        </p:spPr>
+        <p:txBody>
+          <a:bodyPr wrap="square" rtlCol="0">
+            <a:spAutoFit/>
+          </a:bodyPr>
+          <a:lstStyle/>
+          <a:p>
+            <a:pPr marL="285750" indent="-285750">
               <a:buFont typeface="Wingdings" panose="05000000000000000000" pitchFamily="2" charset="2"/>
               <a:buChar char="ü"/>
             </a:pPr>
             <a:r>
-              <a:rPr lang="hu-HU" altLang="hu-HU" sz="1600" dirty="0">
-                <a:latin typeface="Arial" panose="020B0604020202020204" pitchFamily="34" charset="0"/>
-                <a:cs typeface="Arial" panose="020B0604020202020204" pitchFamily="34" charset="0"/>
-              </a:rPr>
-              <a:t>A legjobb árakkal a piacon. </a:t>
+              <a:rPr lang="hu-HU" dirty="0"/>
+              <a:t>Átlag ember számára egyszerűbb használat</a:t>
+            </a:r>
+          </a:p>
+          <a:p>
+            <a:pPr marL="285750" indent="-285750">
+              <a:buFont typeface="Wingdings" panose="05000000000000000000" pitchFamily="2" charset="2"/>
+              <a:buChar char="ü"/>
+            </a:pPr>
+            <a:endParaRPr lang="hu-HU" dirty="0"/>
+          </a:p>
+          <a:p>
+            <a:pPr marL="285750" indent="-285750">
+              <a:buFont typeface="Wingdings" panose="05000000000000000000" pitchFamily="2" charset="2"/>
+              <a:buChar char="ü"/>
+            </a:pPr>
+            <a:r>
+              <a:rPr lang="hu-HU" dirty="0"/>
+              <a:t>Több szoftver (Excel, Word)</a:t>
+            </a:r>
+          </a:p>
+          <a:p>
+            <a:pPr marL="285750" indent="-285750">
+              <a:buFont typeface="Wingdings" panose="05000000000000000000" pitchFamily="2" charset="2"/>
+              <a:buChar char="ü"/>
+            </a:pPr>
+            <a:endParaRPr lang="hu-HU" dirty="0"/>
+          </a:p>
+          <a:p>
+            <a:pPr marL="285750" indent="-285750">
+              <a:buFont typeface="Wingdings" panose="05000000000000000000" pitchFamily="2" charset="2"/>
+              <a:buChar char="ü"/>
+            </a:pPr>
+            <a:r>
+              <a:rPr lang="hu-HU" dirty="0"/>
+              <a:t>Könnyen elérhető segítség a Microsofttól</a:t>
             </a:r>
           </a:p>
         </p:txBody>
@@ -18823,22 +17904,22 @@
     </p:spTree>
     <p:extLst>
       <p:ext uri="{BB962C8B-B14F-4D97-AF65-F5344CB8AC3E}">
-        <p14:creationId xmlns:p14="http://schemas.microsoft.com/office/powerpoint/2010/main" val="879635561"/>
+        <p14:creationId xmlns:p14="http://schemas.microsoft.com/office/powerpoint/2010/main" val="45320225"/>
       </p:ext>
     </p:extLst>
   </p:cSld>
   <p:clrMapOvr>
     <a:masterClrMapping/>
   </p:clrMapOvr>
-  <mc:AlternateContent xmlns:mc="http://schemas.openxmlformats.org/markup-compatibility/2006" xmlns:p14="http://schemas.microsoft.com/office/powerpoint/2010/main">
-    <mc:Choice Requires="p14">
-      <p:transition spd="slow" p14:dur="1750" advTm="3000">
-        <p:cover/>
+  <mc:AlternateContent xmlns:mc="http://schemas.openxmlformats.org/markup-compatibility/2006">
+    <mc:Choice xmlns:p14="http://schemas.microsoft.com/office/powerpoint/2010/main" Requires="p14">
+      <p:transition spd="slow" p14:dur="3400" advClick="0" advTm="4000">
+        <p14:reveal/>
       </p:transition>
     </mc:Choice>
-    <mc:Fallback xmlns="">
-      <p:transition spd="slow" advTm="3000">
-        <p:cover/>
+    <mc:Fallback>
+      <p:transition spd="slow" advClick="0" advTm="4000">
+        <p:fade/>
       </p:transition>
     </mc:Fallback>
   </mc:AlternateContent>
@@ -18866,9 +17947,9 @@
                             </p:stCondLst>
                             <p:childTnLst>
                               <p:par>
-                                <p:cTn id="5" presetID="42" presetClass="entr" presetSubtype="0" fill="hold" grpId="0" nodeType="afterEffect">
+                                <p:cTn id="5" presetID="2" presetClass="entr" presetSubtype="4" fill="hold" grpId="0" nodeType="afterEffect">
                                   <p:stCondLst>
-                                    <p:cond delay="500"/>
+                                    <p:cond delay="1750"/>
                                   </p:stCondLst>
                                   <p:childTnLst>
                                     <p:set>
@@ -18879,7 +17960,7 @@
                                           </p:stCondLst>
                                         </p:cTn>
                                         <p:tgtEl>
-                                          <p:spTgt spid="2"/>
+                                          <p:spTgt spid="4"/>
                                         </p:tgtEl>
                                         <p:attrNameLst>
                                           <p:attrName>style.visibility</p:attrName>
@@ -18889,19 +17970,11 @@
                                         <p:strVal val="visible"/>
                                       </p:to>
                                     </p:set>
-                                    <p:animEffect transition="in" filter="fade">
-                                      <p:cBhvr>
-                                        <p:cTn id="7" dur="2000"/>
+                                    <p:anim calcmode="lin" valueType="num">
+                                      <p:cBhvr additive="base">
+                                        <p:cTn id="7" dur="1500" fill="hold"/>
                                         <p:tgtEl>
-                                          <p:spTgt spid="2"/>
-                                        </p:tgtEl>
-                                      </p:cBhvr>
-                                    </p:animEffect>
-                                    <p:anim calcmode="lin" valueType="num">
-                                      <p:cBhvr>
-                                        <p:cTn id="8" dur="2000" fill="hold"/>
-                                        <p:tgtEl>
-                                          <p:spTgt spid="2"/>
+                                          <p:spTgt spid="4"/>
                                         </p:tgtEl>
                                         <p:attrNameLst>
                                           <p:attrName>ppt_x</p:attrName>
@@ -18921,10 +17994,10 @@
                                       </p:tavLst>
                                     </p:anim>
                                     <p:anim calcmode="lin" valueType="num">
-                                      <p:cBhvr>
-                                        <p:cTn id="9" dur="2000" fill="hold"/>
+                                      <p:cBhvr additive="base">
+                                        <p:cTn id="8" dur="1500" fill="hold"/>
                                         <p:tgtEl>
-                                          <p:spTgt spid="2"/>
+                                          <p:spTgt spid="4"/>
                                         </p:tgtEl>
                                         <p:attrNameLst>
                                           <p:attrName>ppt_y</p:attrName>
@@ -18933,7 +18006,7 @@
                                       <p:tavLst>
                                         <p:tav tm="0">
                                           <p:val>
-                                            <p:strVal val="#ppt_y+.1"/>
+                                            <p:strVal val="1+#ppt_h/2"/>
                                           </p:val>
                                         </p:tav>
                                         <p:tav tm="100000">
@@ -18950,26 +18023,26 @@
                           </p:cTn>
                         </p:par>
                         <p:par>
-                          <p:cTn id="10" fill="hold">
+                          <p:cTn id="9" fill="hold">
                             <p:stCondLst>
-                              <p:cond delay="2500"/>
+                              <p:cond delay="3250"/>
                             </p:stCondLst>
                             <p:childTnLst>
                               <p:par>
-                                <p:cTn id="11" presetID="2" presetClass="entr" presetSubtype="4" fill="hold" nodeType="afterEffect">
+                                <p:cTn id="10" presetID="2" presetClass="entr" presetSubtype="4" fill="hold" nodeType="afterEffect">
                                   <p:stCondLst>
-                                    <p:cond delay="2000"/>
+                                    <p:cond delay="1750"/>
                                   </p:stCondLst>
                                   <p:childTnLst>
                                     <p:set>
                                       <p:cBhvr>
-                                        <p:cTn id="12" dur="1" fill="hold">
+                                        <p:cTn id="11" dur="1" fill="hold">
                                           <p:stCondLst>
                                             <p:cond delay="0"/>
                                           </p:stCondLst>
                                         </p:cTn>
                                         <p:tgtEl>
-                                          <p:spTgt spid="9">
+                                          <p:spTgt spid="5">
                                             <p:txEl>
                                               <p:pRg st="0" end="0"/>
                                             </p:txEl>
@@ -18985,9 +18058,9 @@
                                     </p:set>
                                     <p:anim calcmode="lin" valueType="num">
                                       <p:cBhvr additive="base">
-                                        <p:cTn id="13" dur="1500" fill="hold"/>
+                                        <p:cTn id="12" dur="1500" fill="hold"/>
                                         <p:tgtEl>
-                                          <p:spTgt spid="9">
+                                          <p:spTgt spid="5">
                                             <p:txEl>
                                               <p:pRg st="0" end="0"/>
                                             </p:txEl>
@@ -19012,9 +18085,9 @@
                                     </p:anim>
                                     <p:anim calcmode="lin" valueType="num">
                                       <p:cBhvr additive="base">
-                                        <p:cTn id="14" dur="1500" fill="hold"/>
+                                        <p:cTn id="13" dur="1500" fill="hold"/>
                                         <p:tgtEl>
-                                          <p:spTgt spid="9">
+                                          <p:spTgt spid="5">
                                             <p:txEl>
                                               <p:pRg st="0" end="0"/>
                                             </p:txEl>
@@ -19044,26 +18117,214 @@
                           </p:cTn>
                         </p:par>
                         <p:par>
-                          <p:cTn id="15" fill="hold">
+                          <p:cTn id="14" fill="hold">
                             <p:stCondLst>
-                              <p:cond delay="6000"/>
+                              <p:cond delay="6500"/>
                             </p:stCondLst>
                             <p:childTnLst>
                               <p:par>
-                                <p:cTn id="16" presetID="2" presetClass="entr" presetSubtype="4" fill="hold" nodeType="afterEffect">
+                                <p:cTn id="15" presetID="2" presetClass="entr" presetSubtype="4" fill="hold" nodeType="afterEffect">
                                   <p:stCondLst>
-                                    <p:cond delay="4000"/>
+                                    <p:cond delay="1750"/>
                                   </p:stCondLst>
                                   <p:childTnLst>
                                     <p:set>
                                       <p:cBhvr>
-                                        <p:cTn id="17" dur="1" fill="hold">
+                                        <p:cTn id="16" dur="1" fill="hold">
                                           <p:stCondLst>
                                             <p:cond delay="0"/>
                                           </p:stCondLst>
                                         </p:cTn>
                                         <p:tgtEl>
-                                          <p:spTgt spid="9">
+                                          <p:spTgt spid="3">
+                                            <p:txEl>
+                                              <p:pRg st="0" end="0"/>
+                                            </p:txEl>
+                                          </p:spTgt>
+                                        </p:tgtEl>
+                                        <p:attrNameLst>
+                                          <p:attrName>style.visibility</p:attrName>
+                                        </p:attrNameLst>
+                                      </p:cBhvr>
+                                      <p:to>
+                                        <p:strVal val="visible"/>
+                                      </p:to>
+                                    </p:set>
+                                    <p:anim calcmode="lin" valueType="num">
+                                      <p:cBhvr additive="base">
+                                        <p:cTn id="17" dur="1500" fill="hold"/>
+                                        <p:tgtEl>
+                                          <p:spTgt spid="3">
+                                            <p:txEl>
+                                              <p:pRg st="0" end="0"/>
+                                            </p:txEl>
+                                          </p:spTgt>
+                                        </p:tgtEl>
+                                        <p:attrNameLst>
+                                          <p:attrName>ppt_x</p:attrName>
+                                        </p:attrNameLst>
+                                      </p:cBhvr>
+                                      <p:tavLst>
+                                        <p:tav tm="0">
+                                          <p:val>
+                                            <p:strVal val="#ppt_x"/>
+                                          </p:val>
+                                        </p:tav>
+                                        <p:tav tm="100000">
+                                          <p:val>
+                                            <p:strVal val="#ppt_x"/>
+                                          </p:val>
+                                        </p:tav>
+                                      </p:tavLst>
+                                    </p:anim>
+                                    <p:anim calcmode="lin" valueType="num">
+                                      <p:cBhvr additive="base">
+                                        <p:cTn id="18" dur="1500" fill="hold"/>
+                                        <p:tgtEl>
+                                          <p:spTgt spid="3">
+                                            <p:txEl>
+                                              <p:pRg st="0" end="0"/>
+                                            </p:txEl>
+                                          </p:spTgt>
+                                        </p:tgtEl>
+                                        <p:attrNameLst>
+                                          <p:attrName>ppt_y</p:attrName>
+                                        </p:attrNameLst>
+                                      </p:cBhvr>
+                                      <p:tavLst>
+                                        <p:tav tm="0">
+                                          <p:val>
+                                            <p:strVal val="1+#ppt_h/2"/>
+                                          </p:val>
+                                        </p:tav>
+                                        <p:tav tm="100000">
+                                          <p:val>
+                                            <p:strVal val="#ppt_y"/>
+                                          </p:val>
+                                        </p:tav>
+                                      </p:tavLst>
+                                    </p:anim>
+                                  </p:childTnLst>
+                                </p:cTn>
+                              </p:par>
+                            </p:childTnLst>
+                          </p:cTn>
+                        </p:par>
+                        <p:par>
+                          <p:cTn id="19" fill="hold">
+                            <p:stCondLst>
+                              <p:cond delay="9750"/>
+                            </p:stCondLst>
+                            <p:childTnLst>
+                              <p:par>
+                                <p:cTn id="20" presetID="2" presetClass="entr" presetSubtype="4" fill="hold" nodeType="afterEffect">
+                                  <p:stCondLst>
+                                    <p:cond delay="2000"/>
+                                  </p:stCondLst>
+                                  <p:childTnLst>
+                                    <p:set>
+                                      <p:cBhvr>
+                                        <p:cTn id="21" dur="1" fill="hold">
+                                          <p:stCondLst>
+                                            <p:cond delay="0"/>
+                                          </p:stCondLst>
+                                        </p:cTn>
+                                        <p:tgtEl>
+                                          <p:spTgt spid="6">
+                                            <p:txEl>
+                                              <p:pRg st="0" end="0"/>
+                                            </p:txEl>
+                                          </p:spTgt>
+                                        </p:tgtEl>
+                                        <p:attrNameLst>
+                                          <p:attrName>style.visibility</p:attrName>
+                                        </p:attrNameLst>
+                                      </p:cBhvr>
+                                      <p:to>
+                                        <p:strVal val="visible"/>
+                                      </p:to>
+                                    </p:set>
+                                    <p:anim calcmode="lin" valueType="num">
+                                      <p:cBhvr additive="base">
+                                        <p:cTn id="22" dur="1500" fill="hold"/>
+                                        <p:tgtEl>
+                                          <p:spTgt spid="6">
+                                            <p:txEl>
+                                              <p:pRg st="0" end="0"/>
+                                            </p:txEl>
+                                          </p:spTgt>
+                                        </p:tgtEl>
+                                        <p:attrNameLst>
+                                          <p:attrName>ppt_x</p:attrName>
+                                        </p:attrNameLst>
+                                      </p:cBhvr>
+                                      <p:tavLst>
+                                        <p:tav tm="0">
+                                          <p:val>
+                                            <p:strVal val="#ppt_x"/>
+                                          </p:val>
+                                        </p:tav>
+                                        <p:tav tm="100000">
+                                          <p:val>
+                                            <p:strVal val="#ppt_x"/>
+                                          </p:val>
+                                        </p:tav>
+                                      </p:tavLst>
+                                    </p:anim>
+                                    <p:anim calcmode="lin" valueType="num">
+                                      <p:cBhvr additive="base">
+                                        <p:cTn id="23" dur="1500" fill="hold"/>
+                                        <p:tgtEl>
+                                          <p:spTgt spid="6">
+                                            <p:txEl>
+                                              <p:pRg st="0" end="0"/>
+                                            </p:txEl>
+                                          </p:spTgt>
+                                        </p:tgtEl>
+                                        <p:attrNameLst>
+                                          <p:attrName>ppt_y</p:attrName>
+                                        </p:attrNameLst>
+                                      </p:cBhvr>
+                                      <p:tavLst>
+                                        <p:tav tm="0">
+                                          <p:val>
+                                            <p:strVal val="1+#ppt_h/2"/>
+                                          </p:val>
+                                        </p:tav>
+                                        <p:tav tm="100000">
+                                          <p:val>
+                                            <p:strVal val="#ppt_y"/>
+                                          </p:val>
+                                        </p:tav>
+                                      </p:tavLst>
+                                    </p:anim>
+                                  </p:childTnLst>
+                                </p:cTn>
+                              </p:par>
+                            </p:childTnLst>
+                          </p:cTn>
+                        </p:par>
+                        <p:par>
+                          <p:cTn id="24" fill="hold">
+                            <p:stCondLst>
+                              <p:cond delay="13250"/>
+                            </p:stCondLst>
+                            <p:childTnLst>
+                              <p:par>
+                                <p:cTn id="25" presetID="2" presetClass="entr" presetSubtype="4" fill="hold" nodeType="afterEffect">
+                                  <p:stCondLst>
+                                    <p:cond delay="1750"/>
+                                  </p:stCondLst>
+                                  <p:childTnLst>
+                                    <p:set>
+                                      <p:cBhvr>
+                                        <p:cTn id="26" dur="1" fill="hold">
+                                          <p:stCondLst>
+                                            <p:cond delay="0"/>
+                                          </p:stCondLst>
+                                        </p:cTn>
+                                        <p:tgtEl>
+                                          <p:spTgt spid="3">
                                             <p:txEl>
                                               <p:pRg st="1" end="1"/>
                                             </p:txEl>
@@ -19079,9 +18340,9 @@
                                     </p:set>
                                     <p:anim calcmode="lin" valueType="num">
                                       <p:cBhvr additive="base">
-                                        <p:cTn id="18" dur="2000" fill="hold"/>
+                                        <p:cTn id="27" dur="1500" fill="hold"/>
                                         <p:tgtEl>
-                                          <p:spTgt spid="9">
+                                          <p:spTgt spid="3">
                                             <p:txEl>
                                               <p:pRg st="1" end="1"/>
                                             </p:txEl>
@@ -19106,9 +18367,9 @@
                                     </p:anim>
                                     <p:anim calcmode="lin" valueType="num">
                                       <p:cBhvr additive="base">
-                                        <p:cTn id="19" dur="2000" fill="hold"/>
+                                        <p:cTn id="28" dur="1500" fill="hold"/>
                                         <p:tgtEl>
-                                          <p:spTgt spid="9">
+                                          <p:spTgt spid="3">
                                             <p:txEl>
                                               <p:pRg st="1" end="1"/>
                                             </p:txEl>
@@ -19138,26 +18399,26 @@
                           </p:cTn>
                         </p:par>
                         <p:par>
-                          <p:cTn id="20" fill="hold">
+                          <p:cTn id="29" fill="hold">
                             <p:stCondLst>
-                              <p:cond delay="12000"/>
+                              <p:cond delay="16500"/>
                             </p:stCondLst>
                             <p:childTnLst>
                               <p:par>
-                                <p:cTn id="21" presetID="2" presetClass="entr" presetSubtype="4" fill="hold" nodeType="afterEffect">
+                                <p:cTn id="30" presetID="2" presetClass="entr" presetSubtype="4" fill="hold" nodeType="afterEffect">
                                   <p:stCondLst>
-                                    <p:cond delay="4000"/>
+                                    <p:cond delay="2000"/>
                                   </p:stCondLst>
                                   <p:childTnLst>
                                     <p:set>
                                       <p:cBhvr>
-                                        <p:cTn id="22" dur="1" fill="hold">
+                                        <p:cTn id="31" dur="1" fill="hold">
                                           <p:stCondLst>
                                             <p:cond delay="0"/>
                                           </p:stCondLst>
                                         </p:cTn>
                                         <p:tgtEl>
-                                          <p:spTgt spid="9">
+                                          <p:spTgt spid="6">
                                             <p:txEl>
                                               <p:pRg st="2" end="2"/>
                                             </p:txEl>
@@ -19173,9 +18434,9 @@
                                     </p:set>
                                     <p:anim calcmode="lin" valueType="num">
                                       <p:cBhvr additive="base">
-                                        <p:cTn id="23" dur="2000" fill="hold"/>
+                                        <p:cTn id="32" dur="1500" fill="hold"/>
                                         <p:tgtEl>
-                                          <p:spTgt spid="9">
+                                          <p:spTgt spid="6">
                                             <p:txEl>
                                               <p:pRg st="2" end="2"/>
                                             </p:txEl>
@@ -19200,9 +18461,9 @@
                                     </p:anim>
                                     <p:anim calcmode="lin" valueType="num">
                                       <p:cBhvr additive="base">
-                                        <p:cTn id="24" dur="2000" fill="hold"/>
+                                        <p:cTn id="33" dur="1500" fill="hold"/>
                                         <p:tgtEl>
-                                          <p:spTgt spid="9">
+                                          <p:spTgt spid="6">
                                             <p:txEl>
                                               <p:pRg st="2" end="2"/>
                                             </p:txEl>
@@ -19232,26 +18493,214 @@
                           </p:cTn>
                         </p:par>
                         <p:par>
-                          <p:cTn id="25" fill="hold">
+                          <p:cTn id="34" fill="hold">
                             <p:stCondLst>
-                              <p:cond delay="18000"/>
+                              <p:cond delay="20000"/>
                             </p:stCondLst>
                             <p:childTnLst>
                               <p:par>
-                                <p:cTn id="26" presetID="2" presetClass="entr" presetSubtype="4" fill="hold" nodeType="afterEffect">
+                                <p:cTn id="35" presetID="2" presetClass="entr" presetSubtype="4" fill="hold" nodeType="afterEffect">
                                   <p:stCondLst>
-                                    <p:cond delay="4000"/>
+                                    <p:cond delay="1750"/>
                                   </p:stCondLst>
                                   <p:childTnLst>
                                     <p:set>
                                       <p:cBhvr>
-                                        <p:cTn id="27" dur="1" fill="hold">
+                                        <p:cTn id="36" dur="1" fill="hold">
                                           <p:stCondLst>
                                             <p:cond delay="0"/>
                                           </p:stCondLst>
                                         </p:cTn>
                                         <p:tgtEl>
-                                          <p:spTgt spid="9">
+                                          <p:spTgt spid="3">
+                                            <p:txEl>
+                                              <p:pRg st="2" end="2"/>
+                                            </p:txEl>
+                                          </p:spTgt>
+                                        </p:tgtEl>
+                                        <p:attrNameLst>
+                                          <p:attrName>style.visibility</p:attrName>
+                                        </p:attrNameLst>
+                                      </p:cBhvr>
+                                      <p:to>
+                                        <p:strVal val="visible"/>
+                                      </p:to>
+                                    </p:set>
+                                    <p:anim calcmode="lin" valueType="num">
+                                      <p:cBhvr additive="base">
+                                        <p:cTn id="37" dur="1500" fill="hold"/>
+                                        <p:tgtEl>
+                                          <p:spTgt spid="3">
+                                            <p:txEl>
+                                              <p:pRg st="2" end="2"/>
+                                            </p:txEl>
+                                          </p:spTgt>
+                                        </p:tgtEl>
+                                        <p:attrNameLst>
+                                          <p:attrName>ppt_x</p:attrName>
+                                        </p:attrNameLst>
+                                      </p:cBhvr>
+                                      <p:tavLst>
+                                        <p:tav tm="0">
+                                          <p:val>
+                                            <p:strVal val="#ppt_x"/>
+                                          </p:val>
+                                        </p:tav>
+                                        <p:tav tm="100000">
+                                          <p:val>
+                                            <p:strVal val="#ppt_x"/>
+                                          </p:val>
+                                        </p:tav>
+                                      </p:tavLst>
+                                    </p:anim>
+                                    <p:anim calcmode="lin" valueType="num">
+                                      <p:cBhvr additive="base">
+                                        <p:cTn id="38" dur="1500" fill="hold"/>
+                                        <p:tgtEl>
+                                          <p:spTgt spid="3">
+                                            <p:txEl>
+                                              <p:pRg st="2" end="2"/>
+                                            </p:txEl>
+                                          </p:spTgt>
+                                        </p:tgtEl>
+                                        <p:attrNameLst>
+                                          <p:attrName>ppt_y</p:attrName>
+                                        </p:attrNameLst>
+                                      </p:cBhvr>
+                                      <p:tavLst>
+                                        <p:tav tm="0">
+                                          <p:val>
+                                            <p:strVal val="1+#ppt_h/2"/>
+                                          </p:val>
+                                        </p:tav>
+                                        <p:tav tm="100000">
+                                          <p:val>
+                                            <p:strVal val="#ppt_y"/>
+                                          </p:val>
+                                        </p:tav>
+                                      </p:tavLst>
+                                    </p:anim>
+                                  </p:childTnLst>
+                                </p:cTn>
+                              </p:par>
+                            </p:childTnLst>
+                          </p:cTn>
+                        </p:par>
+                        <p:par>
+                          <p:cTn id="39" fill="hold">
+                            <p:stCondLst>
+                              <p:cond delay="23250"/>
+                            </p:stCondLst>
+                            <p:childTnLst>
+                              <p:par>
+                                <p:cTn id="40" presetID="2" presetClass="entr" presetSubtype="4" fill="hold" nodeType="afterEffect">
+                                  <p:stCondLst>
+                                    <p:cond delay="2000"/>
+                                  </p:stCondLst>
+                                  <p:childTnLst>
+                                    <p:set>
+                                      <p:cBhvr>
+                                        <p:cTn id="41" dur="1" fill="hold">
+                                          <p:stCondLst>
+                                            <p:cond delay="0"/>
+                                          </p:stCondLst>
+                                        </p:cTn>
+                                        <p:tgtEl>
+                                          <p:spTgt spid="6">
+                                            <p:txEl>
+                                              <p:pRg st="4" end="4"/>
+                                            </p:txEl>
+                                          </p:spTgt>
+                                        </p:tgtEl>
+                                        <p:attrNameLst>
+                                          <p:attrName>style.visibility</p:attrName>
+                                        </p:attrNameLst>
+                                      </p:cBhvr>
+                                      <p:to>
+                                        <p:strVal val="visible"/>
+                                      </p:to>
+                                    </p:set>
+                                    <p:anim calcmode="lin" valueType="num">
+                                      <p:cBhvr additive="base">
+                                        <p:cTn id="42" dur="1500" fill="hold"/>
+                                        <p:tgtEl>
+                                          <p:spTgt spid="6">
+                                            <p:txEl>
+                                              <p:pRg st="4" end="4"/>
+                                            </p:txEl>
+                                          </p:spTgt>
+                                        </p:tgtEl>
+                                        <p:attrNameLst>
+                                          <p:attrName>ppt_x</p:attrName>
+                                        </p:attrNameLst>
+                                      </p:cBhvr>
+                                      <p:tavLst>
+                                        <p:tav tm="0">
+                                          <p:val>
+                                            <p:strVal val="#ppt_x"/>
+                                          </p:val>
+                                        </p:tav>
+                                        <p:tav tm="100000">
+                                          <p:val>
+                                            <p:strVal val="#ppt_x"/>
+                                          </p:val>
+                                        </p:tav>
+                                      </p:tavLst>
+                                    </p:anim>
+                                    <p:anim calcmode="lin" valueType="num">
+                                      <p:cBhvr additive="base">
+                                        <p:cTn id="43" dur="1500" fill="hold"/>
+                                        <p:tgtEl>
+                                          <p:spTgt spid="6">
+                                            <p:txEl>
+                                              <p:pRg st="4" end="4"/>
+                                            </p:txEl>
+                                          </p:spTgt>
+                                        </p:tgtEl>
+                                        <p:attrNameLst>
+                                          <p:attrName>ppt_y</p:attrName>
+                                        </p:attrNameLst>
+                                      </p:cBhvr>
+                                      <p:tavLst>
+                                        <p:tav tm="0">
+                                          <p:val>
+                                            <p:strVal val="1+#ppt_h/2"/>
+                                          </p:val>
+                                        </p:tav>
+                                        <p:tav tm="100000">
+                                          <p:val>
+                                            <p:strVal val="#ppt_y"/>
+                                          </p:val>
+                                        </p:tav>
+                                      </p:tavLst>
+                                    </p:anim>
+                                  </p:childTnLst>
+                                </p:cTn>
+                              </p:par>
+                            </p:childTnLst>
+                          </p:cTn>
+                        </p:par>
+                        <p:par>
+                          <p:cTn id="44" fill="hold">
+                            <p:stCondLst>
+                              <p:cond delay="26750"/>
+                            </p:stCondLst>
+                            <p:childTnLst>
+                              <p:par>
+                                <p:cTn id="45" presetID="2" presetClass="entr" presetSubtype="4" fill="hold" nodeType="afterEffect">
+                                  <p:stCondLst>
+                                    <p:cond delay="1750"/>
+                                  </p:stCondLst>
+                                  <p:childTnLst>
+                                    <p:set>
+                                      <p:cBhvr>
+                                        <p:cTn id="46" dur="1" fill="hold">
+                                          <p:stCondLst>
+                                            <p:cond delay="0"/>
+                                          </p:stCondLst>
+                                        </p:cTn>
+                                        <p:tgtEl>
+                                          <p:spTgt spid="3">
                                             <p:txEl>
                                               <p:pRg st="3" end="3"/>
                                             </p:txEl>
@@ -19267,9 +18716,9 @@
                                     </p:set>
                                     <p:anim calcmode="lin" valueType="num">
                                       <p:cBhvr additive="base">
-                                        <p:cTn id="28" dur="2000" fill="hold"/>
+                                        <p:cTn id="47" dur="1500" fill="hold"/>
                                         <p:tgtEl>
-                                          <p:spTgt spid="9">
+                                          <p:spTgt spid="3">
                                             <p:txEl>
                                               <p:pRg st="3" end="3"/>
                                             </p:txEl>
@@ -19294,9 +18743,9 @@
                                     </p:anim>
                                     <p:anim calcmode="lin" valueType="num">
                                       <p:cBhvr additive="base">
-                                        <p:cTn id="29" dur="2000" fill="hold"/>
+                                        <p:cTn id="48" dur="1500" fill="hold"/>
                                         <p:tgtEl>
-                                          <p:spTgt spid="9">
+                                          <p:spTgt spid="3">
                                             <p:txEl>
                                               <p:pRg st="3" end="3"/>
                                             </p:txEl>
@@ -19325,29 +18774,257 @@
                             </p:childTnLst>
                           </p:cTn>
                         </p:par>
+                      </p:childTnLst>
+                    </p:cTn>
+                  </p:par>
+                </p:childTnLst>
+              </p:cTn>
+              <p:prevCondLst>
+                <p:cond evt="onPrev" delay="0">
+                  <p:tgtEl>
+                    <p:sldTgt/>
+                  </p:tgtEl>
+                </p:cond>
+              </p:prevCondLst>
+              <p:nextCondLst>
+                <p:cond evt="onNext" delay="0">
+                  <p:tgtEl>
+                    <p:sldTgt/>
+                  </p:tgtEl>
+                </p:cond>
+              </p:nextCondLst>
+            </p:seq>
+          </p:childTnLst>
+        </p:cTn>
+      </p:par>
+    </p:tnLst>
+    <p:bldLst>
+      <p:bldP spid="4" grpId="0"/>
+    </p:bldLst>
+  </p:timing>
+</p:sld>
+</file>
+
+<file path=ppt/slides/slide6.xml><?xml version="1.0" encoding="utf-8"?>
+<p:sld xmlns:a="http://schemas.openxmlformats.org/drawingml/2006/main" xmlns:r="http://schemas.openxmlformats.org/officeDocument/2006/relationships" xmlns:p="http://schemas.openxmlformats.org/presentationml/2006/main">
+  <p:cSld>
+    <p:spTree>
+      <p:nvGrpSpPr>
+        <p:cNvPr id="1" name=""/>
+        <p:cNvGrpSpPr/>
+        <p:nvPr/>
+      </p:nvGrpSpPr>
+      <p:grpSpPr>
+        <a:xfrm>
+          <a:off x="0" y="0"/>
+          <a:ext cx="0" cy="0"/>
+          <a:chOff x="0" y="0"/>
+          <a:chExt cx="0" cy="0"/>
+        </a:xfrm>
+      </p:grpSpPr>
+      <p:sp>
+        <p:nvSpPr>
+          <p:cNvPr id="2" name="Cím 1">
+            <a:extLst>
+              <a:ext uri="{FF2B5EF4-FFF2-40B4-BE49-F238E27FC236}">
+                <a16:creationId xmlns:a16="http://schemas.microsoft.com/office/drawing/2014/main" id="{E27B061F-FF24-4A93-AB74-DE949A9754C2}"/>
+              </a:ext>
+            </a:extLst>
+          </p:cNvPr>
+          <p:cNvSpPr>
+            <a:spLocks noGrp="1"/>
+          </p:cNvSpPr>
+          <p:nvPr>
+            <p:ph type="title"/>
+          </p:nvPr>
+        </p:nvSpPr>
+        <p:spPr>
+          <a:xfrm>
+            <a:off x="3881092" y="901028"/>
+            <a:ext cx="4239094" cy="728480"/>
+          </a:xfrm>
+        </p:spPr>
+        <p:txBody>
+          <a:bodyPr/>
+          <a:lstStyle/>
+          <a:p>
+            <a:r>
+              <a:rPr lang="hu-HU" dirty="0">
+                <a:latin typeface="Times New Roman" panose="02020603050405020304" pitchFamily="18" charset="0"/>
+                <a:cs typeface="Times New Roman" panose="02020603050405020304" pitchFamily="18" charset="0"/>
+              </a:rPr>
+              <a:t>Melyiket választjuk?</a:t>
+            </a:r>
+          </a:p>
+        </p:txBody>
+      </p:sp>
+      <p:sp>
+        <p:nvSpPr>
+          <p:cNvPr id="4" name="Szövegdoboz 3">
+            <a:extLst>
+              <a:ext uri="{FF2B5EF4-FFF2-40B4-BE49-F238E27FC236}">
+                <a16:creationId xmlns:a16="http://schemas.microsoft.com/office/drawing/2014/main" id="{1913C12F-5A39-4D2C-8714-D0FB574F2AE6}"/>
+              </a:ext>
+            </a:extLst>
+          </p:cNvPr>
+          <p:cNvSpPr txBox="1"/>
+          <p:nvPr/>
+        </p:nvSpPr>
+        <p:spPr>
+          <a:xfrm>
+            <a:off x="1958131" y="2586892"/>
+            <a:ext cx="8037746" cy="461665"/>
+          </a:xfrm>
+          <a:prstGeom prst="rect">
+            <a:avLst/>
+          </a:prstGeom>
+          <a:noFill/>
+        </p:spPr>
+        <p:txBody>
+          <a:bodyPr wrap="square" rtlCol="0">
+            <a:spAutoFit/>
+          </a:bodyPr>
+          <a:lstStyle/>
+          <a:p>
+            <a:r>
+              <a:rPr lang="hu-HU" sz="2400" dirty="0"/>
+              <a:t>Mi úgy döntöttünk, hogy a Windowst fogjuk használni</a:t>
+            </a:r>
+          </a:p>
+        </p:txBody>
+      </p:sp>
+      <p:sp>
+        <p:nvSpPr>
+          <p:cNvPr id="5" name="Szövegdoboz 4">
+            <a:extLst>
+              <a:ext uri="{FF2B5EF4-FFF2-40B4-BE49-F238E27FC236}">
+                <a16:creationId xmlns:a16="http://schemas.microsoft.com/office/drawing/2014/main" id="{A435F4B6-70D0-40A3-B221-73C9C3446454}"/>
+              </a:ext>
+            </a:extLst>
+          </p:cNvPr>
+          <p:cNvSpPr txBox="1"/>
+          <p:nvPr/>
+        </p:nvSpPr>
+        <p:spPr>
+          <a:xfrm>
+            <a:off x="628153" y="3568619"/>
+            <a:ext cx="2585135" cy="369332"/>
+          </a:xfrm>
+          <a:prstGeom prst="rect">
+            <a:avLst/>
+          </a:prstGeom>
+          <a:noFill/>
+        </p:spPr>
+        <p:txBody>
+          <a:bodyPr wrap="square" rtlCol="0">
+            <a:spAutoFit/>
+          </a:bodyPr>
+          <a:lstStyle/>
+          <a:p>
+            <a:r>
+              <a:rPr lang="hu-HU" dirty="0"/>
+              <a:t>Miért döntöttünk így:</a:t>
+            </a:r>
+          </a:p>
+        </p:txBody>
+      </p:sp>
+      <p:sp>
+        <p:nvSpPr>
+          <p:cNvPr id="6" name="Szövegdoboz 5">
+            <a:extLst>
+              <a:ext uri="{FF2B5EF4-FFF2-40B4-BE49-F238E27FC236}">
+                <a16:creationId xmlns:a16="http://schemas.microsoft.com/office/drawing/2014/main" id="{40E270E7-AE8C-4A45-B386-B7884EA513E9}"/>
+              </a:ext>
+            </a:extLst>
+          </p:cNvPr>
+          <p:cNvSpPr txBox="1"/>
+          <p:nvPr/>
+        </p:nvSpPr>
+        <p:spPr>
+          <a:xfrm>
+            <a:off x="3149600" y="4267200"/>
+            <a:ext cx="6025661" cy="646331"/>
+          </a:xfrm>
+          <a:prstGeom prst="rect">
+            <a:avLst/>
+          </a:prstGeom>
+          <a:noFill/>
+        </p:spPr>
+        <p:txBody>
+          <a:bodyPr wrap="square" rtlCol="0">
+            <a:spAutoFit/>
+          </a:bodyPr>
+          <a:lstStyle/>
+          <a:p>
+            <a:r>
+              <a:rPr lang="hu-HU" dirty="0"/>
+              <a:t>Eddig Windows 7-et használtak ezért nem szeretnénk egy teljesen új operációs rendszert eléjük adni</a:t>
+            </a:r>
+          </a:p>
+        </p:txBody>
+      </p:sp>
+    </p:spTree>
+    <p:extLst>
+      <p:ext uri="{BB962C8B-B14F-4D97-AF65-F5344CB8AC3E}">
+        <p14:creationId xmlns:p14="http://schemas.microsoft.com/office/powerpoint/2010/main" val="3939147534"/>
+      </p:ext>
+    </p:extLst>
+  </p:cSld>
+  <p:clrMapOvr>
+    <a:masterClrMapping/>
+  </p:clrMapOvr>
+  <mc:AlternateContent xmlns:mc="http://schemas.openxmlformats.org/markup-compatibility/2006">
+    <mc:Choice xmlns:p159="http://schemas.microsoft.com/office/powerpoint/2015/09/main" Requires="p159">
+      <p:transition xmlns:p14="http://schemas.microsoft.com/office/powerpoint/2010/main" spd="slow" p14:dur="4000" advClick="0" advTm="10000">
+        <p159:morph option="byObject"/>
+      </p:transition>
+    </mc:Choice>
+    <mc:Fallback>
+      <p:transition spd="slow" advClick="0" advTm="10000">
+        <p:fade/>
+      </p:transition>
+    </mc:Fallback>
+  </mc:AlternateContent>
+  <p:timing>
+    <p:tnLst>
+      <p:par>
+        <p:cTn id="1" dur="indefinite" restart="never" nodeType="tmRoot">
+          <p:childTnLst>
+            <p:seq concurrent="1" nextAc="seek">
+              <p:cTn id="2" dur="indefinite" nodeType="mainSeq">
+                <p:childTnLst>
+                  <p:par>
+                    <p:cTn id="3" fill="hold">
+                      <p:stCondLst>
+                        <p:cond delay="indefinite"/>
+                        <p:cond evt="onBegin" delay="0">
+                          <p:tn val="2"/>
+                        </p:cond>
+                      </p:stCondLst>
+                      <p:childTnLst>
                         <p:par>
-                          <p:cTn id="30" fill="hold">
+                          <p:cTn id="4" fill="hold">
                             <p:stCondLst>
-                              <p:cond delay="24000"/>
+                              <p:cond delay="0"/>
                             </p:stCondLst>
                             <p:childTnLst>
                               <p:par>
-                                <p:cTn id="31" presetID="2" presetClass="entr" presetSubtype="4" fill="hold" nodeType="afterEffect">
+                                <p:cTn id="5" presetID="16" presetClass="entr" presetSubtype="21" fill="hold" nodeType="afterEffect">
                                   <p:stCondLst>
-                                    <p:cond delay="3500"/>
+                                    <p:cond delay="1500"/>
                                   </p:stCondLst>
                                   <p:childTnLst>
                                     <p:set>
                                       <p:cBhvr>
-                                        <p:cTn id="32" dur="1" fill="hold">
+                                        <p:cTn id="6" dur="1" fill="hold">
                                           <p:stCondLst>
                                             <p:cond delay="0"/>
                                           </p:stCondLst>
                                         </p:cTn>
                                         <p:tgtEl>
-                                          <p:spTgt spid="9">
+                                          <p:spTgt spid="4">
                                             <p:txEl>
-                                              <p:pRg st="4" end="4"/>
+                                              <p:pRg st="0" end="0"/>
                                             </p:txEl>
                                           </p:spTgt>
                                         </p:tgtEl>
@@ -19359,60 +19036,286 @@
                                         <p:strVal val="visible"/>
                                       </p:to>
                                     </p:set>
-                                    <p:anim calcmode="lin" valueType="num">
-                                      <p:cBhvr additive="base">
-                                        <p:cTn id="33" dur="2000" fill="hold"/>
+                                    <p:animEffect transition="in" filter="barn(inVertical)">
+                                      <p:cBhvr>
+                                        <p:cTn id="7" dur="1500"/>
                                         <p:tgtEl>
-                                          <p:spTgt spid="9">
+                                          <p:spTgt spid="4">
                                             <p:txEl>
-                                              <p:pRg st="4" end="4"/>
+                                              <p:pRg st="0" end="0"/>
+                                            </p:txEl>
+                                          </p:spTgt>
+                                        </p:tgtEl>
+                                      </p:cBhvr>
+                                    </p:animEffect>
+                                  </p:childTnLst>
+                                </p:cTn>
+                              </p:par>
+                            </p:childTnLst>
+                          </p:cTn>
+                        </p:par>
+                        <p:par>
+                          <p:cTn id="8" fill="hold">
+                            <p:stCondLst>
+                              <p:cond delay="3000"/>
+                            </p:stCondLst>
+                            <p:childTnLst>
+                              <p:par>
+                                <p:cTn id="9" presetID="6" presetClass="entr" presetSubtype="16" fill="hold" nodeType="afterEffect">
+                                  <p:stCondLst>
+                                    <p:cond delay="1500"/>
+                                  </p:stCondLst>
+                                  <p:childTnLst>
+                                    <p:set>
+                                      <p:cBhvr>
+                                        <p:cTn id="10" dur="1" fill="hold">
+                                          <p:stCondLst>
+                                            <p:cond delay="0"/>
+                                          </p:stCondLst>
+                                        </p:cTn>
+                                        <p:tgtEl>
+                                          <p:spTgt spid="5">
+                                            <p:txEl>
+                                              <p:pRg st="0" end="0"/>
                                             </p:txEl>
                                           </p:spTgt>
                                         </p:tgtEl>
                                         <p:attrNameLst>
-                                          <p:attrName>ppt_x</p:attrName>
+                                          <p:attrName>style.visibility</p:attrName>
                                         </p:attrNameLst>
                                       </p:cBhvr>
-                                      <p:tavLst>
-                                        <p:tav tm="0">
-                                          <p:val>
-                                            <p:strVal val="#ppt_x"/>
-                                          </p:val>
-                                        </p:tav>
-                                        <p:tav tm="100000">
-                                          <p:val>
-                                            <p:strVal val="#ppt_x"/>
-                                          </p:val>
-                                        </p:tav>
-                                      </p:tavLst>
-                                    </p:anim>
-                                    <p:anim calcmode="lin" valueType="num">
-                                      <p:cBhvr additive="base">
-                                        <p:cTn id="34" dur="2000" fill="hold"/>
+                                      <p:to>
+                                        <p:strVal val="visible"/>
+                                      </p:to>
+                                    </p:set>
+                                    <p:animEffect transition="in" filter="circle(in)">
+                                      <p:cBhvr>
+                                        <p:cTn id="11" dur="2000"/>
                                         <p:tgtEl>
-                                          <p:spTgt spid="9">
+                                          <p:spTgt spid="5">
                                             <p:txEl>
-                                              <p:pRg st="4" end="4"/>
+                                              <p:pRg st="0" end="0"/>
+                                            </p:txEl>
+                                          </p:spTgt>
+                                        </p:tgtEl>
+                                      </p:cBhvr>
+                                    </p:animEffect>
+                                  </p:childTnLst>
+                                </p:cTn>
+                              </p:par>
+                            </p:childTnLst>
+                          </p:cTn>
+                        </p:par>
+                        <p:par>
+                          <p:cTn id="12" fill="hold">
+                            <p:stCondLst>
+                              <p:cond delay="6500"/>
+                            </p:stCondLst>
+                            <p:childTnLst>
+                              <p:par>
+                                <p:cTn id="13" presetID="22" presetClass="entr" presetSubtype="4" fill="hold" nodeType="afterEffect">
+                                  <p:stCondLst>
+                                    <p:cond delay="1600"/>
+                                  </p:stCondLst>
+                                  <p:childTnLst>
+                                    <p:set>
+                                      <p:cBhvr>
+                                        <p:cTn id="14" dur="1" fill="hold">
+                                          <p:stCondLst>
+                                            <p:cond delay="0"/>
+                                          </p:stCondLst>
+                                        </p:cTn>
+                                        <p:tgtEl>
+                                          <p:spTgt spid="6">
+                                            <p:txEl>
+                                              <p:pRg st="0" end="0"/>
                                             </p:txEl>
                                           </p:spTgt>
                                         </p:tgtEl>
                                         <p:attrNameLst>
-                                          <p:attrName>ppt_y</p:attrName>
+                                          <p:attrName>style.visibility</p:attrName>
                                         </p:attrNameLst>
                                       </p:cBhvr>
-                                      <p:tavLst>
-                                        <p:tav tm="0">
-                                          <p:val>
-                                            <p:strVal val="1+#ppt_h/2"/>
-                                          </p:val>
-                                        </p:tav>
-                                        <p:tav tm="100000">
-                                          <p:val>
-                                            <p:strVal val="#ppt_y"/>
-                                          </p:val>
-                                        </p:tav>
-                                      </p:tavLst>
-                                    </p:anim>
+                                      <p:to>
+                                        <p:strVal val="visible"/>
+                                      </p:to>
+                                    </p:set>
+                                    <p:animEffect transition="in" filter="wipe(down)">
+                                      <p:cBhvr>
+                                        <p:cTn id="15" dur="1500"/>
+                                        <p:tgtEl>
+                                          <p:spTgt spid="6">
+                                            <p:txEl>
+                                              <p:pRg st="0" end="0"/>
+                                            </p:txEl>
+                                          </p:spTgt>
+                                        </p:tgtEl>
+                                      </p:cBhvr>
+                                    </p:animEffect>
+                                  </p:childTnLst>
+                                </p:cTn>
+                              </p:par>
+                            </p:childTnLst>
+                          </p:cTn>
+                        </p:par>
+                      </p:childTnLst>
+                    </p:cTn>
+                  </p:par>
+                </p:childTnLst>
+              </p:cTn>
+              <p:prevCondLst>
+                <p:cond evt="onPrev" delay="0">
+                  <p:tgtEl>
+                    <p:sldTgt/>
+                  </p:tgtEl>
+                </p:cond>
+              </p:prevCondLst>
+              <p:nextCondLst>
+                <p:cond evt="onNext" delay="0">
+                  <p:tgtEl>
+                    <p:sldTgt/>
+                  </p:tgtEl>
+                </p:cond>
+              </p:nextCondLst>
+            </p:seq>
+          </p:childTnLst>
+        </p:cTn>
+      </p:par>
+    </p:tnLst>
+  </p:timing>
+</p:sld>
+</file>
+
+<file path=ppt/slides/slide7.xml><?xml version="1.0" encoding="utf-8"?>
+<p:sld xmlns:a="http://schemas.openxmlformats.org/drawingml/2006/main" xmlns:r="http://schemas.openxmlformats.org/officeDocument/2006/relationships" xmlns:p="http://schemas.openxmlformats.org/presentationml/2006/main">
+  <p:cSld>
+    <p:spTree>
+      <p:nvGrpSpPr>
+        <p:cNvPr id="1" name=""/>
+        <p:cNvGrpSpPr/>
+        <p:nvPr/>
+      </p:nvGrpSpPr>
+      <p:grpSpPr>
+        <a:xfrm>
+          <a:off x="0" y="0"/>
+          <a:ext cx="0" cy="0"/>
+          <a:chOff x="0" y="0"/>
+          <a:chExt cx="0" cy="0"/>
+        </a:xfrm>
+      </p:grpSpPr>
+      <p:sp>
+        <p:nvSpPr>
+          <p:cNvPr id="2" name="Cím 1">
+            <a:extLst>
+              <a:ext uri="{FF2B5EF4-FFF2-40B4-BE49-F238E27FC236}">
+                <a16:creationId xmlns:a16="http://schemas.microsoft.com/office/drawing/2014/main" id="{375AC77A-2729-4E99-B434-8B2A196EFEF1}"/>
+              </a:ext>
+            </a:extLst>
+          </p:cNvPr>
+          <p:cNvSpPr>
+            <a:spLocks noGrp="1"/>
+          </p:cNvSpPr>
+          <p:nvPr>
+            <p:ph type="ctrTitle"/>
+          </p:nvPr>
+        </p:nvSpPr>
+        <p:spPr>
+          <a:xfrm>
+            <a:off x="1954841" y="2856753"/>
+            <a:ext cx="8282317" cy="1144494"/>
+          </a:xfrm>
+        </p:spPr>
+        <p:txBody>
+          <a:bodyPr/>
+          <a:lstStyle/>
+          <a:p>
+            <a:r>
+              <a:rPr lang="hu-HU" dirty="0">
+                <a:latin typeface="Arial" panose="020B0604020202020204" pitchFamily="34" charset="0"/>
+                <a:cs typeface="Arial" panose="020B0604020202020204" pitchFamily="34" charset="0"/>
+              </a:rPr>
+              <a:t>Alkalmazottak bemutatása</a:t>
+            </a:r>
+          </a:p>
+        </p:txBody>
+      </p:sp>
+    </p:spTree>
+    <p:extLst>
+      <p:ext uri="{BB962C8B-B14F-4D97-AF65-F5344CB8AC3E}">
+        <p14:creationId xmlns:p14="http://schemas.microsoft.com/office/powerpoint/2010/main" val="3236403395"/>
+      </p:ext>
+    </p:extLst>
+  </p:cSld>
+  <p:clrMapOvr>
+    <a:masterClrMapping/>
+  </p:clrMapOvr>
+  <mc:AlternateContent xmlns:mc="http://schemas.openxmlformats.org/markup-compatibility/2006" xmlns:p14="http://schemas.microsoft.com/office/powerpoint/2010/main">
+    <mc:Choice Requires="p14">
+      <p:transition spd="slow" p14:dur="2000" advClick="0" advTm="7000">
+        <p:push dir="u"/>
+      </p:transition>
+    </mc:Choice>
+    <mc:Fallback xmlns="">
+      <p:transition spd="slow" advClick="0" advTm="7000">
+        <p:push dir="u"/>
+      </p:transition>
+    </mc:Fallback>
+  </mc:AlternateContent>
+  <p:timing>
+    <p:tnLst>
+      <p:par>
+        <p:cTn id="1" dur="indefinite" restart="never" nodeType="tmRoot">
+          <p:childTnLst>
+            <p:seq concurrent="1" nextAc="seek">
+              <p:cTn id="2" dur="indefinite" nodeType="mainSeq">
+                <p:childTnLst>
+                  <p:par>
+                    <p:cTn id="3" fill="hold">
+                      <p:stCondLst>
+                        <p:cond delay="indefinite"/>
+                        <p:cond evt="onBegin" delay="0">
+                          <p:tn val="2"/>
+                        </p:cond>
+                      </p:stCondLst>
+                      <p:childTnLst>
+                        <p:par>
+                          <p:cTn id="4" fill="hold">
+                            <p:stCondLst>
+                              <p:cond delay="0"/>
+                            </p:stCondLst>
+                            <p:childTnLst>
+                              <p:par>
+                                <p:cTn id="5" presetID="16" presetClass="entr" presetSubtype="21" fill="hold" grpId="0" nodeType="afterEffect">
+                                  <p:stCondLst>
+                                    <p:cond delay="0"/>
+                                  </p:stCondLst>
+                                  <p:childTnLst>
+                                    <p:set>
+                                      <p:cBhvr>
+                                        <p:cTn id="6" dur="1" fill="hold">
+                                          <p:stCondLst>
+                                            <p:cond delay="0"/>
+                                          </p:stCondLst>
+                                        </p:cTn>
+                                        <p:tgtEl>
+                                          <p:spTgt spid="2"/>
+                                        </p:tgtEl>
+                                        <p:attrNameLst>
+                                          <p:attrName>style.visibility</p:attrName>
+                                        </p:attrNameLst>
+                                      </p:cBhvr>
+                                      <p:to>
+                                        <p:strVal val="visible"/>
+                                      </p:to>
+                                    </p:set>
+                                    <p:animEffect transition="in" filter="barn(inVertical)">
+                                      <p:cBhvr>
+                                        <p:cTn id="7" dur="500"/>
+                                        <p:tgtEl>
+                                          <p:spTgt spid="2"/>
+                                        </p:tgtEl>
+                                      </p:cBhvr>
+                                    </p:animEffect>
                                   </p:childTnLst>
                                 </p:cTn>
                               </p:par>
@@ -19472,7 +19375,7 @@
           <p:cNvPr id="2" name="Cím 1">
             <a:extLst>
               <a:ext uri="{FF2B5EF4-FFF2-40B4-BE49-F238E27FC236}">
-                <a16:creationId xmlns:a16="http://schemas.microsoft.com/office/drawing/2014/main" id="{91551393-DA40-4515-A498-9A7EECEA3A50}"/>
+                <a16:creationId xmlns:a16="http://schemas.microsoft.com/office/drawing/2014/main" id="{1E414171-F71E-4146-8F43-02E9686A5FFA}"/>
               </a:ext>
             </a:extLst>
           </p:cNvPr>
@@ -19480,48 +19383,1809 @@
             <a:spLocks noGrp="1"/>
           </p:cNvSpPr>
           <p:nvPr>
-            <p:ph type="ctrTitle"/>
+            <p:ph type="title"/>
           </p:nvPr>
         </p:nvSpPr>
         <p:spPr>
           <a:xfrm>
-            <a:off x="2224908" y="2955078"/>
-            <a:ext cx="7742183" cy="947843"/>
+            <a:off x="1009173" y="511093"/>
+            <a:ext cx="4726861" cy="1045859"/>
           </a:xfrm>
         </p:spPr>
         <p:txBody>
           <a:bodyPr/>
           <a:lstStyle/>
           <a:p>
+            <a:pPr algn="ctr"/>
             <a:r>
-              <a:rPr lang="hu-HU" dirty="0"/>
-              <a:t>Köszönöm a figyelmet!</a:t>
+              <a:rPr lang="hu-HU" dirty="0">
+                <a:latin typeface="Arial" panose="020B0604020202020204" pitchFamily="34" charset="0"/>
+                <a:cs typeface="Arial" panose="020B0604020202020204" pitchFamily="34" charset="0"/>
+              </a:rPr>
+              <a:t>Mikuska Péter</a:t>
             </a:r>
+          </a:p>
+        </p:txBody>
+      </p:sp>
+      <p:pic>
+        <p:nvPicPr>
+          <p:cNvPr id="5" name="Kép 4">
+            <a:extLst>
+              <a:ext uri="{FF2B5EF4-FFF2-40B4-BE49-F238E27FC236}">
+                <a16:creationId xmlns:a16="http://schemas.microsoft.com/office/drawing/2014/main" id="{C713BD73-F6EC-41FC-955E-620820B0F989}"/>
+              </a:ext>
+            </a:extLst>
+          </p:cNvPr>
+          <p:cNvPicPr>
+            <a:picLocks noChangeAspect="1"/>
+          </p:cNvPicPr>
+          <p:nvPr/>
+        </p:nvPicPr>
+        <p:blipFill>
+          <a:blip r:embed="rId2"/>
+          <a:stretch>
+            <a:fillRect/>
+          </a:stretch>
+        </p:blipFill>
+        <p:spPr>
+          <a:xfrm rot="5400000">
+            <a:off x="1329905" y="1881272"/>
+            <a:ext cx="4085399" cy="3667417"/>
+          </a:xfrm>
+          <a:prstGeom prst="rect">
+            <a:avLst/>
+          </a:prstGeom>
+        </p:spPr>
+      </p:pic>
+      <p:sp>
+        <p:nvSpPr>
+          <p:cNvPr id="8" name="Szövegdoboz 7">
+            <a:extLst>
+              <a:ext uri="{FF2B5EF4-FFF2-40B4-BE49-F238E27FC236}">
+                <a16:creationId xmlns:a16="http://schemas.microsoft.com/office/drawing/2014/main" id="{5972B9EA-3509-474E-9878-124B982AE7A5}"/>
+              </a:ext>
+            </a:extLst>
+          </p:cNvPr>
+          <p:cNvSpPr txBox="1"/>
+          <p:nvPr/>
+        </p:nvSpPr>
+        <p:spPr>
+          <a:xfrm>
+            <a:off x="7156186" y="1874728"/>
+            <a:ext cx="4912248" cy="3539430"/>
+          </a:xfrm>
+          <a:prstGeom prst="rect">
+            <a:avLst/>
+          </a:prstGeom>
+          <a:noFill/>
+        </p:spPr>
+        <p:txBody>
+          <a:bodyPr wrap="square" rtlCol="0">
+            <a:spAutoFit/>
+          </a:bodyPr>
+          <a:lstStyle/>
+          <a:p>
+            <a:pPr marL="457200" indent="-457200">
+              <a:buFont typeface="Century Gothic" panose="020B0502020202020204" pitchFamily="34" charset="0"/>
+              <a:buChar char="–"/>
+            </a:pPr>
+            <a:r>
+              <a:rPr lang="hu-HU" sz="2800" dirty="0">
+                <a:latin typeface="Arial" panose="020B0604020202020204" pitchFamily="34" charset="0"/>
+                <a:cs typeface="Arial" panose="020B0604020202020204" pitchFamily="34" charset="0"/>
+              </a:rPr>
+              <a:t>16 éves </a:t>
+            </a:r>
+          </a:p>
+          <a:p>
+            <a:pPr marL="457200" indent="-457200">
+              <a:buFont typeface="Century Gothic" panose="020B0502020202020204" pitchFamily="34" charset="0"/>
+              <a:buChar char="–"/>
+            </a:pPr>
+            <a:r>
+              <a:rPr lang="hu-HU" sz="2800" dirty="0">
+                <a:latin typeface="Arial" panose="020B0604020202020204" pitchFamily="34" charset="0"/>
+                <a:cs typeface="Arial" panose="020B0604020202020204" pitchFamily="34" charset="0"/>
+              </a:rPr>
+              <a:t>2 éve informatikát tanul</a:t>
+            </a:r>
+          </a:p>
+          <a:p>
+            <a:pPr marL="457200" indent="-457200">
+              <a:buFont typeface="Century Gothic" panose="020B0502020202020204" pitchFamily="34" charset="0"/>
+              <a:buChar char="–"/>
+            </a:pPr>
+            <a:r>
+              <a:rPr lang="hu-HU" sz="2800" dirty="0">
+                <a:latin typeface="Arial" panose="020B0604020202020204" pitchFamily="34" charset="0"/>
+                <a:cs typeface="Arial" panose="020B0604020202020204" pitchFamily="34" charset="0"/>
+              </a:rPr>
+              <a:t>Több éves gyakorlat</a:t>
+            </a:r>
+          </a:p>
+          <a:p>
+            <a:pPr marL="457200" indent="-457200">
+              <a:buFont typeface="Century Gothic" panose="020B0502020202020204" pitchFamily="34" charset="0"/>
+              <a:buChar char="–"/>
+            </a:pPr>
+            <a:r>
+              <a:rPr lang="hu-HU" sz="2800" dirty="0">
+                <a:latin typeface="Arial" panose="020B0604020202020204" pitchFamily="34" charset="0"/>
+                <a:cs typeface="Arial" panose="020B0604020202020204" pitchFamily="34" charset="0"/>
+              </a:rPr>
+              <a:t>Segítőkész</a:t>
+            </a:r>
+          </a:p>
+          <a:p>
+            <a:pPr marL="457200" indent="-457200">
+              <a:buFont typeface="Century Gothic" panose="020B0502020202020204" pitchFamily="34" charset="0"/>
+              <a:buChar char="–"/>
+            </a:pPr>
+            <a:r>
+              <a:rPr lang="hu-HU" sz="2800" dirty="0">
+                <a:latin typeface="Arial" panose="020B0604020202020204" pitchFamily="34" charset="0"/>
+                <a:cs typeface="Arial" panose="020B0604020202020204" pitchFamily="34" charset="0"/>
+              </a:rPr>
+              <a:t>Szakember</a:t>
+            </a:r>
+          </a:p>
+          <a:p>
+            <a:pPr marL="457200" indent="-457200">
+              <a:buFont typeface="Century Gothic" panose="020B0502020202020204" pitchFamily="34" charset="0"/>
+              <a:buChar char="–"/>
+            </a:pPr>
+            <a:r>
+              <a:rPr lang="hu-HU" sz="2800" dirty="0">
+                <a:latin typeface="Arial" panose="020B0604020202020204" pitchFamily="34" charset="0"/>
+                <a:cs typeface="Arial" panose="020B0604020202020204" pitchFamily="34" charset="0"/>
+              </a:rPr>
+              <a:t>Olcsó munkaerő</a:t>
+            </a:r>
+          </a:p>
+          <a:p>
+            <a:endParaRPr lang="hu-HU" sz="2800" dirty="0"/>
+          </a:p>
+          <a:p>
+            <a:pPr marL="457200" indent="-457200">
+              <a:buFont typeface="Arial" panose="020B0604020202020204" pitchFamily="34" charset="0"/>
+              <a:buChar char="•"/>
+            </a:pPr>
+            <a:endParaRPr lang="hu-HU" sz="2800" dirty="0"/>
+          </a:p>
+        </p:txBody>
+      </p:sp>
+      <p:sp>
+        <p:nvSpPr>
+          <p:cNvPr id="3" name="Szövegdoboz 2">
+            <a:extLst>
+              <a:ext uri="{FF2B5EF4-FFF2-40B4-BE49-F238E27FC236}">
+                <a16:creationId xmlns:a16="http://schemas.microsoft.com/office/drawing/2014/main" id="{AE30C31E-5848-4604-A248-C93FD43355A7}"/>
+              </a:ext>
+            </a:extLst>
+          </p:cNvPr>
+          <p:cNvSpPr txBox="1"/>
+          <p:nvPr/>
+        </p:nvSpPr>
+        <p:spPr>
+          <a:xfrm>
+            <a:off x="4823012" y="3218329"/>
+            <a:ext cx="184731" cy="369332"/>
+          </a:xfrm>
+          <a:prstGeom prst="rect">
+            <a:avLst/>
+          </a:prstGeom>
+          <a:noFill/>
+        </p:spPr>
+        <p:txBody>
+          <a:bodyPr wrap="none" rtlCol="0">
+            <a:spAutoFit/>
+          </a:bodyPr>
+          <a:lstStyle/>
+          <a:p>
+            <a:endParaRPr lang="hu-HU" dirty="0"/>
           </a:p>
         </p:txBody>
       </p:sp>
     </p:spTree>
     <p:extLst>
       <p:ext uri="{BB962C8B-B14F-4D97-AF65-F5344CB8AC3E}">
-        <p14:creationId xmlns:p14="http://schemas.microsoft.com/office/powerpoint/2010/main" val="2083122850"/>
+        <p14:creationId xmlns:p14="http://schemas.microsoft.com/office/powerpoint/2010/main" val="1633813555"/>
       </p:ext>
     </p:extLst>
   </p:cSld>
   <p:clrMapOvr>
     <a:masterClrMapping/>
   </p:clrMapOvr>
-  <mc:AlternateContent xmlns:mc="http://schemas.openxmlformats.org/markup-compatibility/2006" xmlns:p14="http://schemas.microsoft.com/office/powerpoint/2010/main">
-    <mc:Choice Requires="p14">
-      <p:transition spd="slow" p14:dur="2000" advClick="0" advTm="3000">
-        <p:push dir="u"/>
+  <mc:AlternateContent xmlns:mc="http://schemas.openxmlformats.org/markup-compatibility/2006">
+    <mc:Choice xmlns:p14="http://schemas.microsoft.com/office/powerpoint/2010/main" Requires="p14">
+      <p:transition spd="slow" p14:dur="1250" advClick="0" advTm="3000">
+        <p14:switch dir="r"/>
       </p:transition>
     </mc:Choice>
-    <mc:Fallback xmlns="">
+    <mc:Fallback>
       <p:transition spd="slow" advClick="0" advTm="3000">
-        <p:push dir="u"/>
+        <p:fade/>
       </p:transition>
     </mc:Fallback>
   </mc:AlternateContent>
+  <p:timing>
+    <p:tnLst>
+      <p:par>
+        <p:cTn id="1" dur="indefinite" restart="never" nodeType="tmRoot">
+          <p:childTnLst>
+            <p:seq concurrent="1" nextAc="seek">
+              <p:cTn id="2" dur="indefinite" nodeType="mainSeq">
+                <p:childTnLst>
+                  <p:par>
+                    <p:cTn id="3" fill="hold">
+                      <p:stCondLst>
+                        <p:cond delay="indefinite"/>
+                        <p:cond evt="onBegin" delay="0">
+                          <p:tn val="2"/>
+                        </p:cond>
+                      </p:stCondLst>
+                      <p:childTnLst>
+                        <p:par>
+                          <p:cTn id="4" fill="hold">
+                            <p:stCondLst>
+                              <p:cond delay="0"/>
+                            </p:stCondLst>
+                            <p:childTnLst>
+                              <p:par>
+                                <p:cTn id="5" presetID="42" presetClass="entr" presetSubtype="0" fill="hold" grpId="0" nodeType="afterEffect">
+                                  <p:stCondLst>
+                                    <p:cond delay="1500"/>
+                                  </p:stCondLst>
+                                  <p:childTnLst>
+                                    <p:set>
+                                      <p:cBhvr>
+                                        <p:cTn id="6" dur="1" fill="hold">
+                                          <p:stCondLst>
+                                            <p:cond delay="0"/>
+                                          </p:stCondLst>
+                                        </p:cTn>
+                                        <p:tgtEl>
+                                          <p:spTgt spid="2"/>
+                                        </p:tgtEl>
+                                        <p:attrNameLst>
+                                          <p:attrName>style.visibility</p:attrName>
+                                        </p:attrNameLst>
+                                      </p:cBhvr>
+                                      <p:to>
+                                        <p:strVal val="visible"/>
+                                      </p:to>
+                                    </p:set>
+                                    <p:animEffect transition="in" filter="fade">
+                                      <p:cBhvr>
+                                        <p:cTn id="7" dur="1500"/>
+                                        <p:tgtEl>
+                                          <p:spTgt spid="2"/>
+                                        </p:tgtEl>
+                                      </p:cBhvr>
+                                    </p:animEffect>
+                                    <p:anim calcmode="lin" valueType="num">
+                                      <p:cBhvr>
+                                        <p:cTn id="8" dur="1500" fill="hold"/>
+                                        <p:tgtEl>
+                                          <p:spTgt spid="2"/>
+                                        </p:tgtEl>
+                                        <p:attrNameLst>
+                                          <p:attrName>ppt_x</p:attrName>
+                                        </p:attrNameLst>
+                                      </p:cBhvr>
+                                      <p:tavLst>
+                                        <p:tav tm="0">
+                                          <p:val>
+                                            <p:strVal val="#ppt_x"/>
+                                          </p:val>
+                                        </p:tav>
+                                        <p:tav tm="100000">
+                                          <p:val>
+                                            <p:strVal val="#ppt_x"/>
+                                          </p:val>
+                                        </p:tav>
+                                      </p:tavLst>
+                                    </p:anim>
+                                    <p:anim calcmode="lin" valueType="num">
+                                      <p:cBhvr>
+                                        <p:cTn id="9" dur="1500" fill="hold"/>
+                                        <p:tgtEl>
+                                          <p:spTgt spid="2"/>
+                                        </p:tgtEl>
+                                        <p:attrNameLst>
+                                          <p:attrName>ppt_y</p:attrName>
+                                        </p:attrNameLst>
+                                      </p:cBhvr>
+                                      <p:tavLst>
+                                        <p:tav tm="0">
+                                          <p:val>
+                                            <p:strVal val="#ppt_y+.1"/>
+                                          </p:val>
+                                        </p:tav>
+                                        <p:tav tm="100000">
+                                          <p:val>
+                                            <p:strVal val="#ppt_y"/>
+                                          </p:val>
+                                        </p:tav>
+                                      </p:tavLst>
+                                    </p:anim>
+                                  </p:childTnLst>
+                                </p:cTn>
+                              </p:par>
+                            </p:childTnLst>
+                          </p:cTn>
+                        </p:par>
+                        <p:par>
+                          <p:cTn id="10" fill="hold">
+                            <p:stCondLst>
+                              <p:cond delay="3000"/>
+                            </p:stCondLst>
+                            <p:childTnLst>
+                              <p:par>
+                                <p:cTn id="11" presetID="42" presetClass="entr" presetSubtype="0" fill="hold" nodeType="afterEffect">
+                                  <p:stCondLst>
+                                    <p:cond delay="500"/>
+                                  </p:stCondLst>
+                                  <p:childTnLst>
+                                    <p:set>
+                                      <p:cBhvr>
+                                        <p:cTn id="12" dur="1" fill="hold">
+                                          <p:stCondLst>
+                                            <p:cond delay="0"/>
+                                          </p:stCondLst>
+                                        </p:cTn>
+                                        <p:tgtEl>
+                                          <p:spTgt spid="5"/>
+                                        </p:tgtEl>
+                                        <p:attrNameLst>
+                                          <p:attrName>style.visibility</p:attrName>
+                                        </p:attrNameLst>
+                                      </p:cBhvr>
+                                      <p:to>
+                                        <p:strVal val="visible"/>
+                                      </p:to>
+                                    </p:set>
+                                    <p:animEffect transition="in" filter="fade">
+                                      <p:cBhvr>
+                                        <p:cTn id="13" dur="1500"/>
+                                        <p:tgtEl>
+                                          <p:spTgt spid="5"/>
+                                        </p:tgtEl>
+                                      </p:cBhvr>
+                                    </p:animEffect>
+                                    <p:anim calcmode="lin" valueType="num">
+                                      <p:cBhvr>
+                                        <p:cTn id="14" dur="1500" fill="hold"/>
+                                        <p:tgtEl>
+                                          <p:spTgt spid="5"/>
+                                        </p:tgtEl>
+                                        <p:attrNameLst>
+                                          <p:attrName>ppt_x</p:attrName>
+                                        </p:attrNameLst>
+                                      </p:cBhvr>
+                                      <p:tavLst>
+                                        <p:tav tm="0">
+                                          <p:val>
+                                            <p:strVal val="#ppt_x"/>
+                                          </p:val>
+                                        </p:tav>
+                                        <p:tav tm="100000">
+                                          <p:val>
+                                            <p:strVal val="#ppt_x"/>
+                                          </p:val>
+                                        </p:tav>
+                                      </p:tavLst>
+                                    </p:anim>
+                                    <p:anim calcmode="lin" valueType="num">
+                                      <p:cBhvr>
+                                        <p:cTn id="15" dur="1500" fill="hold"/>
+                                        <p:tgtEl>
+                                          <p:spTgt spid="5"/>
+                                        </p:tgtEl>
+                                        <p:attrNameLst>
+                                          <p:attrName>ppt_y</p:attrName>
+                                        </p:attrNameLst>
+                                      </p:cBhvr>
+                                      <p:tavLst>
+                                        <p:tav tm="0">
+                                          <p:val>
+                                            <p:strVal val="#ppt_y+.1"/>
+                                          </p:val>
+                                        </p:tav>
+                                        <p:tav tm="100000">
+                                          <p:val>
+                                            <p:strVal val="#ppt_y"/>
+                                          </p:val>
+                                        </p:tav>
+                                      </p:tavLst>
+                                    </p:anim>
+                                  </p:childTnLst>
+                                </p:cTn>
+                              </p:par>
+                            </p:childTnLst>
+                          </p:cTn>
+                        </p:par>
+                        <p:par>
+                          <p:cTn id="16" fill="hold">
+                            <p:stCondLst>
+                              <p:cond delay="5000"/>
+                            </p:stCondLst>
+                            <p:childTnLst>
+                              <p:par>
+                                <p:cTn id="17" presetID="2" presetClass="entr" presetSubtype="4" fill="hold" nodeType="afterEffect">
+                                  <p:stCondLst>
+                                    <p:cond delay="1000"/>
+                                  </p:stCondLst>
+                                  <p:childTnLst>
+                                    <p:set>
+                                      <p:cBhvr>
+                                        <p:cTn id="18" dur="1" fill="hold">
+                                          <p:stCondLst>
+                                            <p:cond delay="0"/>
+                                          </p:stCondLst>
+                                        </p:cTn>
+                                        <p:tgtEl>
+                                          <p:spTgt spid="8">
+                                            <p:txEl>
+                                              <p:pRg st="0" end="0"/>
+                                            </p:txEl>
+                                          </p:spTgt>
+                                        </p:tgtEl>
+                                        <p:attrNameLst>
+                                          <p:attrName>style.visibility</p:attrName>
+                                        </p:attrNameLst>
+                                      </p:cBhvr>
+                                      <p:to>
+                                        <p:strVal val="visible"/>
+                                      </p:to>
+                                    </p:set>
+                                    <p:anim calcmode="lin" valueType="num">
+                                      <p:cBhvr additive="base">
+                                        <p:cTn id="19" dur="1000" fill="hold"/>
+                                        <p:tgtEl>
+                                          <p:spTgt spid="8">
+                                            <p:txEl>
+                                              <p:pRg st="0" end="0"/>
+                                            </p:txEl>
+                                          </p:spTgt>
+                                        </p:tgtEl>
+                                        <p:attrNameLst>
+                                          <p:attrName>ppt_x</p:attrName>
+                                        </p:attrNameLst>
+                                      </p:cBhvr>
+                                      <p:tavLst>
+                                        <p:tav tm="0">
+                                          <p:val>
+                                            <p:strVal val="#ppt_x"/>
+                                          </p:val>
+                                        </p:tav>
+                                        <p:tav tm="100000">
+                                          <p:val>
+                                            <p:strVal val="#ppt_x"/>
+                                          </p:val>
+                                        </p:tav>
+                                      </p:tavLst>
+                                    </p:anim>
+                                    <p:anim calcmode="lin" valueType="num">
+                                      <p:cBhvr additive="base">
+                                        <p:cTn id="20" dur="1000" fill="hold"/>
+                                        <p:tgtEl>
+                                          <p:spTgt spid="8">
+                                            <p:txEl>
+                                              <p:pRg st="0" end="0"/>
+                                            </p:txEl>
+                                          </p:spTgt>
+                                        </p:tgtEl>
+                                        <p:attrNameLst>
+                                          <p:attrName>ppt_y</p:attrName>
+                                        </p:attrNameLst>
+                                      </p:cBhvr>
+                                      <p:tavLst>
+                                        <p:tav tm="0">
+                                          <p:val>
+                                            <p:strVal val="1+#ppt_h/2"/>
+                                          </p:val>
+                                        </p:tav>
+                                        <p:tav tm="100000">
+                                          <p:val>
+                                            <p:strVal val="#ppt_y"/>
+                                          </p:val>
+                                        </p:tav>
+                                      </p:tavLst>
+                                    </p:anim>
+                                  </p:childTnLst>
+                                </p:cTn>
+                              </p:par>
+                            </p:childTnLst>
+                          </p:cTn>
+                        </p:par>
+                        <p:par>
+                          <p:cTn id="21" fill="hold">
+                            <p:stCondLst>
+                              <p:cond delay="7000"/>
+                            </p:stCondLst>
+                            <p:childTnLst>
+                              <p:par>
+                                <p:cTn id="22" presetID="2" presetClass="entr" presetSubtype="4" fill="hold" nodeType="afterEffect">
+                                  <p:stCondLst>
+                                    <p:cond delay="2000"/>
+                                  </p:stCondLst>
+                                  <p:childTnLst>
+                                    <p:set>
+                                      <p:cBhvr>
+                                        <p:cTn id="23" dur="1" fill="hold">
+                                          <p:stCondLst>
+                                            <p:cond delay="0"/>
+                                          </p:stCondLst>
+                                        </p:cTn>
+                                        <p:tgtEl>
+                                          <p:spTgt spid="8">
+                                            <p:txEl>
+                                              <p:pRg st="1" end="1"/>
+                                            </p:txEl>
+                                          </p:spTgt>
+                                        </p:tgtEl>
+                                        <p:attrNameLst>
+                                          <p:attrName>style.visibility</p:attrName>
+                                        </p:attrNameLst>
+                                      </p:cBhvr>
+                                      <p:to>
+                                        <p:strVal val="visible"/>
+                                      </p:to>
+                                    </p:set>
+                                    <p:anim calcmode="lin" valueType="num">
+                                      <p:cBhvr additive="base">
+                                        <p:cTn id="24" dur="1000" fill="hold"/>
+                                        <p:tgtEl>
+                                          <p:spTgt spid="8">
+                                            <p:txEl>
+                                              <p:pRg st="1" end="1"/>
+                                            </p:txEl>
+                                          </p:spTgt>
+                                        </p:tgtEl>
+                                        <p:attrNameLst>
+                                          <p:attrName>ppt_x</p:attrName>
+                                        </p:attrNameLst>
+                                      </p:cBhvr>
+                                      <p:tavLst>
+                                        <p:tav tm="0">
+                                          <p:val>
+                                            <p:strVal val="#ppt_x"/>
+                                          </p:val>
+                                        </p:tav>
+                                        <p:tav tm="100000">
+                                          <p:val>
+                                            <p:strVal val="#ppt_x"/>
+                                          </p:val>
+                                        </p:tav>
+                                      </p:tavLst>
+                                    </p:anim>
+                                    <p:anim calcmode="lin" valueType="num">
+                                      <p:cBhvr additive="base">
+                                        <p:cTn id="25" dur="1000" fill="hold"/>
+                                        <p:tgtEl>
+                                          <p:spTgt spid="8">
+                                            <p:txEl>
+                                              <p:pRg st="1" end="1"/>
+                                            </p:txEl>
+                                          </p:spTgt>
+                                        </p:tgtEl>
+                                        <p:attrNameLst>
+                                          <p:attrName>ppt_y</p:attrName>
+                                        </p:attrNameLst>
+                                      </p:cBhvr>
+                                      <p:tavLst>
+                                        <p:tav tm="0">
+                                          <p:val>
+                                            <p:strVal val="1+#ppt_h/2"/>
+                                          </p:val>
+                                        </p:tav>
+                                        <p:tav tm="100000">
+                                          <p:val>
+                                            <p:strVal val="#ppt_y"/>
+                                          </p:val>
+                                        </p:tav>
+                                      </p:tavLst>
+                                    </p:anim>
+                                  </p:childTnLst>
+                                </p:cTn>
+                              </p:par>
+                            </p:childTnLst>
+                          </p:cTn>
+                        </p:par>
+                        <p:par>
+                          <p:cTn id="26" fill="hold">
+                            <p:stCondLst>
+                              <p:cond delay="10000"/>
+                            </p:stCondLst>
+                            <p:childTnLst>
+                              <p:par>
+                                <p:cTn id="27" presetID="2" presetClass="entr" presetSubtype="4" fill="hold" nodeType="afterEffect">
+                                  <p:stCondLst>
+                                    <p:cond delay="2000"/>
+                                  </p:stCondLst>
+                                  <p:childTnLst>
+                                    <p:set>
+                                      <p:cBhvr>
+                                        <p:cTn id="28" dur="1" fill="hold">
+                                          <p:stCondLst>
+                                            <p:cond delay="0"/>
+                                          </p:stCondLst>
+                                        </p:cTn>
+                                        <p:tgtEl>
+                                          <p:spTgt spid="8">
+                                            <p:txEl>
+                                              <p:pRg st="2" end="2"/>
+                                            </p:txEl>
+                                          </p:spTgt>
+                                        </p:tgtEl>
+                                        <p:attrNameLst>
+                                          <p:attrName>style.visibility</p:attrName>
+                                        </p:attrNameLst>
+                                      </p:cBhvr>
+                                      <p:to>
+                                        <p:strVal val="visible"/>
+                                      </p:to>
+                                    </p:set>
+                                    <p:anim calcmode="lin" valueType="num">
+                                      <p:cBhvr additive="base">
+                                        <p:cTn id="29" dur="1000" fill="hold"/>
+                                        <p:tgtEl>
+                                          <p:spTgt spid="8">
+                                            <p:txEl>
+                                              <p:pRg st="2" end="2"/>
+                                            </p:txEl>
+                                          </p:spTgt>
+                                        </p:tgtEl>
+                                        <p:attrNameLst>
+                                          <p:attrName>ppt_x</p:attrName>
+                                        </p:attrNameLst>
+                                      </p:cBhvr>
+                                      <p:tavLst>
+                                        <p:tav tm="0">
+                                          <p:val>
+                                            <p:strVal val="#ppt_x"/>
+                                          </p:val>
+                                        </p:tav>
+                                        <p:tav tm="100000">
+                                          <p:val>
+                                            <p:strVal val="#ppt_x"/>
+                                          </p:val>
+                                        </p:tav>
+                                      </p:tavLst>
+                                    </p:anim>
+                                    <p:anim calcmode="lin" valueType="num">
+                                      <p:cBhvr additive="base">
+                                        <p:cTn id="30" dur="1000" fill="hold"/>
+                                        <p:tgtEl>
+                                          <p:spTgt spid="8">
+                                            <p:txEl>
+                                              <p:pRg st="2" end="2"/>
+                                            </p:txEl>
+                                          </p:spTgt>
+                                        </p:tgtEl>
+                                        <p:attrNameLst>
+                                          <p:attrName>ppt_y</p:attrName>
+                                        </p:attrNameLst>
+                                      </p:cBhvr>
+                                      <p:tavLst>
+                                        <p:tav tm="0">
+                                          <p:val>
+                                            <p:strVal val="1+#ppt_h/2"/>
+                                          </p:val>
+                                        </p:tav>
+                                        <p:tav tm="100000">
+                                          <p:val>
+                                            <p:strVal val="#ppt_y"/>
+                                          </p:val>
+                                        </p:tav>
+                                      </p:tavLst>
+                                    </p:anim>
+                                  </p:childTnLst>
+                                </p:cTn>
+                              </p:par>
+                            </p:childTnLst>
+                          </p:cTn>
+                        </p:par>
+                        <p:par>
+                          <p:cTn id="31" fill="hold">
+                            <p:stCondLst>
+                              <p:cond delay="13000"/>
+                            </p:stCondLst>
+                            <p:childTnLst>
+                              <p:par>
+                                <p:cTn id="32" presetID="2" presetClass="entr" presetSubtype="4" fill="hold" nodeType="afterEffect">
+                                  <p:stCondLst>
+                                    <p:cond delay="2000"/>
+                                  </p:stCondLst>
+                                  <p:childTnLst>
+                                    <p:set>
+                                      <p:cBhvr>
+                                        <p:cTn id="33" dur="1" fill="hold">
+                                          <p:stCondLst>
+                                            <p:cond delay="0"/>
+                                          </p:stCondLst>
+                                        </p:cTn>
+                                        <p:tgtEl>
+                                          <p:spTgt spid="8">
+                                            <p:txEl>
+                                              <p:pRg st="3" end="3"/>
+                                            </p:txEl>
+                                          </p:spTgt>
+                                        </p:tgtEl>
+                                        <p:attrNameLst>
+                                          <p:attrName>style.visibility</p:attrName>
+                                        </p:attrNameLst>
+                                      </p:cBhvr>
+                                      <p:to>
+                                        <p:strVal val="visible"/>
+                                      </p:to>
+                                    </p:set>
+                                    <p:anim calcmode="lin" valueType="num">
+                                      <p:cBhvr additive="base">
+                                        <p:cTn id="34" dur="1000" fill="hold"/>
+                                        <p:tgtEl>
+                                          <p:spTgt spid="8">
+                                            <p:txEl>
+                                              <p:pRg st="3" end="3"/>
+                                            </p:txEl>
+                                          </p:spTgt>
+                                        </p:tgtEl>
+                                        <p:attrNameLst>
+                                          <p:attrName>ppt_x</p:attrName>
+                                        </p:attrNameLst>
+                                      </p:cBhvr>
+                                      <p:tavLst>
+                                        <p:tav tm="0">
+                                          <p:val>
+                                            <p:strVal val="#ppt_x"/>
+                                          </p:val>
+                                        </p:tav>
+                                        <p:tav tm="100000">
+                                          <p:val>
+                                            <p:strVal val="#ppt_x"/>
+                                          </p:val>
+                                        </p:tav>
+                                      </p:tavLst>
+                                    </p:anim>
+                                    <p:anim calcmode="lin" valueType="num">
+                                      <p:cBhvr additive="base">
+                                        <p:cTn id="35" dur="1000" fill="hold"/>
+                                        <p:tgtEl>
+                                          <p:spTgt spid="8">
+                                            <p:txEl>
+                                              <p:pRg st="3" end="3"/>
+                                            </p:txEl>
+                                          </p:spTgt>
+                                        </p:tgtEl>
+                                        <p:attrNameLst>
+                                          <p:attrName>ppt_y</p:attrName>
+                                        </p:attrNameLst>
+                                      </p:cBhvr>
+                                      <p:tavLst>
+                                        <p:tav tm="0">
+                                          <p:val>
+                                            <p:strVal val="1+#ppt_h/2"/>
+                                          </p:val>
+                                        </p:tav>
+                                        <p:tav tm="100000">
+                                          <p:val>
+                                            <p:strVal val="#ppt_y"/>
+                                          </p:val>
+                                        </p:tav>
+                                      </p:tavLst>
+                                    </p:anim>
+                                  </p:childTnLst>
+                                </p:cTn>
+                              </p:par>
+                            </p:childTnLst>
+                          </p:cTn>
+                        </p:par>
+                        <p:par>
+                          <p:cTn id="36" fill="hold">
+                            <p:stCondLst>
+                              <p:cond delay="16000"/>
+                            </p:stCondLst>
+                            <p:childTnLst>
+                              <p:par>
+                                <p:cTn id="37" presetID="2" presetClass="entr" presetSubtype="4" fill="hold" nodeType="afterEffect">
+                                  <p:stCondLst>
+                                    <p:cond delay="2000"/>
+                                  </p:stCondLst>
+                                  <p:childTnLst>
+                                    <p:set>
+                                      <p:cBhvr>
+                                        <p:cTn id="38" dur="1" fill="hold">
+                                          <p:stCondLst>
+                                            <p:cond delay="0"/>
+                                          </p:stCondLst>
+                                        </p:cTn>
+                                        <p:tgtEl>
+                                          <p:spTgt spid="8">
+                                            <p:txEl>
+                                              <p:pRg st="4" end="4"/>
+                                            </p:txEl>
+                                          </p:spTgt>
+                                        </p:tgtEl>
+                                        <p:attrNameLst>
+                                          <p:attrName>style.visibility</p:attrName>
+                                        </p:attrNameLst>
+                                      </p:cBhvr>
+                                      <p:to>
+                                        <p:strVal val="visible"/>
+                                      </p:to>
+                                    </p:set>
+                                    <p:anim calcmode="lin" valueType="num">
+                                      <p:cBhvr additive="base">
+                                        <p:cTn id="39" dur="1000" fill="hold"/>
+                                        <p:tgtEl>
+                                          <p:spTgt spid="8">
+                                            <p:txEl>
+                                              <p:pRg st="4" end="4"/>
+                                            </p:txEl>
+                                          </p:spTgt>
+                                        </p:tgtEl>
+                                        <p:attrNameLst>
+                                          <p:attrName>ppt_x</p:attrName>
+                                        </p:attrNameLst>
+                                      </p:cBhvr>
+                                      <p:tavLst>
+                                        <p:tav tm="0">
+                                          <p:val>
+                                            <p:strVal val="#ppt_x"/>
+                                          </p:val>
+                                        </p:tav>
+                                        <p:tav tm="100000">
+                                          <p:val>
+                                            <p:strVal val="#ppt_x"/>
+                                          </p:val>
+                                        </p:tav>
+                                      </p:tavLst>
+                                    </p:anim>
+                                    <p:anim calcmode="lin" valueType="num">
+                                      <p:cBhvr additive="base">
+                                        <p:cTn id="40" dur="1000" fill="hold"/>
+                                        <p:tgtEl>
+                                          <p:spTgt spid="8">
+                                            <p:txEl>
+                                              <p:pRg st="4" end="4"/>
+                                            </p:txEl>
+                                          </p:spTgt>
+                                        </p:tgtEl>
+                                        <p:attrNameLst>
+                                          <p:attrName>ppt_y</p:attrName>
+                                        </p:attrNameLst>
+                                      </p:cBhvr>
+                                      <p:tavLst>
+                                        <p:tav tm="0">
+                                          <p:val>
+                                            <p:strVal val="1+#ppt_h/2"/>
+                                          </p:val>
+                                        </p:tav>
+                                        <p:tav tm="100000">
+                                          <p:val>
+                                            <p:strVal val="#ppt_y"/>
+                                          </p:val>
+                                        </p:tav>
+                                      </p:tavLst>
+                                    </p:anim>
+                                  </p:childTnLst>
+                                </p:cTn>
+                              </p:par>
+                            </p:childTnLst>
+                          </p:cTn>
+                        </p:par>
+                        <p:par>
+                          <p:cTn id="41" fill="hold">
+                            <p:stCondLst>
+                              <p:cond delay="19000"/>
+                            </p:stCondLst>
+                            <p:childTnLst>
+                              <p:par>
+                                <p:cTn id="42" presetID="2" presetClass="entr" presetSubtype="4" fill="hold" nodeType="afterEffect">
+                                  <p:stCondLst>
+                                    <p:cond delay="2000"/>
+                                  </p:stCondLst>
+                                  <p:childTnLst>
+                                    <p:set>
+                                      <p:cBhvr>
+                                        <p:cTn id="43" dur="1" fill="hold">
+                                          <p:stCondLst>
+                                            <p:cond delay="0"/>
+                                          </p:stCondLst>
+                                        </p:cTn>
+                                        <p:tgtEl>
+                                          <p:spTgt spid="8">
+                                            <p:txEl>
+                                              <p:pRg st="5" end="5"/>
+                                            </p:txEl>
+                                          </p:spTgt>
+                                        </p:tgtEl>
+                                        <p:attrNameLst>
+                                          <p:attrName>style.visibility</p:attrName>
+                                        </p:attrNameLst>
+                                      </p:cBhvr>
+                                      <p:to>
+                                        <p:strVal val="visible"/>
+                                      </p:to>
+                                    </p:set>
+                                    <p:anim calcmode="lin" valueType="num">
+                                      <p:cBhvr additive="base">
+                                        <p:cTn id="44" dur="1500" fill="hold"/>
+                                        <p:tgtEl>
+                                          <p:spTgt spid="8">
+                                            <p:txEl>
+                                              <p:pRg st="5" end="5"/>
+                                            </p:txEl>
+                                          </p:spTgt>
+                                        </p:tgtEl>
+                                        <p:attrNameLst>
+                                          <p:attrName>ppt_x</p:attrName>
+                                        </p:attrNameLst>
+                                      </p:cBhvr>
+                                      <p:tavLst>
+                                        <p:tav tm="0">
+                                          <p:val>
+                                            <p:strVal val="#ppt_x"/>
+                                          </p:val>
+                                        </p:tav>
+                                        <p:tav tm="100000">
+                                          <p:val>
+                                            <p:strVal val="#ppt_x"/>
+                                          </p:val>
+                                        </p:tav>
+                                      </p:tavLst>
+                                    </p:anim>
+                                    <p:anim calcmode="lin" valueType="num">
+                                      <p:cBhvr additive="base">
+                                        <p:cTn id="45" dur="1500" fill="hold"/>
+                                        <p:tgtEl>
+                                          <p:spTgt spid="8">
+                                            <p:txEl>
+                                              <p:pRg st="5" end="5"/>
+                                            </p:txEl>
+                                          </p:spTgt>
+                                        </p:tgtEl>
+                                        <p:attrNameLst>
+                                          <p:attrName>ppt_y</p:attrName>
+                                        </p:attrNameLst>
+                                      </p:cBhvr>
+                                      <p:tavLst>
+                                        <p:tav tm="0">
+                                          <p:val>
+                                            <p:strVal val="1+#ppt_h/2"/>
+                                          </p:val>
+                                        </p:tav>
+                                        <p:tav tm="100000">
+                                          <p:val>
+                                            <p:strVal val="#ppt_y"/>
+                                          </p:val>
+                                        </p:tav>
+                                      </p:tavLst>
+                                    </p:anim>
+                                  </p:childTnLst>
+                                </p:cTn>
+                              </p:par>
+                            </p:childTnLst>
+                          </p:cTn>
+                        </p:par>
+                      </p:childTnLst>
+                    </p:cTn>
+                  </p:par>
+                </p:childTnLst>
+              </p:cTn>
+              <p:prevCondLst>
+                <p:cond evt="onPrev" delay="0">
+                  <p:tgtEl>
+                    <p:sldTgt/>
+                  </p:tgtEl>
+                </p:cond>
+              </p:prevCondLst>
+              <p:nextCondLst>
+                <p:cond evt="onNext" delay="0">
+                  <p:tgtEl>
+                    <p:sldTgt/>
+                  </p:tgtEl>
+                </p:cond>
+              </p:nextCondLst>
+            </p:seq>
+          </p:childTnLst>
+        </p:cTn>
+      </p:par>
+    </p:tnLst>
+    <p:bldLst>
+      <p:bldP spid="2" grpId="0"/>
+    </p:bldLst>
+  </p:timing>
+</p:sld>
+</file>
+
+<file path=ppt/slides/slide9.xml><?xml version="1.0" encoding="utf-8"?>
+<p:sld xmlns:a="http://schemas.openxmlformats.org/drawingml/2006/main" xmlns:r="http://schemas.openxmlformats.org/officeDocument/2006/relationships" xmlns:p="http://schemas.openxmlformats.org/presentationml/2006/main">
+  <p:cSld>
+    <p:spTree>
+      <p:nvGrpSpPr>
+        <p:cNvPr id="1" name=""/>
+        <p:cNvGrpSpPr/>
+        <p:nvPr/>
+      </p:nvGrpSpPr>
+      <p:grpSpPr>
+        <a:xfrm>
+          <a:off x="0" y="0"/>
+          <a:ext cx="0" cy="0"/>
+          <a:chOff x="0" y="0"/>
+          <a:chExt cx="0" cy="0"/>
+        </a:xfrm>
+      </p:grpSpPr>
+      <p:sp>
+        <p:nvSpPr>
+          <p:cNvPr id="2" name="Cím 1">
+            <a:extLst>
+              <a:ext uri="{FF2B5EF4-FFF2-40B4-BE49-F238E27FC236}">
+                <a16:creationId xmlns:a16="http://schemas.microsoft.com/office/drawing/2014/main" id="{6CDD2F92-20C5-4F0B-B39F-35C5CB1C58D2}"/>
+              </a:ext>
+            </a:extLst>
+          </p:cNvPr>
+          <p:cNvSpPr>
+            <a:spLocks noGrp="1"/>
+          </p:cNvSpPr>
+          <p:nvPr>
+            <p:ph type="title"/>
+          </p:nvPr>
+        </p:nvSpPr>
+        <p:spPr>
+          <a:xfrm>
+            <a:off x="1278524" y="799071"/>
+            <a:ext cx="4586816" cy="1328580"/>
+          </a:xfrm>
+        </p:spPr>
+        <p:txBody>
+          <a:bodyPr/>
+          <a:lstStyle/>
+          <a:p>
+            <a:r>
+              <a:rPr lang="hu-HU" dirty="0"/>
+              <a:t>K.Papp Benjamin</a:t>
+            </a:r>
+          </a:p>
+        </p:txBody>
+      </p:sp>
+      <p:pic>
+        <p:nvPicPr>
+          <p:cNvPr id="5" name="Kép 4">
+            <a:extLst>
+              <a:ext uri="{FF2B5EF4-FFF2-40B4-BE49-F238E27FC236}">
+                <a16:creationId xmlns:a16="http://schemas.microsoft.com/office/drawing/2014/main" id="{93CD777C-7B52-49D6-898C-53372FC5845F}"/>
+              </a:ext>
+            </a:extLst>
+          </p:cNvPr>
+          <p:cNvPicPr>
+            <a:picLocks noChangeAspect="1"/>
+          </p:cNvPicPr>
+          <p:nvPr/>
+        </p:nvPicPr>
+        <p:blipFill>
+          <a:blip r:embed="rId2"/>
+          <a:stretch>
+            <a:fillRect/>
+          </a:stretch>
+        </p:blipFill>
+        <p:spPr>
+          <a:xfrm>
+            <a:off x="1367481" y="2069386"/>
+            <a:ext cx="4160108" cy="3617761"/>
+          </a:xfrm>
+          <a:prstGeom prst="rect">
+            <a:avLst/>
+          </a:prstGeom>
+        </p:spPr>
+      </p:pic>
+      <p:sp>
+        <p:nvSpPr>
+          <p:cNvPr id="6" name="Szövegdoboz 5">
+            <a:extLst>
+              <a:ext uri="{FF2B5EF4-FFF2-40B4-BE49-F238E27FC236}">
+                <a16:creationId xmlns:a16="http://schemas.microsoft.com/office/drawing/2014/main" id="{8049FAC4-7B4D-42D9-A350-D14780E60E69}"/>
+              </a:ext>
+            </a:extLst>
+          </p:cNvPr>
+          <p:cNvSpPr txBox="1"/>
+          <p:nvPr/>
+        </p:nvSpPr>
+        <p:spPr>
+          <a:xfrm>
+            <a:off x="7444342" y="1942437"/>
+            <a:ext cx="4586816" cy="4247317"/>
+          </a:xfrm>
+          <a:prstGeom prst="rect">
+            <a:avLst/>
+          </a:prstGeom>
+          <a:noFill/>
+        </p:spPr>
+        <p:txBody>
+          <a:bodyPr wrap="square" rtlCol="0">
+            <a:spAutoFit/>
+          </a:bodyPr>
+          <a:lstStyle/>
+          <a:p>
+            <a:pPr marL="457200" indent="-457200">
+              <a:buFont typeface="Century Gothic" panose="020B0502020202020204" pitchFamily="34" charset="0"/>
+              <a:buChar char="–"/>
+            </a:pPr>
+            <a:r>
+              <a:rPr lang="hu-HU" sz="2800" dirty="0"/>
+              <a:t>16 éves</a:t>
+            </a:r>
+          </a:p>
+          <a:p>
+            <a:pPr marL="457200" indent="-457200">
+              <a:buFont typeface="Century Gothic" panose="020B0502020202020204" pitchFamily="34" charset="0"/>
+              <a:buChar char="–"/>
+            </a:pPr>
+            <a:r>
+              <a:rPr lang="hu-HU" sz="2800" dirty="0"/>
+              <a:t>Több éves informatikai tapasztalat</a:t>
+            </a:r>
+          </a:p>
+          <a:p>
+            <a:pPr marL="457200" indent="-457200">
+              <a:buFont typeface="Century Gothic" panose="020B0502020202020204" pitchFamily="34" charset="0"/>
+              <a:buChar char="–"/>
+            </a:pPr>
+            <a:r>
+              <a:rPr lang="hu-HU" sz="2800" dirty="0"/>
+              <a:t>Tanulmányok</a:t>
+            </a:r>
+          </a:p>
+          <a:p>
+            <a:pPr marL="457200" indent="-457200">
+              <a:buFont typeface="Century Gothic" panose="020B0502020202020204" pitchFamily="34" charset="0"/>
+              <a:buChar char="–"/>
+            </a:pPr>
+            <a:r>
+              <a:rPr lang="hu-HU" sz="2800" dirty="0"/>
+              <a:t>Szakember</a:t>
+            </a:r>
+          </a:p>
+          <a:p>
+            <a:endParaRPr lang="hu-HU" sz="2800" dirty="0"/>
+          </a:p>
+          <a:p>
+            <a:pPr marL="457200" indent="-457200">
+              <a:buFont typeface="Century Gothic" panose="020B0502020202020204" pitchFamily="34" charset="0"/>
+              <a:buChar char="–"/>
+            </a:pPr>
+            <a:endParaRPr lang="hu-HU" sz="2800" dirty="0"/>
+          </a:p>
+          <a:p>
+            <a:pPr marL="457200" indent="-457200">
+              <a:buFont typeface="Century Gothic" panose="020B0502020202020204" pitchFamily="34" charset="0"/>
+              <a:buChar char="–"/>
+            </a:pPr>
+            <a:endParaRPr lang="hu-HU" sz="2800" dirty="0"/>
+          </a:p>
+          <a:p>
+            <a:r>
+              <a:rPr lang="hu-HU" sz="2800" dirty="0"/>
+              <a:t>	</a:t>
+            </a:r>
+          </a:p>
+          <a:p>
+            <a:pPr marL="285750" indent="-285750">
+              <a:buFont typeface="Arial" panose="020B0604020202020204" pitchFamily="34" charset="0"/>
+              <a:buChar char="•"/>
+            </a:pPr>
+            <a:endParaRPr lang="hu-HU" dirty="0"/>
+          </a:p>
+        </p:txBody>
+      </p:sp>
+    </p:spTree>
+    <p:extLst>
+      <p:ext uri="{BB962C8B-B14F-4D97-AF65-F5344CB8AC3E}">
+        <p14:creationId xmlns:p14="http://schemas.microsoft.com/office/powerpoint/2010/main" val="3487544041"/>
+      </p:ext>
+    </p:extLst>
+  </p:cSld>
+  <p:clrMapOvr>
+    <a:masterClrMapping/>
+  </p:clrMapOvr>
+  <mc:AlternateContent xmlns:mc="http://schemas.openxmlformats.org/markup-compatibility/2006">
+    <mc:Choice xmlns:p14="http://schemas.microsoft.com/office/powerpoint/2010/main" Requires="p14">
+      <p:transition spd="slow" p14:dur="1250" advClick="0" advTm="3000">
+        <p14:flip dir="r"/>
+      </p:transition>
+    </mc:Choice>
+    <mc:Fallback>
+      <p:transition spd="slow" advClick="0" advTm="3000">
+        <p:fade/>
+      </p:transition>
+    </mc:Fallback>
+  </mc:AlternateContent>
+  <p:timing>
+    <p:tnLst>
+      <p:par>
+        <p:cTn id="1" dur="indefinite" restart="never" nodeType="tmRoot">
+          <p:childTnLst>
+            <p:seq concurrent="1" nextAc="seek">
+              <p:cTn id="2" dur="indefinite" nodeType="mainSeq">
+                <p:childTnLst>
+                  <p:par>
+                    <p:cTn id="3" fill="hold">
+                      <p:stCondLst>
+                        <p:cond delay="indefinite"/>
+                        <p:cond evt="onBegin" delay="0">
+                          <p:tn val="2"/>
+                        </p:cond>
+                      </p:stCondLst>
+                      <p:childTnLst>
+                        <p:par>
+                          <p:cTn id="4" fill="hold">
+                            <p:stCondLst>
+                              <p:cond delay="0"/>
+                            </p:stCondLst>
+                            <p:childTnLst>
+                              <p:par>
+                                <p:cTn id="5" presetID="2" presetClass="entr" presetSubtype="4" fill="hold" grpId="0" nodeType="afterEffect">
+                                  <p:stCondLst>
+                                    <p:cond delay="2000"/>
+                                  </p:stCondLst>
+                                  <p:childTnLst>
+                                    <p:set>
+                                      <p:cBhvr>
+                                        <p:cTn id="6" dur="1" fill="hold">
+                                          <p:stCondLst>
+                                            <p:cond delay="0"/>
+                                          </p:stCondLst>
+                                        </p:cTn>
+                                        <p:tgtEl>
+                                          <p:spTgt spid="2"/>
+                                        </p:tgtEl>
+                                        <p:attrNameLst>
+                                          <p:attrName>style.visibility</p:attrName>
+                                        </p:attrNameLst>
+                                      </p:cBhvr>
+                                      <p:to>
+                                        <p:strVal val="visible"/>
+                                      </p:to>
+                                    </p:set>
+                                    <p:anim calcmode="lin" valueType="num">
+                                      <p:cBhvr additive="base">
+                                        <p:cTn id="7" dur="1500" fill="hold"/>
+                                        <p:tgtEl>
+                                          <p:spTgt spid="2"/>
+                                        </p:tgtEl>
+                                        <p:attrNameLst>
+                                          <p:attrName>ppt_x</p:attrName>
+                                        </p:attrNameLst>
+                                      </p:cBhvr>
+                                      <p:tavLst>
+                                        <p:tav tm="0">
+                                          <p:val>
+                                            <p:strVal val="#ppt_x"/>
+                                          </p:val>
+                                        </p:tav>
+                                        <p:tav tm="100000">
+                                          <p:val>
+                                            <p:strVal val="#ppt_x"/>
+                                          </p:val>
+                                        </p:tav>
+                                      </p:tavLst>
+                                    </p:anim>
+                                    <p:anim calcmode="lin" valueType="num">
+                                      <p:cBhvr additive="base">
+                                        <p:cTn id="8" dur="1500" fill="hold"/>
+                                        <p:tgtEl>
+                                          <p:spTgt spid="2"/>
+                                        </p:tgtEl>
+                                        <p:attrNameLst>
+                                          <p:attrName>ppt_y</p:attrName>
+                                        </p:attrNameLst>
+                                      </p:cBhvr>
+                                      <p:tavLst>
+                                        <p:tav tm="0">
+                                          <p:val>
+                                            <p:strVal val="1+#ppt_h/2"/>
+                                          </p:val>
+                                        </p:tav>
+                                        <p:tav tm="100000">
+                                          <p:val>
+                                            <p:strVal val="#ppt_y"/>
+                                          </p:val>
+                                        </p:tav>
+                                      </p:tavLst>
+                                    </p:anim>
+                                  </p:childTnLst>
+                                </p:cTn>
+                              </p:par>
+                            </p:childTnLst>
+                          </p:cTn>
+                        </p:par>
+                        <p:par>
+                          <p:cTn id="9" fill="hold">
+                            <p:stCondLst>
+                              <p:cond delay="3500"/>
+                            </p:stCondLst>
+                            <p:childTnLst>
+                              <p:par>
+                                <p:cTn id="10" presetID="2" presetClass="entr" presetSubtype="4" fill="hold" nodeType="afterEffect">
+                                  <p:stCondLst>
+                                    <p:cond delay="0"/>
+                                  </p:stCondLst>
+                                  <p:childTnLst>
+                                    <p:set>
+                                      <p:cBhvr>
+                                        <p:cTn id="11" dur="1" fill="hold">
+                                          <p:stCondLst>
+                                            <p:cond delay="0"/>
+                                          </p:stCondLst>
+                                        </p:cTn>
+                                        <p:tgtEl>
+                                          <p:spTgt spid="5"/>
+                                        </p:tgtEl>
+                                        <p:attrNameLst>
+                                          <p:attrName>style.visibility</p:attrName>
+                                        </p:attrNameLst>
+                                      </p:cBhvr>
+                                      <p:to>
+                                        <p:strVal val="visible"/>
+                                      </p:to>
+                                    </p:set>
+                                    <p:anim calcmode="lin" valueType="num">
+                                      <p:cBhvr additive="base">
+                                        <p:cTn id="12" dur="1500" fill="hold"/>
+                                        <p:tgtEl>
+                                          <p:spTgt spid="5"/>
+                                        </p:tgtEl>
+                                        <p:attrNameLst>
+                                          <p:attrName>ppt_x</p:attrName>
+                                        </p:attrNameLst>
+                                      </p:cBhvr>
+                                      <p:tavLst>
+                                        <p:tav tm="0">
+                                          <p:val>
+                                            <p:strVal val="#ppt_x"/>
+                                          </p:val>
+                                        </p:tav>
+                                        <p:tav tm="100000">
+                                          <p:val>
+                                            <p:strVal val="#ppt_x"/>
+                                          </p:val>
+                                        </p:tav>
+                                      </p:tavLst>
+                                    </p:anim>
+                                    <p:anim calcmode="lin" valueType="num">
+                                      <p:cBhvr additive="base">
+                                        <p:cTn id="13" dur="1500" fill="hold"/>
+                                        <p:tgtEl>
+                                          <p:spTgt spid="5"/>
+                                        </p:tgtEl>
+                                        <p:attrNameLst>
+                                          <p:attrName>ppt_y</p:attrName>
+                                        </p:attrNameLst>
+                                      </p:cBhvr>
+                                      <p:tavLst>
+                                        <p:tav tm="0">
+                                          <p:val>
+                                            <p:strVal val="1+#ppt_h/2"/>
+                                          </p:val>
+                                        </p:tav>
+                                        <p:tav tm="100000">
+                                          <p:val>
+                                            <p:strVal val="#ppt_y"/>
+                                          </p:val>
+                                        </p:tav>
+                                      </p:tavLst>
+                                    </p:anim>
+                                  </p:childTnLst>
+                                </p:cTn>
+                              </p:par>
+                            </p:childTnLst>
+                          </p:cTn>
+                        </p:par>
+                        <p:par>
+                          <p:cTn id="14" fill="hold">
+                            <p:stCondLst>
+                              <p:cond delay="5000"/>
+                            </p:stCondLst>
+                            <p:childTnLst>
+                              <p:par>
+                                <p:cTn id="15" presetID="2" presetClass="entr" presetSubtype="4" fill="hold" nodeType="afterEffect">
+                                  <p:stCondLst>
+                                    <p:cond delay="2000"/>
+                                  </p:stCondLst>
+                                  <p:childTnLst>
+                                    <p:set>
+                                      <p:cBhvr>
+                                        <p:cTn id="16" dur="1" fill="hold">
+                                          <p:stCondLst>
+                                            <p:cond delay="0"/>
+                                          </p:stCondLst>
+                                        </p:cTn>
+                                        <p:tgtEl>
+                                          <p:spTgt spid="6">
+                                            <p:txEl>
+                                              <p:pRg st="0" end="0"/>
+                                            </p:txEl>
+                                          </p:spTgt>
+                                        </p:tgtEl>
+                                        <p:attrNameLst>
+                                          <p:attrName>style.visibility</p:attrName>
+                                        </p:attrNameLst>
+                                      </p:cBhvr>
+                                      <p:to>
+                                        <p:strVal val="visible"/>
+                                      </p:to>
+                                    </p:set>
+                                    <p:anim calcmode="lin" valueType="num">
+                                      <p:cBhvr additive="base">
+                                        <p:cTn id="17" dur="1500" fill="hold"/>
+                                        <p:tgtEl>
+                                          <p:spTgt spid="6">
+                                            <p:txEl>
+                                              <p:pRg st="0" end="0"/>
+                                            </p:txEl>
+                                          </p:spTgt>
+                                        </p:tgtEl>
+                                        <p:attrNameLst>
+                                          <p:attrName>ppt_x</p:attrName>
+                                        </p:attrNameLst>
+                                      </p:cBhvr>
+                                      <p:tavLst>
+                                        <p:tav tm="0">
+                                          <p:val>
+                                            <p:strVal val="#ppt_x"/>
+                                          </p:val>
+                                        </p:tav>
+                                        <p:tav tm="100000">
+                                          <p:val>
+                                            <p:strVal val="#ppt_x"/>
+                                          </p:val>
+                                        </p:tav>
+                                      </p:tavLst>
+                                    </p:anim>
+                                    <p:anim calcmode="lin" valueType="num">
+                                      <p:cBhvr additive="base">
+                                        <p:cTn id="18" dur="1500" fill="hold"/>
+                                        <p:tgtEl>
+                                          <p:spTgt spid="6">
+                                            <p:txEl>
+                                              <p:pRg st="0" end="0"/>
+                                            </p:txEl>
+                                          </p:spTgt>
+                                        </p:tgtEl>
+                                        <p:attrNameLst>
+                                          <p:attrName>ppt_y</p:attrName>
+                                        </p:attrNameLst>
+                                      </p:cBhvr>
+                                      <p:tavLst>
+                                        <p:tav tm="0">
+                                          <p:val>
+                                            <p:strVal val="1+#ppt_h/2"/>
+                                          </p:val>
+                                        </p:tav>
+                                        <p:tav tm="100000">
+                                          <p:val>
+                                            <p:strVal val="#ppt_y"/>
+                                          </p:val>
+                                        </p:tav>
+                                      </p:tavLst>
+                                    </p:anim>
+                                  </p:childTnLst>
+                                </p:cTn>
+                              </p:par>
+                            </p:childTnLst>
+                          </p:cTn>
+                        </p:par>
+                        <p:par>
+                          <p:cTn id="19" fill="hold">
+                            <p:stCondLst>
+                              <p:cond delay="8500"/>
+                            </p:stCondLst>
+                            <p:childTnLst>
+                              <p:par>
+                                <p:cTn id="20" presetID="2" presetClass="entr" presetSubtype="4" fill="hold" nodeType="afterEffect">
+                                  <p:stCondLst>
+                                    <p:cond delay="2000"/>
+                                  </p:stCondLst>
+                                  <p:childTnLst>
+                                    <p:set>
+                                      <p:cBhvr>
+                                        <p:cTn id="21" dur="1" fill="hold">
+                                          <p:stCondLst>
+                                            <p:cond delay="0"/>
+                                          </p:stCondLst>
+                                        </p:cTn>
+                                        <p:tgtEl>
+                                          <p:spTgt spid="6">
+                                            <p:txEl>
+                                              <p:pRg st="1" end="1"/>
+                                            </p:txEl>
+                                          </p:spTgt>
+                                        </p:tgtEl>
+                                        <p:attrNameLst>
+                                          <p:attrName>style.visibility</p:attrName>
+                                        </p:attrNameLst>
+                                      </p:cBhvr>
+                                      <p:to>
+                                        <p:strVal val="visible"/>
+                                      </p:to>
+                                    </p:set>
+                                    <p:anim calcmode="lin" valueType="num">
+                                      <p:cBhvr additive="base">
+                                        <p:cTn id="22" dur="1500" fill="hold"/>
+                                        <p:tgtEl>
+                                          <p:spTgt spid="6">
+                                            <p:txEl>
+                                              <p:pRg st="1" end="1"/>
+                                            </p:txEl>
+                                          </p:spTgt>
+                                        </p:tgtEl>
+                                        <p:attrNameLst>
+                                          <p:attrName>ppt_x</p:attrName>
+                                        </p:attrNameLst>
+                                      </p:cBhvr>
+                                      <p:tavLst>
+                                        <p:tav tm="0">
+                                          <p:val>
+                                            <p:strVal val="#ppt_x"/>
+                                          </p:val>
+                                        </p:tav>
+                                        <p:tav tm="100000">
+                                          <p:val>
+                                            <p:strVal val="#ppt_x"/>
+                                          </p:val>
+                                        </p:tav>
+                                      </p:tavLst>
+                                    </p:anim>
+                                    <p:anim calcmode="lin" valueType="num">
+                                      <p:cBhvr additive="base">
+                                        <p:cTn id="23" dur="1500" fill="hold"/>
+                                        <p:tgtEl>
+                                          <p:spTgt spid="6">
+                                            <p:txEl>
+                                              <p:pRg st="1" end="1"/>
+                                            </p:txEl>
+                                          </p:spTgt>
+                                        </p:tgtEl>
+                                        <p:attrNameLst>
+                                          <p:attrName>ppt_y</p:attrName>
+                                        </p:attrNameLst>
+                                      </p:cBhvr>
+                                      <p:tavLst>
+                                        <p:tav tm="0">
+                                          <p:val>
+                                            <p:strVal val="1+#ppt_h/2"/>
+                                          </p:val>
+                                        </p:tav>
+                                        <p:tav tm="100000">
+                                          <p:val>
+                                            <p:strVal val="#ppt_y"/>
+                                          </p:val>
+                                        </p:tav>
+                                      </p:tavLst>
+                                    </p:anim>
+                                  </p:childTnLst>
+                                </p:cTn>
+                              </p:par>
+                            </p:childTnLst>
+                          </p:cTn>
+                        </p:par>
+                        <p:par>
+                          <p:cTn id="24" fill="hold">
+                            <p:stCondLst>
+                              <p:cond delay="12000"/>
+                            </p:stCondLst>
+                            <p:childTnLst>
+                              <p:par>
+                                <p:cTn id="25" presetID="2" presetClass="entr" presetSubtype="4" fill="hold" nodeType="afterEffect">
+                                  <p:stCondLst>
+                                    <p:cond delay="4000"/>
+                                  </p:stCondLst>
+                                  <p:childTnLst>
+                                    <p:set>
+                                      <p:cBhvr>
+                                        <p:cTn id="26" dur="1" fill="hold">
+                                          <p:stCondLst>
+                                            <p:cond delay="0"/>
+                                          </p:stCondLst>
+                                        </p:cTn>
+                                        <p:tgtEl>
+                                          <p:spTgt spid="6">
+                                            <p:txEl>
+                                              <p:pRg st="2" end="2"/>
+                                            </p:txEl>
+                                          </p:spTgt>
+                                        </p:tgtEl>
+                                        <p:attrNameLst>
+                                          <p:attrName>style.visibility</p:attrName>
+                                        </p:attrNameLst>
+                                      </p:cBhvr>
+                                      <p:to>
+                                        <p:strVal val="visible"/>
+                                      </p:to>
+                                    </p:set>
+                                    <p:anim calcmode="lin" valueType="num">
+                                      <p:cBhvr additive="base">
+                                        <p:cTn id="27" dur="1500" fill="hold"/>
+                                        <p:tgtEl>
+                                          <p:spTgt spid="6">
+                                            <p:txEl>
+                                              <p:pRg st="2" end="2"/>
+                                            </p:txEl>
+                                          </p:spTgt>
+                                        </p:tgtEl>
+                                        <p:attrNameLst>
+                                          <p:attrName>ppt_x</p:attrName>
+                                        </p:attrNameLst>
+                                      </p:cBhvr>
+                                      <p:tavLst>
+                                        <p:tav tm="0">
+                                          <p:val>
+                                            <p:strVal val="#ppt_x"/>
+                                          </p:val>
+                                        </p:tav>
+                                        <p:tav tm="100000">
+                                          <p:val>
+                                            <p:strVal val="#ppt_x"/>
+                                          </p:val>
+                                        </p:tav>
+                                      </p:tavLst>
+                                    </p:anim>
+                                    <p:anim calcmode="lin" valueType="num">
+                                      <p:cBhvr additive="base">
+                                        <p:cTn id="28" dur="1500" fill="hold"/>
+                                        <p:tgtEl>
+                                          <p:spTgt spid="6">
+                                            <p:txEl>
+                                              <p:pRg st="2" end="2"/>
+                                            </p:txEl>
+                                          </p:spTgt>
+                                        </p:tgtEl>
+                                        <p:attrNameLst>
+                                          <p:attrName>ppt_y</p:attrName>
+                                        </p:attrNameLst>
+                                      </p:cBhvr>
+                                      <p:tavLst>
+                                        <p:tav tm="0">
+                                          <p:val>
+                                            <p:strVal val="1+#ppt_h/2"/>
+                                          </p:val>
+                                        </p:tav>
+                                        <p:tav tm="100000">
+                                          <p:val>
+                                            <p:strVal val="#ppt_y"/>
+                                          </p:val>
+                                        </p:tav>
+                                      </p:tavLst>
+                                    </p:anim>
+                                  </p:childTnLst>
+                                </p:cTn>
+                              </p:par>
+                            </p:childTnLst>
+                          </p:cTn>
+                        </p:par>
+                        <p:par>
+                          <p:cTn id="29" fill="hold">
+                            <p:stCondLst>
+                              <p:cond delay="17500"/>
+                            </p:stCondLst>
+                            <p:childTnLst>
+                              <p:par>
+                                <p:cTn id="30" presetID="2" presetClass="entr" presetSubtype="4" fill="hold" nodeType="afterEffect">
+                                  <p:stCondLst>
+                                    <p:cond delay="4000"/>
+                                  </p:stCondLst>
+                                  <p:childTnLst>
+                                    <p:set>
+                                      <p:cBhvr>
+                                        <p:cTn id="31" dur="1" fill="hold">
+                                          <p:stCondLst>
+                                            <p:cond delay="0"/>
+                                          </p:stCondLst>
+                                        </p:cTn>
+                                        <p:tgtEl>
+                                          <p:spTgt spid="6">
+                                            <p:txEl>
+                                              <p:pRg st="3" end="3"/>
+                                            </p:txEl>
+                                          </p:spTgt>
+                                        </p:tgtEl>
+                                        <p:attrNameLst>
+                                          <p:attrName>style.visibility</p:attrName>
+                                        </p:attrNameLst>
+                                      </p:cBhvr>
+                                      <p:to>
+                                        <p:strVal val="visible"/>
+                                      </p:to>
+                                    </p:set>
+                                    <p:anim calcmode="lin" valueType="num">
+                                      <p:cBhvr additive="base">
+                                        <p:cTn id="32" dur="1500" fill="hold"/>
+                                        <p:tgtEl>
+                                          <p:spTgt spid="6">
+                                            <p:txEl>
+                                              <p:pRg st="3" end="3"/>
+                                            </p:txEl>
+                                          </p:spTgt>
+                                        </p:tgtEl>
+                                        <p:attrNameLst>
+                                          <p:attrName>ppt_x</p:attrName>
+                                        </p:attrNameLst>
+                                      </p:cBhvr>
+                                      <p:tavLst>
+                                        <p:tav tm="0">
+                                          <p:val>
+                                            <p:strVal val="#ppt_x"/>
+                                          </p:val>
+                                        </p:tav>
+                                        <p:tav tm="100000">
+                                          <p:val>
+                                            <p:strVal val="#ppt_x"/>
+                                          </p:val>
+                                        </p:tav>
+                                      </p:tavLst>
+                                    </p:anim>
+                                    <p:anim calcmode="lin" valueType="num">
+                                      <p:cBhvr additive="base">
+                                        <p:cTn id="33" dur="1500" fill="hold"/>
+                                        <p:tgtEl>
+                                          <p:spTgt spid="6">
+                                            <p:txEl>
+                                              <p:pRg st="3" end="3"/>
+                                            </p:txEl>
+                                          </p:spTgt>
+                                        </p:tgtEl>
+                                        <p:attrNameLst>
+                                          <p:attrName>ppt_y</p:attrName>
+                                        </p:attrNameLst>
+                                      </p:cBhvr>
+                                      <p:tavLst>
+                                        <p:tav tm="0">
+                                          <p:val>
+                                            <p:strVal val="1+#ppt_h/2"/>
+                                          </p:val>
+                                        </p:tav>
+                                        <p:tav tm="100000">
+                                          <p:val>
+                                            <p:strVal val="#ppt_y"/>
+                                          </p:val>
+                                        </p:tav>
+                                      </p:tavLst>
+                                    </p:anim>
+                                  </p:childTnLst>
+                                </p:cTn>
+                              </p:par>
+                            </p:childTnLst>
+                          </p:cTn>
+                        </p:par>
+                      </p:childTnLst>
+                    </p:cTn>
+                  </p:par>
+                </p:childTnLst>
+              </p:cTn>
+              <p:prevCondLst>
+                <p:cond evt="onPrev" delay="0">
+                  <p:tgtEl>
+                    <p:sldTgt/>
+                  </p:tgtEl>
+                </p:cond>
+              </p:prevCondLst>
+              <p:nextCondLst>
+                <p:cond evt="onNext" delay="0">
+                  <p:tgtEl>
+                    <p:sldTgt/>
+                  </p:tgtEl>
+                </p:cond>
+              </p:nextCondLst>
+            </p:seq>
+          </p:childTnLst>
+        </p:cTn>
+      </p:par>
+    </p:tnLst>
+    <p:bldLst>
+      <p:bldP spid="2" grpId="0"/>
+    </p:bldLst>
+  </p:timing>
 </p:sld>
 </file>
 
